--- a/02_活動圖/活動圖-許.pptx
+++ b/02_活動圖/活動圖-許.pptx
@@ -108,7 +108,7 @@
   </p:defaultTextStyle>
   <p:extLst>
     <p:ext uri="{EFAFB233-063F-42B5-8137-9DF3F51BA10A}">
-      <p15:sldGuideLst xmlns:p15="http://schemas.microsoft.com/office/powerpoint/2012/main" xmlns=""/>
+      <p15:sldGuideLst xmlns="" xmlns:p15="http://schemas.microsoft.com/office/powerpoint/2012/main"/>
     </p:ext>
   </p:extLst>
 </p:presentation>
@@ -245,7 +245,7 @@
           <a:p>
             <a:fld id="{974EEC73-651C-4AB6-AB26-3342BCB710E8}" type="datetimeFigureOut">
               <a:rPr lang="zh-TW" altLang="en-US" smtClean="0"/>
-              <a:t>2021/1/15</a:t>
+              <a:t>2021/1/19</a:t>
             </a:fld>
             <a:endParaRPr lang="zh-TW" altLang="en-US"/>
           </a:p>
@@ -415,7 +415,7 @@
           <a:p>
             <a:fld id="{974EEC73-651C-4AB6-AB26-3342BCB710E8}" type="datetimeFigureOut">
               <a:rPr lang="zh-TW" altLang="en-US" smtClean="0"/>
-              <a:t>2021/1/15</a:t>
+              <a:t>2021/1/19</a:t>
             </a:fld>
             <a:endParaRPr lang="zh-TW" altLang="en-US"/>
           </a:p>
@@ -595,7 +595,7 @@
           <a:p>
             <a:fld id="{974EEC73-651C-4AB6-AB26-3342BCB710E8}" type="datetimeFigureOut">
               <a:rPr lang="zh-TW" altLang="en-US" smtClean="0"/>
-              <a:t>2021/1/15</a:t>
+              <a:t>2021/1/19</a:t>
             </a:fld>
             <a:endParaRPr lang="zh-TW" altLang="en-US"/>
           </a:p>
@@ -765,7 +765,7 @@
           <a:p>
             <a:fld id="{974EEC73-651C-4AB6-AB26-3342BCB710E8}" type="datetimeFigureOut">
               <a:rPr lang="zh-TW" altLang="en-US" smtClean="0"/>
-              <a:t>2021/1/15</a:t>
+              <a:t>2021/1/19</a:t>
             </a:fld>
             <a:endParaRPr lang="zh-TW" altLang="en-US"/>
           </a:p>
@@ -1011,7 +1011,7 @@
           <a:p>
             <a:fld id="{974EEC73-651C-4AB6-AB26-3342BCB710E8}" type="datetimeFigureOut">
               <a:rPr lang="zh-TW" altLang="en-US" smtClean="0"/>
-              <a:t>2021/1/15</a:t>
+              <a:t>2021/1/19</a:t>
             </a:fld>
             <a:endParaRPr lang="zh-TW" altLang="en-US"/>
           </a:p>
@@ -1243,7 +1243,7 @@
           <a:p>
             <a:fld id="{974EEC73-651C-4AB6-AB26-3342BCB710E8}" type="datetimeFigureOut">
               <a:rPr lang="zh-TW" altLang="en-US" smtClean="0"/>
-              <a:t>2021/1/15</a:t>
+              <a:t>2021/1/19</a:t>
             </a:fld>
             <a:endParaRPr lang="zh-TW" altLang="en-US"/>
           </a:p>
@@ -1610,7 +1610,7 @@
           <a:p>
             <a:fld id="{974EEC73-651C-4AB6-AB26-3342BCB710E8}" type="datetimeFigureOut">
               <a:rPr lang="zh-TW" altLang="en-US" smtClean="0"/>
-              <a:t>2021/1/15</a:t>
+              <a:t>2021/1/19</a:t>
             </a:fld>
             <a:endParaRPr lang="zh-TW" altLang="en-US"/>
           </a:p>
@@ -1728,7 +1728,7 @@
           <a:p>
             <a:fld id="{974EEC73-651C-4AB6-AB26-3342BCB710E8}" type="datetimeFigureOut">
               <a:rPr lang="zh-TW" altLang="en-US" smtClean="0"/>
-              <a:t>2021/1/15</a:t>
+              <a:t>2021/1/19</a:t>
             </a:fld>
             <a:endParaRPr lang="zh-TW" altLang="en-US"/>
           </a:p>
@@ -1823,7 +1823,7 @@
           <a:p>
             <a:fld id="{974EEC73-651C-4AB6-AB26-3342BCB710E8}" type="datetimeFigureOut">
               <a:rPr lang="zh-TW" altLang="en-US" smtClean="0"/>
-              <a:t>2021/1/15</a:t>
+              <a:t>2021/1/19</a:t>
             </a:fld>
             <a:endParaRPr lang="zh-TW" altLang="en-US"/>
           </a:p>
@@ -2100,7 +2100,7 @@
           <a:p>
             <a:fld id="{974EEC73-651C-4AB6-AB26-3342BCB710E8}" type="datetimeFigureOut">
               <a:rPr lang="zh-TW" altLang="en-US" smtClean="0"/>
-              <a:t>2021/1/15</a:t>
+              <a:t>2021/1/19</a:t>
             </a:fld>
             <a:endParaRPr lang="zh-TW" altLang="en-US"/>
           </a:p>
@@ -2353,7 +2353,7 @@
           <a:p>
             <a:fld id="{974EEC73-651C-4AB6-AB26-3342BCB710E8}" type="datetimeFigureOut">
               <a:rPr lang="zh-TW" altLang="en-US" smtClean="0"/>
-              <a:t>2021/1/15</a:t>
+              <a:t>2021/1/19</a:t>
             </a:fld>
             <a:endParaRPr lang="zh-TW" altLang="en-US"/>
           </a:p>
@@ -2566,7 +2566,7 @@
           <a:p>
             <a:fld id="{974EEC73-651C-4AB6-AB26-3342BCB710E8}" type="datetimeFigureOut">
               <a:rPr lang="zh-TW" altLang="en-US" smtClean="0"/>
-              <a:t>2021/1/15</a:t>
+              <a:t>2021/1/19</a:t>
             </a:fld>
             <a:endParaRPr lang="zh-TW" altLang="en-US"/>
           </a:p>
@@ -4267,17 +4267,7 @@
                   <a:latin typeface="標楷體" panose="03000509000000000000" pitchFamily="65" charset="-120"/>
                   <a:ea typeface="標楷體" panose="03000509000000000000" pitchFamily="65" charset="-120"/>
                 </a:rPr>
-                <a:t>1</a:t>
-              </a:r>
-              <a:r>
-                <a:rPr lang="en-US" altLang="zh-TW" sz="1100" dirty="0" smtClean="0">
-                  <a:solidFill>
-                    <a:schemeClr val="tx1"/>
-                  </a:solidFill>
-                  <a:latin typeface="標楷體" panose="03000509000000000000" pitchFamily="65" charset="-120"/>
-                  <a:ea typeface="標楷體" panose="03000509000000000000" pitchFamily="65" charset="-120"/>
-                </a:rPr>
-                <a:t>.</a:t>
+                <a:t>1.</a:t>
               </a:r>
               <a:r>
                 <a:rPr lang="zh-TW" altLang="en-US" sz="1100" dirty="0">
@@ -4317,17 +4307,7 @@
                   <a:latin typeface="標楷體" panose="03000509000000000000" pitchFamily="65" charset="-120"/>
                   <a:ea typeface="標楷體" panose="03000509000000000000" pitchFamily="65" charset="-120"/>
                 </a:rPr>
-                <a:t>2</a:t>
-              </a:r>
-              <a:r>
-                <a:rPr lang="en-US" altLang="zh-TW" sz="1100" dirty="0" smtClean="0">
-                  <a:solidFill>
-                    <a:schemeClr val="tx1"/>
-                  </a:solidFill>
-                  <a:latin typeface="標楷體" panose="03000509000000000000" pitchFamily="65" charset="-120"/>
-                  <a:ea typeface="標楷體" panose="03000509000000000000" pitchFamily="65" charset="-120"/>
-                </a:rPr>
-                <a:t>.</a:t>
+                <a:t>2.</a:t>
               </a:r>
               <a:r>
                 <a:rPr lang="zh-TW" altLang="en-US" sz="1100" dirty="0">
@@ -4357,17 +4337,7 @@
                   <a:latin typeface="標楷體" panose="03000509000000000000" pitchFamily="65" charset="-120"/>
                   <a:ea typeface="標楷體" panose="03000509000000000000" pitchFamily="65" charset="-120"/>
                 </a:rPr>
-                <a:t>3</a:t>
-              </a:r>
-              <a:r>
-                <a:rPr lang="en-US" altLang="zh-TW" sz="1100" dirty="0" smtClean="0">
-                  <a:solidFill>
-                    <a:schemeClr val="tx1"/>
-                  </a:solidFill>
-                  <a:latin typeface="標楷體" panose="03000509000000000000" pitchFamily="65" charset="-120"/>
-                  <a:ea typeface="標楷體" panose="03000509000000000000" pitchFamily="65" charset="-120"/>
-                </a:rPr>
-                <a:t>.</a:t>
+                <a:t>3.</a:t>
               </a:r>
               <a:r>
                 <a:rPr lang="zh-TW" altLang="en-US" sz="1100" dirty="0">
@@ -4397,17 +4367,7 @@
                   <a:latin typeface="標楷體" panose="03000509000000000000" pitchFamily="65" charset="-120"/>
                   <a:ea typeface="標楷體" panose="03000509000000000000" pitchFamily="65" charset="-120"/>
                 </a:rPr>
-                <a:t>4</a:t>
-              </a:r>
-              <a:r>
-                <a:rPr lang="en-US" altLang="zh-TW" sz="1100" dirty="0" smtClean="0">
-                  <a:solidFill>
-                    <a:schemeClr val="tx1"/>
-                  </a:solidFill>
-                  <a:latin typeface="標楷體" panose="03000509000000000000" pitchFamily="65" charset="-120"/>
-                  <a:ea typeface="標楷體" panose="03000509000000000000" pitchFamily="65" charset="-120"/>
-                </a:rPr>
-                <a:t>.</a:t>
+                <a:t>4.</a:t>
               </a:r>
               <a:r>
                 <a:rPr lang="zh-TW" altLang="en-US" sz="1100" dirty="0">
@@ -4467,17 +4427,7 @@
                   <a:latin typeface="標楷體" panose="03000509000000000000" pitchFamily="65" charset="-120"/>
                   <a:ea typeface="標楷體" panose="03000509000000000000" pitchFamily="65" charset="-120"/>
                 </a:rPr>
-                <a:t>6</a:t>
-              </a:r>
-              <a:r>
-                <a:rPr lang="en-US" altLang="zh-TW" sz="1100" dirty="0" smtClean="0">
-                  <a:solidFill>
-                    <a:schemeClr val="tx1"/>
-                  </a:solidFill>
-                  <a:latin typeface="標楷體" panose="03000509000000000000" pitchFamily="65" charset="-120"/>
-                  <a:ea typeface="標楷體" panose="03000509000000000000" pitchFamily="65" charset="-120"/>
-                </a:rPr>
-                <a:t>.</a:t>
+                <a:t>6.</a:t>
               </a:r>
               <a:r>
                 <a:rPr lang="zh-TW" altLang="en-US" sz="1100" dirty="0">
@@ -4507,17 +4457,7 @@
                   <a:latin typeface="標楷體" panose="03000509000000000000" pitchFamily="65" charset="-120"/>
                   <a:ea typeface="標楷體" panose="03000509000000000000" pitchFamily="65" charset="-120"/>
                 </a:rPr>
-                <a:t>7</a:t>
-              </a:r>
-              <a:r>
-                <a:rPr lang="en-US" altLang="zh-TW" sz="1100" dirty="0" smtClean="0">
-                  <a:solidFill>
-                    <a:schemeClr val="tx1"/>
-                  </a:solidFill>
-                  <a:latin typeface="標楷體" panose="03000509000000000000" pitchFamily="65" charset="-120"/>
-                  <a:ea typeface="標楷體" panose="03000509000000000000" pitchFamily="65" charset="-120"/>
-                </a:rPr>
-                <a:t>.</a:t>
+                <a:t>7.</a:t>
               </a:r>
               <a:r>
                 <a:rPr lang="zh-TW" altLang="en-US" sz="1100" dirty="0">
@@ -4597,17 +4537,7 @@
                   <a:latin typeface="標楷體" panose="03000509000000000000" pitchFamily="65" charset="-120"/>
                   <a:ea typeface="標楷體" panose="03000509000000000000" pitchFamily="65" charset="-120"/>
                 </a:rPr>
-                <a:t>1</a:t>
-              </a:r>
-              <a:r>
-                <a:rPr lang="en-US" altLang="zh-TW" sz="1100" dirty="0" smtClean="0">
-                  <a:solidFill>
-                    <a:schemeClr val="tx1"/>
-                  </a:solidFill>
-                  <a:latin typeface="標楷體" panose="03000509000000000000" pitchFamily="65" charset="-120"/>
-                  <a:ea typeface="標楷體" panose="03000509000000000000" pitchFamily="65" charset="-120"/>
-                </a:rPr>
-                <a:t>.</a:t>
+                <a:t>1.</a:t>
               </a:r>
               <a:r>
                 <a:rPr lang="zh-TW" altLang="en-US" sz="1100" dirty="0">
@@ -4637,17 +4567,7 @@
                   <a:latin typeface="標楷體" panose="03000509000000000000" pitchFamily="65" charset="-120"/>
                   <a:ea typeface="標楷體" panose="03000509000000000000" pitchFamily="65" charset="-120"/>
                 </a:rPr>
-                <a:t>2</a:t>
-              </a:r>
-              <a:r>
-                <a:rPr lang="en-US" altLang="zh-TW" sz="1100" dirty="0" smtClean="0">
-                  <a:solidFill>
-                    <a:schemeClr val="tx1"/>
-                  </a:solidFill>
-                  <a:latin typeface="標楷體" panose="03000509000000000000" pitchFamily="65" charset="-120"/>
-                  <a:ea typeface="標楷體" panose="03000509000000000000" pitchFamily="65" charset="-120"/>
-                </a:rPr>
-                <a:t>.</a:t>
+                <a:t>2.</a:t>
               </a:r>
               <a:r>
                 <a:rPr lang="zh-TW" altLang="en-US" sz="1100" dirty="0">
@@ -4677,17 +4597,7 @@
                   <a:latin typeface="標楷體" panose="03000509000000000000" pitchFamily="65" charset="-120"/>
                   <a:ea typeface="標楷體" panose="03000509000000000000" pitchFamily="65" charset="-120"/>
                 </a:rPr>
-                <a:t>3</a:t>
-              </a:r>
-              <a:r>
-                <a:rPr lang="en-US" altLang="zh-TW" sz="1100" dirty="0" smtClean="0">
-                  <a:solidFill>
-                    <a:schemeClr val="tx1"/>
-                  </a:solidFill>
-                  <a:latin typeface="標楷體" panose="03000509000000000000" pitchFamily="65" charset="-120"/>
-                  <a:ea typeface="標楷體" panose="03000509000000000000" pitchFamily="65" charset="-120"/>
-                </a:rPr>
-                <a:t>.</a:t>
+                <a:t>3.</a:t>
               </a:r>
               <a:r>
                 <a:rPr lang="zh-TW" altLang="en-US" sz="1100" dirty="0" smtClean="0">
@@ -4717,17 +4627,7 @@
                   <a:latin typeface="標楷體" panose="03000509000000000000" pitchFamily="65" charset="-120"/>
                   <a:ea typeface="標楷體" panose="03000509000000000000" pitchFamily="65" charset="-120"/>
                 </a:rPr>
-                <a:t>4</a:t>
-              </a:r>
-              <a:r>
-                <a:rPr lang="en-US" altLang="zh-TW" sz="1100" dirty="0" smtClean="0">
-                  <a:solidFill>
-                    <a:schemeClr val="tx1"/>
-                  </a:solidFill>
-                  <a:latin typeface="標楷體" panose="03000509000000000000" pitchFamily="65" charset="-120"/>
-                  <a:ea typeface="標楷體" panose="03000509000000000000" pitchFamily="65" charset="-120"/>
-                </a:rPr>
-                <a:t>.</a:t>
+                <a:t>4.</a:t>
               </a:r>
               <a:r>
                 <a:rPr lang="zh-TW" altLang="en-US" sz="1100" dirty="0">
@@ -6968,17 +6868,7 @@
                   <a:latin typeface="標楷體" panose="03000509000000000000" pitchFamily="65" charset="-120"/>
                   <a:ea typeface="標楷體" panose="03000509000000000000" pitchFamily="65" charset="-120"/>
                 </a:rPr>
-                <a:t>1</a:t>
-              </a:r>
-              <a:r>
-                <a:rPr lang="en-US" altLang="zh-TW" sz="1100" dirty="0" smtClean="0">
-                  <a:solidFill>
-                    <a:schemeClr val="tx1"/>
-                  </a:solidFill>
-                  <a:latin typeface="標楷體" panose="03000509000000000000" pitchFamily="65" charset="-120"/>
-                  <a:ea typeface="標楷體" panose="03000509000000000000" pitchFamily="65" charset="-120"/>
-                </a:rPr>
-                <a:t>.</a:t>
+                <a:t>1.</a:t>
               </a:r>
               <a:r>
                 <a:rPr lang="zh-TW" altLang="en-US" sz="1100" dirty="0">
@@ -7017,17 +6907,7 @@
                   <a:latin typeface="標楷體" panose="03000509000000000000" pitchFamily="65" charset="-120"/>
                   <a:ea typeface="標楷體" panose="03000509000000000000" pitchFamily="65" charset="-120"/>
                 </a:rPr>
-                <a:t>2</a:t>
-              </a:r>
-              <a:r>
-                <a:rPr lang="en-US" altLang="zh-TW" sz="1100" dirty="0" smtClean="0">
-                  <a:solidFill>
-                    <a:schemeClr val="tx1"/>
-                  </a:solidFill>
-                  <a:latin typeface="標楷體" panose="03000509000000000000" pitchFamily="65" charset="-120"/>
-                  <a:ea typeface="標楷體" panose="03000509000000000000" pitchFamily="65" charset="-120"/>
-                </a:rPr>
-                <a:t>.</a:t>
+                <a:t>2.</a:t>
               </a:r>
               <a:r>
                 <a:rPr lang="zh-TW" altLang="en-US" sz="1100" dirty="0">
@@ -7205,17 +7085,7 @@
                   <a:latin typeface="標楷體" panose="03000509000000000000" pitchFamily="65" charset="-120"/>
                   <a:ea typeface="標楷體" panose="03000509000000000000" pitchFamily="65" charset="-120"/>
                 </a:rPr>
-                <a:t>1</a:t>
-              </a:r>
-              <a:r>
-                <a:rPr lang="en-US" altLang="zh-TW" sz="1100" dirty="0" smtClean="0">
-                  <a:solidFill>
-                    <a:schemeClr val="tx1"/>
-                  </a:solidFill>
-                  <a:latin typeface="標楷體" panose="03000509000000000000" pitchFamily="65" charset="-120"/>
-                  <a:ea typeface="標楷體" panose="03000509000000000000" pitchFamily="65" charset="-120"/>
-                </a:rPr>
-                <a:t>.</a:t>
+                <a:t>1.</a:t>
               </a:r>
               <a:r>
                 <a:rPr lang="zh-TW" altLang="en-US" sz="1100" dirty="0" smtClean="0">
@@ -7245,17 +7115,7 @@
                   <a:latin typeface="標楷體" panose="03000509000000000000" pitchFamily="65" charset="-120"/>
                   <a:ea typeface="標楷體" panose="03000509000000000000" pitchFamily="65" charset="-120"/>
                 </a:rPr>
-                <a:t>2</a:t>
-              </a:r>
-              <a:r>
-                <a:rPr lang="en-US" altLang="zh-TW" sz="1100" dirty="0" smtClean="0">
-                  <a:solidFill>
-                    <a:schemeClr val="tx1"/>
-                  </a:solidFill>
-                  <a:latin typeface="標楷體" panose="03000509000000000000" pitchFamily="65" charset="-120"/>
-                  <a:ea typeface="標楷體" panose="03000509000000000000" pitchFamily="65" charset="-120"/>
-                </a:rPr>
-                <a:t>.</a:t>
+                <a:t>2.</a:t>
               </a:r>
               <a:r>
                 <a:rPr lang="zh-TW" altLang="en-US" sz="1100" dirty="0">
@@ -7508,3207 +7368,3343 @@
           </a:p>
         </p:txBody>
       </p:sp>
-      <p:grpSp>
-        <p:nvGrpSpPr>
-          <p:cNvPr id="40" name="群組 39"/>
-          <p:cNvGrpSpPr/>
+      <p:sp>
+        <p:nvSpPr>
+          <p:cNvPr id="62" name="圓角矩形 61"/>
+          <p:cNvSpPr>
+            <a:spLocks noChangeAspect="1"/>
+          </p:cNvSpPr>
           <p:nvPr/>
-        </p:nvGrpSpPr>
-        <p:grpSpPr>
+        </p:nvSpPr>
+        <p:spPr>
           <a:xfrm>
-            <a:off x="2576088" y="517052"/>
-            <a:ext cx="6887998" cy="5490008"/>
-            <a:chOff x="2543404" y="118799"/>
-            <a:chExt cx="6887998" cy="5490008"/>
+            <a:off x="5158948" y="934690"/>
+            <a:ext cx="1152000" cy="540000"/>
           </a:xfrm>
-        </p:grpSpPr>
-        <p:sp>
-          <p:nvSpPr>
-            <p:cNvPr id="62" name="圓角矩形 61"/>
-            <p:cNvSpPr>
-              <a:spLocks noChangeAspect="1"/>
-            </p:cNvSpPr>
-            <p:nvPr/>
-          </p:nvSpPr>
-          <p:spPr>
-            <a:xfrm>
-              <a:off x="5158746" y="640799"/>
-              <a:ext cx="1152000" cy="540000"/>
-            </a:xfrm>
-            <a:prstGeom prst="roundRect">
-              <a:avLst/>
-            </a:prstGeom>
+          <a:prstGeom prst="roundRect">
+            <a:avLst/>
+          </a:prstGeom>
+          <a:solidFill>
+            <a:schemeClr val="bg1">
+              <a:lumMod val="75000"/>
+            </a:schemeClr>
+          </a:solidFill>
+          <a:ln>
             <a:solidFill>
               <a:schemeClr val="bg1">
                 <a:lumMod val="75000"/>
               </a:schemeClr>
             </a:solidFill>
-            <a:ln>
-              <a:solidFill>
-                <a:schemeClr val="bg1">
-                  <a:lumMod val="75000"/>
-                </a:schemeClr>
-              </a:solidFill>
-            </a:ln>
-          </p:spPr>
-          <p:style>
-            <a:lnRef idx="2">
-              <a:schemeClr val="accent1">
-                <a:shade val="50000"/>
-              </a:schemeClr>
-            </a:lnRef>
-            <a:fillRef idx="1">
-              <a:schemeClr val="accent1"/>
-            </a:fillRef>
-            <a:effectRef idx="0">
-              <a:schemeClr val="accent1"/>
-            </a:effectRef>
-            <a:fontRef idx="minor">
-              <a:schemeClr val="lt1"/>
-            </a:fontRef>
-          </p:style>
-          <p:txBody>
-            <a:bodyPr rtlCol="0" anchor="ctr"/>
-            <a:lstStyle/>
-            <a:p>
-              <a:pPr algn="ctr"/>
-              <a:r>
-                <a:rPr lang="zh-TW" altLang="en-US" sz="1400" b="1" dirty="0">
-                  <a:solidFill>
-                    <a:schemeClr val="tx1"/>
-                  </a:solidFill>
-                  <a:latin typeface="標楷體" panose="03000509000000000000" pitchFamily="65" charset="-120"/>
-                  <a:ea typeface="標楷體" panose="03000509000000000000" pitchFamily="65" charset="-120"/>
-                </a:rPr>
-                <a:t>美容預約</a:t>
-              </a:r>
-              <a:endParaRPr lang="en-US" altLang="zh-TW" sz="1400" b="1" dirty="0" smtClean="0">
+          </a:ln>
+        </p:spPr>
+        <p:style>
+          <a:lnRef idx="2">
+            <a:schemeClr val="accent1">
+              <a:shade val="50000"/>
+            </a:schemeClr>
+          </a:lnRef>
+          <a:fillRef idx="1">
+            <a:schemeClr val="accent1"/>
+          </a:fillRef>
+          <a:effectRef idx="0">
+            <a:schemeClr val="accent1"/>
+          </a:effectRef>
+          <a:fontRef idx="minor">
+            <a:schemeClr val="lt1"/>
+          </a:fontRef>
+        </p:style>
+        <p:txBody>
+          <a:bodyPr rtlCol="0" anchor="ctr"/>
+          <a:lstStyle/>
+          <a:p>
+            <a:pPr algn="ctr"/>
+            <a:r>
+              <a:rPr lang="zh-TW" altLang="en-US" sz="1400" b="1" dirty="0">
                 <a:solidFill>
                   <a:schemeClr val="tx1"/>
                 </a:solidFill>
                 <a:latin typeface="標楷體" panose="03000509000000000000" pitchFamily="65" charset="-120"/>
                 <a:ea typeface="標楷體" panose="03000509000000000000" pitchFamily="65" charset="-120"/>
-              </a:endParaRPr>
-            </a:p>
-          </p:txBody>
-        </p:sp>
-        <p:sp>
-          <p:nvSpPr>
-            <p:cNvPr id="66" name="菱形 65"/>
-            <p:cNvSpPr>
-              <a:spLocks noChangeAspect="1"/>
-            </p:cNvSpPr>
-            <p:nvPr/>
-          </p:nvSpPr>
-          <p:spPr>
-            <a:xfrm>
-              <a:off x="5368686" y="1468799"/>
-              <a:ext cx="720000" cy="720000"/>
-            </a:xfrm>
-            <a:prstGeom prst="diamond">
-              <a:avLst/>
-            </a:prstGeom>
-            <a:solidFill>
-              <a:schemeClr val="accent6">
-                <a:lumMod val="40000"/>
-                <a:lumOff val="60000"/>
-              </a:schemeClr>
-            </a:solidFill>
-            <a:ln>
-              <a:noFill/>
-            </a:ln>
-          </p:spPr>
-          <p:style>
-            <a:lnRef idx="2">
-              <a:schemeClr val="accent1">
-                <a:shade val="50000"/>
-              </a:schemeClr>
-            </a:lnRef>
-            <a:fillRef idx="1">
-              <a:schemeClr val="accent1"/>
-            </a:fillRef>
-            <a:effectRef idx="0">
-              <a:schemeClr val="accent1"/>
-            </a:effectRef>
-            <a:fontRef idx="minor">
-              <a:schemeClr val="lt1"/>
-            </a:fontRef>
-          </p:style>
-          <p:txBody>
-            <a:bodyPr rtlCol="0" anchor="ctr"/>
-            <a:lstStyle/>
-            <a:p>
-              <a:pPr algn="ctr"/>
-              <a:endParaRPr lang="zh-TW" altLang="en-US"/>
-            </a:p>
-          </p:txBody>
-        </p:sp>
-        <p:sp>
-          <p:nvSpPr>
-            <p:cNvPr id="68" name="圓角矩形 67"/>
-            <p:cNvSpPr>
-              <a:spLocks noChangeAspect="1"/>
-            </p:cNvSpPr>
-            <p:nvPr/>
-          </p:nvSpPr>
-          <p:spPr>
-            <a:xfrm>
-              <a:off x="3837635" y="2188798"/>
-              <a:ext cx="1152000" cy="540000"/>
-            </a:xfrm>
-            <a:prstGeom prst="roundRect">
-              <a:avLst/>
-            </a:prstGeom>
+              </a:rPr>
+              <a:t>美容預約</a:t>
+            </a:r>
+            <a:endParaRPr lang="en-US" altLang="zh-TW" sz="1400" b="1" dirty="0" smtClean="0">
+              <a:solidFill>
+                <a:schemeClr val="tx1"/>
+              </a:solidFill>
+              <a:latin typeface="標楷體" panose="03000509000000000000" pitchFamily="65" charset="-120"/>
+              <a:ea typeface="標楷體" panose="03000509000000000000" pitchFamily="65" charset="-120"/>
+            </a:endParaRPr>
+          </a:p>
+        </p:txBody>
+      </p:sp>
+      <p:sp>
+        <p:nvSpPr>
+          <p:cNvPr id="66" name="菱形 65"/>
+          <p:cNvSpPr>
+            <a:spLocks noChangeAspect="1"/>
+          </p:cNvSpPr>
+          <p:nvPr/>
+        </p:nvSpPr>
+        <p:spPr>
+          <a:xfrm>
+            <a:off x="5368888" y="1762690"/>
+            <a:ext cx="720000" cy="720000"/>
+          </a:xfrm>
+          <a:prstGeom prst="diamond">
+            <a:avLst/>
+          </a:prstGeom>
+          <a:solidFill>
+            <a:schemeClr val="accent6">
+              <a:lumMod val="40000"/>
+              <a:lumOff val="60000"/>
+            </a:schemeClr>
+          </a:solidFill>
+          <a:ln>
+            <a:noFill/>
+          </a:ln>
+        </p:spPr>
+        <p:style>
+          <a:lnRef idx="2">
+            <a:schemeClr val="accent1">
+              <a:shade val="50000"/>
+            </a:schemeClr>
+          </a:lnRef>
+          <a:fillRef idx="1">
+            <a:schemeClr val="accent1"/>
+          </a:fillRef>
+          <a:effectRef idx="0">
+            <a:schemeClr val="accent1"/>
+          </a:effectRef>
+          <a:fontRef idx="minor">
+            <a:schemeClr val="lt1"/>
+          </a:fontRef>
+        </p:style>
+        <p:txBody>
+          <a:bodyPr rtlCol="0" anchor="ctr"/>
+          <a:lstStyle/>
+          <a:p>
+            <a:pPr algn="ctr"/>
+            <a:endParaRPr lang="zh-TW" altLang="en-US"/>
+          </a:p>
+        </p:txBody>
+      </p:sp>
+      <p:sp>
+        <p:nvSpPr>
+          <p:cNvPr id="68" name="圓角矩形 67"/>
+          <p:cNvSpPr>
+            <a:spLocks noChangeAspect="1"/>
+          </p:cNvSpPr>
+          <p:nvPr/>
+        </p:nvSpPr>
+        <p:spPr>
+          <a:xfrm>
+            <a:off x="3842485" y="2554423"/>
+            <a:ext cx="1152000" cy="540000"/>
+          </a:xfrm>
+          <a:prstGeom prst="roundRect">
+            <a:avLst/>
+          </a:prstGeom>
+          <a:solidFill>
+            <a:schemeClr val="bg1">
+              <a:lumMod val="75000"/>
+            </a:schemeClr>
+          </a:solidFill>
+          <a:ln>
             <a:solidFill>
               <a:schemeClr val="bg1">
                 <a:lumMod val="75000"/>
               </a:schemeClr>
             </a:solidFill>
-            <a:ln>
-              <a:solidFill>
-                <a:schemeClr val="bg1">
-                  <a:lumMod val="75000"/>
-                </a:schemeClr>
-              </a:solidFill>
-            </a:ln>
-          </p:spPr>
-          <p:style>
-            <a:lnRef idx="2">
-              <a:schemeClr val="accent1">
-                <a:shade val="50000"/>
-              </a:schemeClr>
-            </a:lnRef>
-            <a:fillRef idx="1">
-              <a:schemeClr val="accent1"/>
-            </a:fillRef>
-            <a:effectRef idx="0">
-              <a:schemeClr val="accent1"/>
-            </a:effectRef>
-            <a:fontRef idx="minor">
-              <a:schemeClr val="lt1"/>
-            </a:fontRef>
-          </p:style>
-          <p:txBody>
-            <a:bodyPr rtlCol="0" anchor="ctr"/>
-            <a:lstStyle/>
-            <a:p>
-              <a:pPr algn="ctr"/>
-              <a:r>
-                <a:rPr lang="zh-TW" altLang="en-US" sz="1400" b="1" dirty="0">
-                  <a:solidFill>
-                    <a:schemeClr val="tx1"/>
-                  </a:solidFill>
-                  <a:latin typeface="標楷體" panose="03000509000000000000" pitchFamily="65" charset="-120"/>
-                  <a:ea typeface="標楷體" panose="03000509000000000000" pitchFamily="65" charset="-120"/>
-                </a:rPr>
-                <a:t>預約</a:t>
-              </a:r>
-              <a:r>
-                <a:rPr lang="zh-TW" altLang="en-US" sz="1400" b="1" dirty="0" smtClean="0">
-                  <a:solidFill>
-                    <a:schemeClr val="tx1"/>
-                  </a:solidFill>
-                  <a:latin typeface="標楷體" panose="03000509000000000000" pitchFamily="65" charset="-120"/>
-                  <a:ea typeface="標楷體" panose="03000509000000000000" pitchFamily="65" charset="-120"/>
-                </a:rPr>
-                <a:t>方案</a:t>
-              </a:r>
-              <a:endParaRPr lang="en-US" altLang="zh-TW" sz="1400" b="1" dirty="0" smtClean="0">
+          </a:ln>
+        </p:spPr>
+        <p:style>
+          <a:lnRef idx="2">
+            <a:schemeClr val="accent1">
+              <a:shade val="50000"/>
+            </a:schemeClr>
+          </a:lnRef>
+          <a:fillRef idx="1">
+            <a:schemeClr val="accent1"/>
+          </a:fillRef>
+          <a:effectRef idx="0">
+            <a:schemeClr val="accent1"/>
+          </a:effectRef>
+          <a:fontRef idx="minor">
+            <a:schemeClr val="lt1"/>
+          </a:fontRef>
+        </p:style>
+        <p:txBody>
+          <a:bodyPr rtlCol="0" anchor="ctr"/>
+          <a:lstStyle/>
+          <a:p>
+            <a:pPr algn="ctr"/>
+            <a:r>
+              <a:rPr lang="zh-TW" altLang="en-US" sz="1400" b="1" dirty="0">
                 <a:solidFill>
                   <a:schemeClr val="tx1"/>
                 </a:solidFill>
                 <a:latin typeface="標楷體" panose="03000509000000000000" pitchFamily="65" charset="-120"/>
                 <a:ea typeface="標楷體" panose="03000509000000000000" pitchFamily="65" charset="-120"/>
-              </a:endParaRPr>
-            </a:p>
-            <a:p>
-              <a:pPr algn="ctr"/>
-              <a:r>
-                <a:rPr lang="zh-TW" altLang="en-US" sz="1400" b="1" dirty="0" smtClean="0">
-                  <a:solidFill>
-                    <a:schemeClr val="tx1"/>
-                  </a:solidFill>
-                  <a:latin typeface="標楷體" panose="03000509000000000000" pitchFamily="65" charset="-120"/>
-                  <a:ea typeface="標楷體" panose="03000509000000000000" pitchFamily="65" charset="-120"/>
-                </a:rPr>
-                <a:t>選擇</a:t>
-              </a:r>
-              <a:endParaRPr lang="en-US" altLang="zh-TW" sz="1400" b="1" dirty="0" smtClean="0">
+              </a:rPr>
+              <a:t>預約</a:t>
+            </a:r>
+            <a:r>
+              <a:rPr lang="zh-TW" altLang="en-US" sz="1400" b="1" dirty="0" smtClean="0">
                 <a:solidFill>
                   <a:schemeClr val="tx1"/>
                 </a:solidFill>
                 <a:latin typeface="標楷體" panose="03000509000000000000" pitchFamily="65" charset="-120"/>
                 <a:ea typeface="標楷體" panose="03000509000000000000" pitchFamily="65" charset="-120"/>
-              </a:endParaRPr>
-            </a:p>
-          </p:txBody>
-        </p:sp>
-        <p:sp>
-          <p:nvSpPr>
-            <p:cNvPr id="69" name="圓角矩形 68"/>
-            <p:cNvSpPr>
-              <a:spLocks noChangeAspect="1"/>
-            </p:cNvSpPr>
-            <p:nvPr/>
-          </p:nvSpPr>
-          <p:spPr>
-            <a:xfrm>
-              <a:off x="5595261" y="2367891"/>
-              <a:ext cx="1152000" cy="540000"/>
-            </a:xfrm>
-            <a:prstGeom prst="roundRect">
-              <a:avLst/>
-            </a:prstGeom>
+              </a:rPr>
+              <a:t>方案</a:t>
+            </a:r>
+            <a:endParaRPr lang="en-US" altLang="zh-TW" sz="1400" b="1" dirty="0" smtClean="0">
+              <a:solidFill>
+                <a:schemeClr val="tx1"/>
+              </a:solidFill>
+              <a:latin typeface="標楷體" panose="03000509000000000000" pitchFamily="65" charset="-120"/>
+              <a:ea typeface="標楷體" panose="03000509000000000000" pitchFamily="65" charset="-120"/>
+            </a:endParaRPr>
+          </a:p>
+          <a:p>
+            <a:pPr algn="ctr"/>
+            <a:r>
+              <a:rPr lang="zh-TW" altLang="en-US" sz="1400" b="1" dirty="0" smtClean="0">
+                <a:solidFill>
+                  <a:schemeClr val="tx1"/>
+                </a:solidFill>
+                <a:latin typeface="標楷體" panose="03000509000000000000" pitchFamily="65" charset="-120"/>
+                <a:ea typeface="標楷體" panose="03000509000000000000" pitchFamily="65" charset="-120"/>
+              </a:rPr>
+              <a:t>選擇</a:t>
+            </a:r>
+            <a:endParaRPr lang="en-US" altLang="zh-TW" sz="1400" b="1" dirty="0" smtClean="0">
+              <a:solidFill>
+                <a:schemeClr val="tx1"/>
+              </a:solidFill>
+              <a:latin typeface="標楷體" panose="03000509000000000000" pitchFamily="65" charset="-120"/>
+              <a:ea typeface="標楷體" panose="03000509000000000000" pitchFamily="65" charset="-120"/>
+            </a:endParaRPr>
+          </a:p>
+        </p:txBody>
+      </p:sp>
+      <p:sp>
+        <p:nvSpPr>
+          <p:cNvPr id="69" name="圓角矩形 68"/>
+          <p:cNvSpPr>
+            <a:spLocks noChangeAspect="1"/>
+          </p:cNvSpPr>
+          <p:nvPr/>
+        </p:nvSpPr>
+        <p:spPr>
+          <a:xfrm>
+            <a:off x="5595463" y="2661782"/>
+            <a:ext cx="1152000" cy="540000"/>
+          </a:xfrm>
+          <a:prstGeom prst="roundRect">
+            <a:avLst/>
+          </a:prstGeom>
+          <a:solidFill>
+            <a:schemeClr val="bg1">
+              <a:lumMod val="75000"/>
+            </a:schemeClr>
+          </a:solidFill>
+          <a:ln>
             <a:solidFill>
               <a:schemeClr val="bg1">
                 <a:lumMod val="75000"/>
               </a:schemeClr>
             </a:solidFill>
-            <a:ln>
-              <a:solidFill>
-                <a:schemeClr val="bg1">
-                  <a:lumMod val="75000"/>
-                </a:schemeClr>
-              </a:solidFill>
-            </a:ln>
-          </p:spPr>
-          <p:style>
-            <a:lnRef idx="2">
-              <a:schemeClr val="accent1">
-                <a:shade val="50000"/>
-              </a:schemeClr>
-            </a:lnRef>
-            <a:fillRef idx="1">
-              <a:schemeClr val="accent1"/>
-            </a:fillRef>
-            <a:effectRef idx="0">
-              <a:schemeClr val="accent1"/>
-            </a:effectRef>
-            <a:fontRef idx="minor">
-              <a:schemeClr val="lt1"/>
-            </a:fontRef>
-          </p:style>
-          <p:txBody>
-            <a:bodyPr rtlCol="0" anchor="ctr"/>
-            <a:lstStyle/>
-            <a:p>
-              <a:pPr algn="ctr"/>
-              <a:r>
-                <a:rPr lang="zh-TW" altLang="en-US" sz="1400" b="1" dirty="0">
-                  <a:solidFill>
-                    <a:schemeClr val="tx1"/>
-                  </a:solidFill>
-                  <a:latin typeface="標楷體" panose="03000509000000000000" pitchFamily="65" charset="-120"/>
-                  <a:ea typeface="標楷體" panose="03000509000000000000" pitchFamily="65" charset="-120"/>
-                </a:rPr>
-                <a:t>預約</a:t>
-              </a:r>
-              <a:r>
-                <a:rPr lang="zh-TW" altLang="en-US" sz="1400" b="1" dirty="0" smtClean="0">
-                  <a:solidFill>
-                    <a:schemeClr val="tx1"/>
-                  </a:solidFill>
-                  <a:latin typeface="標楷體" panose="03000509000000000000" pitchFamily="65" charset="-120"/>
-                  <a:ea typeface="標楷體" panose="03000509000000000000" pitchFamily="65" charset="-120"/>
-                </a:rPr>
-                <a:t>方案</a:t>
-              </a:r>
-              <a:endParaRPr lang="en-US" altLang="zh-TW" sz="1400" b="1" dirty="0" smtClean="0">
+          </a:ln>
+        </p:spPr>
+        <p:style>
+          <a:lnRef idx="2">
+            <a:schemeClr val="accent1">
+              <a:shade val="50000"/>
+            </a:schemeClr>
+          </a:lnRef>
+          <a:fillRef idx="1">
+            <a:schemeClr val="accent1"/>
+          </a:fillRef>
+          <a:effectRef idx="0">
+            <a:schemeClr val="accent1"/>
+          </a:effectRef>
+          <a:fontRef idx="minor">
+            <a:schemeClr val="lt1"/>
+          </a:fontRef>
+        </p:style>
+        <p:txBody>
+          <a:bodyPr rtlCol="0" anchor="ctr"/>
+          <a:lstStyle/>
+          <a:p>
+            <a:pPr algn="ctr"/>
+            <a:r>
+              <a:rPr lang="zh-TW" altLang="en-US" sz="1400" b="1" dirty="0">
                 <a:solidFill>
                   <a:schemeClr val="tx1"/>
                 </a:solidFill>
                 <a:latin typeface="標楷體" panose="03000509000000000000" pitchFamily="65" charset="-120"/>
                 <a:ea typeface="標楷體" panose="03000509000000000000" pitchFamily="65" charset="-120"/>
-              </a:endParaRPr>
-            </a:p>
-            <a:p>
-              <a:pPr algn="ctr"/>
-              <a:r>
-                <a:rPr lang="zh-TW" altLang="en-US" sz="1400" b="1" dirty="0" smtClean="0">
-                  <a:solidFill>
-                    <a:schemeClr val="tx1"/>
-                  </a:solidFill>
-                  <a:latin typeface="標楷體" panose="03000509000000000000" pitchFamily="65" charset="-120"/>
-                  <a:ea typeface="標楷體" panose="03000509000000000000" pitchFamily="65" charset="-120"/>
-                </a:rPr>
-                <a:t>維護</a:t>
-              </a:r>
-              <a:endParaRPr lang="en-US" altLang="zh-TW" sz="1400" b="1" dirty="0" smtClean="0">
+              </a:rPr>
+              <a:t>預約</a:t>
+            </a:r>
+            <a:r>
+              <a:rPr lang="zh-TW" altLang="en-US" sz="1400" b="1" dirty="0" smtClean="0">
                 <a:solidFill>
                   <a:schemeClr val="tx1"/>
                 </a:solidFill>
                 <a:latin typeface="標楷體" panose="03000509000000000000" pitchFamily="65" charset="-120"/>
                 <a:ea typeface="標楷體" panose="03000509000000000000" pitchFamily="65" charset="-120"/>
-              </a:endParaRPr>
-            </a:p>
-          </p:txBody>
-        </p:sp>
-        <p:sp>
-          <p:nvSpPr>
-            <p:cNvPr id="73" name="圓角矩形 72"/>
-            <p:cNvSpPr>
-              <a:spLocks noChangeAspect="1"/>
-            </p:cNvSpPr>
-            <p:nvPr/>
-          </p:nvSpPr>
-          <p:spPr>
-            <a:xfrm>
-              <a:off x="6853440" y="3180687"/>
-              <a:ext cx="1152000" cy="540000"/>
-            </a:xfrm>
-            <a:prstGeom prst="roundRect">
-              <a:avLst/>
-            </a:prstGeom>
+              </a:rPr>
+              <a:t>方案</a:t>
+            </a:r>
+            <a:endParaRPr lang="en-US" altLang="zh-TW" sz="1400" b="1" dirty="0" smtClean="0">
+              <a:solidFill>
+                <a:schemeClr val="tx1"/>
+              </a:solidFill>
+              <a:latin typeface="標楷體" panose="03000509000000000000" pitchFamily="65" charset="-120"/>
+              <a:ea typeface="標楷體" panose="03000509000000000000" pitchFamily="65" charset="-120"/>
+            </a:endParaRPr>
+          </a:p>
+          <a:p>
+            <a:pPr algn="ctr"/>
+            <a:r>
+              <a:rPr lang="zh-TW" altLang="en-US" sz="1400" b="1" dirty="0" smtClean="0">
+                <a:solidFill>
+                  <a:schemeClr val="tx1"/>
+                </a:solidFill>
+                <a:latin typeface="標楷體" panose="03000509000000000000" pitchFamily="65" charset="-120"/>
+                <a:ea typeface="標楷體" panose="03000509000000000000" pitchFamily="65" charset="-120"/>
+              </a:rPr>
+              <a:t>維護</a:t>
+            </a:r>
+            <a:endParaRPr lang="en-US" altLang="zh-TW" sz="1400" b="1" dirty="0" smtClean="0">
+              <a:solidFill>
+                <a:schemeClr val="tx1"/>
+              </a:solidFill>
+              <a:latin typeface="標楷體" panose="03000509000000000000" pitchFamily="65" charset="-120"/>
+              <a:ea typeface="標楷體" panose="03000509000000000000" pitchFamily="65" charset="-120"/>
+            </a:endParaRPr>
+          </a:p>
+        </p:txBody>
+      </p:sp>
+      <p:sp>
+        <p:nvSpPr>
+          <p:cNvPr id="73" name="圓角矩形 72"/>
+          <p:cNvSpPr>
+            <a:spLocks noChangeAspect="1"/>
+          </p:cNvSpPr>
+          <p:nvPr/>
+        </p:nvSpPr>
+        <p:spPr>
+          <a:xfrm>
+            <a:off x="6853642" y="3474578"/>
+            <a:ext cx="1152000" cy="540000"/>
+          </a:xfrm>
+          <a:prstGeom prst="roundRect">
+            <a:avLst/>
+          </a:prstGeom>
+          <a:solidFill>
+            <a:schemeClr val="bg1">
+              <a:lumMod val="75000"/>
+            </a:schemeClr>
+          </a:solidFill>
+          <a:ln>
             <a:solidFill>
               <a:schemeClr val="bg1">
                 <a:lumMod val="75000"/>
               </a:schemeClr>
             </a:solidFill>
-            <a:ln>
-              <a:solidFill>
-                <a:schemeClr val="bg1">
-                  <a:lumMod val="75000"/>
-                </a:schemeClr>
-              </a:solidFill>
-            </a:ln>
-          </p:spPr>
-          <p:style>
-            <a:lnRef idx="2">
-              <a:schemeClr val="accent1">
-                <a:shade val="50000"/>
-              </a:schemeClr>
-            </a:lnRef>
-            <a:fillRef idx="1">
-              <a:schemeClr val="accent1"/>
-            </a:fillRef>
-            <a:effectRef idx="0">
-              <a:schemeClr val="accent1"/>
-            </a:effectRef>
-            <a:fontRef idx="minor">
-              <a:schemeClr val="lt1"/>
-            </a:fontRef>
-          </p:style>
-          <p:txBody>
-            <a:bodyPr rtlCol="0" anchor="ctr"/>
-            <a:lstStyle/>
-            <a:p>
-              <a:pPr algn="ctr"/>
-              <a:r>
-                <a:rPr lang="zh-TW" altLang="en-US" sz="1400" b="1" dirty="0">
-                  <a:solidFill>
-                    <a:schemeClr val="tx1"/>
-                  </a:solidFill>
-                  <a:latin typeface="標楷體" panose="03000509000000000000" pitchFamily="65" charset="-120"/>
-                  <a:ea typeface="標楷體" panose="03000509000000000000" pitchFamily="65" charset="-120"/>
-                </a:rPr>
-                <a:t>檢視使用者預約紀錄</a:t>
-              </a:r>
-              <a:endParaRPr lang="en-US" altLang="zh-TW" sz="1400" b="1" dirty="0" smtClean="0">
+          </a:ln>
+        </p:spPr>
+        <p:style>
+          <a:lnRef idx="2">
+            <a:schemeClr val="accent1">
+              <a:shade val="50000"/>
+            </a:schemeClr>
+          </a:lnRef>
+          <a:fillRef idx="1">
+            <a:schemeClr val="accent1"/>
+          </a:fillRef>
+          <a:effectRef idx="0">
+            <a:schemeClr val="accent1"/>
+          </a:effectRef>
+          <a:fontRef idx="minor">
+            <a:schemeClr val="lt1"/>
+          </a:fontRef>
+        </p:style>
+        <p:txBody>
+          <a:bodyPr rtlCol="0" anchor="ctr"/>
+          <a:lstStyle/>
+          <a:p>
+            <a:pPr algn="ctr"/>
+            <a:r>
+              <a:rPr lang="zh-TW" altLang="en-US" sz="1400" b="1" dirty="0">
                 <a:solidFill>
                   <a:schemeClr val="tx1"/>
                 </a:solidFill>
                 <a:latin typeface="標楷體" panose="03000509000000000000" pitchFamily="65" charset="-120"/>
                 <a:ea typeface="標楷體" panose="03000509000000000000" pitchFamily="65" charset="-120"/>
-              </a:endParaRPr>
-            </a:p>
-          </p:txBody>
-        </p:sp>
-        <p:sp>
-          <p:nvSpPr>
-            <p:cNvPr id="75" name="圓角矩形 74"/>
-            <p:cNvSpPr>
-              <a:spLocks noChangeAspect="1"/>
-            </p:cNvSpPr>
-            <p:nvPr/>
-          </p:nvSpPr>
-          <p:spPr>
-            <a:xfrm>
-              <a:off x="3837635" y="3112181"/>
-              <a:ext cx="1152000" cy="540000"/>
-            </a:xfrm>
-            <a:prstGeom prst="roundRect">
-              <a:avLst/>
-            </a:prstGeom>
+              </a:rPr>
+              <a:t>檢視使用者預約紀錄</a:t>
+            </a:r>
+            <a:endParaRPr lang="en-US" altLang="zh-TW" sz="1400" b="1" dirty="0" smtClean="0">
+              <a:solidFill>
+                <a:schemeClr val="tx1"/>
+              </a:solidFill>
+              <a:latin typeface="標楷體" panose="03000509000000000000" pitchFamily="65" charset="-120"/>
+              <a:ea typeface="標楷體" panose="03000509000000000000" pitchFamily="65" charset="-120"/>
+            </a:endParaRPr>
+          </a:p>
+        </p:txBody>
+      </p:sp>
+      <p:sp>
+        <p:nvSpPr>
+          <p:cNvPr id="75" name="圓角矩形 74"/>
+          <p:cNvSpPr>
+            <a:spLocks noChangeAspect="1"/>
+          </p:cNvSpPr>
+          <p:nvPr/>
+        </p:nvSpPr>
+        <p:spPr>
+          <a:xfrm>
+            <a:off x="3837837" y="3406072"/>
+            <a:ext cx="1152000" cy="540000"/>
+          </a:xfrm>
+          <a:prstGeom prst="roundRect">
+            <a:avLst/>
+          </a:prstGeom>
+          <a:solidFill>
+            <a:schemeClr val="bg1">
+              <a:lumMod val="75000"/>
+            </a:schemeClr>
+          </a:solidFill>
+          <a:ln>
             <a:solidFill>
               <a:schemeClr val="bg1">
                 <a:lumMod val="75000"/>
               </a:schemeClr>
             </a:solidFill>
-            <a:ln>
-              <a:solidFill>
-                <a:schemeClr val="bg1">
-                  <a:lumMod val="75000"/>
-                </a:schemeClr>
-              </a:solidFill>
-            </a:ln>
-          </p:spPr>
-          <p:style>
-            <a:lnRef idx="2">
-              <a:schemeClr val="accent1">
-                <a:shade val="50000"/>
-              </a:schemeClr>
-            </a:lnRef>
-            <a:fillRef idx="1">
-              <a:schemeClr val="accent1"/>
-            </a:fillRef>
-            <a:effectRef idx="0">
-              <a:schemeClr val="accent1"/>
-            </a:effectRef>
-            <a:fontRef idx="minor">
-              <a:schemeClr val="lt1"/>
-            </a:fontRef>
-          </p:style>
-          <p:txBody>
-            <a:bodyPr rtlCol="0" anchor="ctr"/>
-            <a:lstStyle/>
-            <a:p>
-              <a:pPr algn="ctr"/>
-              <a:r>
-                <a:rPr lang="zh-TW" altLang="en-US" sz="1400" b="1" dirty="0" smtClean="0">
-                  <a:solidFill>
-                    <a:schemeClr val="tx1"/>
-                  </a:solidFill>
-                  <a:latin typeface="標楷體" panose="03000509000000000000" pitchFamily="65" charset="-120"/>
-                  <a:ea typeface="標楷體" panose="03000509000000000000" pitchFamily="65" charset="-120"/>
-                </a:rPr>
-                <a:t>寵物資料</a:t>
-              </a:r>
-              <a:endParaRPr lang="en-US" altLang="zh-TW" sz="1400" b="1" dirty="0" smtClean="0">
+          </a:ln>
+        </p:spPr>
+        <p:style>
+          <a:lnRef idx="2">
+            <a:schemeClr val="accent1">
+              <a:shade val="50000"/>
+            </a:schemeClr>
+          </a:lnRef>
+          <a:fillRef idx="1">
+            <a:schemeClr val="accent1"/>
+          </a:fillRef>
+          <a:effectRef idx="0">
+            <a:schemeClr val="accent1"/>
+          </a:effectRef>
+          <a:fontRef idx="minor">
+            <a:schemeClr val="lt1"/>
+          </a:fontRef>
+        </p:style>
+        <p:txBody>
+          <a:bodyPr rtlCol="0" anchor="ctr"/>
+          <a:lstStyle/>
+          <a:p>
+            <a:pPr algn="ctr"/>
+            <a:r>
+              <a:rPr lang="zh-TW" altLang="en-US" sz="1400" b="1" dirty="0" smtClean="0">
                 <a:solidFill>
                   <a:schemeClr val="tx1"/>
                 </a:solidFill>
                 <a:latin typeface="標楷體" panose="03000509000000000000" pitchFamily="65" charset="-120"/>
                 <a:ea typeface="標楷體" panose="03000509000000000000" pitchFamily="65" charset="-120"/>
-              </a:endParaRPr>
-            </a:p>
-            <a:p>
-              <a:pPr algn="ctr"/>
-              <a:r>
-                <a:rPr lang="zh-TW" altLang="en-US" sz="1400" b="1" dirty="0" smtClean="0">
-                  <a:solidFill>
-                    <a:schemeClr val="tx1"/>
-                  </a:solidFill>
-                  <a:latin typeface="標楷體" panose="03000509000000000000" pitchFamily="65" charset="-120"/>
-                  <a:ea typeface="標楷體" panose="03000509000000000000" pitchFamily="65" charset="-120"/>
-                </a:rPr>
-                <a:t>維護</a:t>
-              </a:r>
-              <a:endParaRPr lang="en-US" altLang="zh-TW" sz="1400" b="1" dirty="0" smtClean="0">
+              </a:rPr>
+              <a:t>寵物資料</a:t>
+            </a:r>
+            <a:endParaRPr lang="en-US" altLang="zh-TW" sz="1400" b="1" dirty="0" smtClean="0">
+              <a:solidFill>
+                <a:schemeClr val="tx1"/>
+              </a:solidFill>
+              <a:latin typeface="標楷體" panose="03000509000000000000" pitchFamily="65" charset="-120"/>
+              <a:ea typeface="標楷體" panose="03000509000000000000" pitchFamily="65" charset="-120"/>
+            </a:endParaRPr>
+          </a:p>
+          <a:p>
+            <a:pPr algn="ctr"/>
+            <a:r>
+              <a:rPr lang="zh-TW" altLang="en-US" sz="1400" b="1" dirty="0" smtClean="0">
                 <a:solidFill>
                   <a:schemeClr val="tx1"/>
                 </a:solidFill>
                 <a:latin typeface="標楷體" panose="03000509000000000000" pitchFamily="65" charset="-120"/>
                 <a:ea typeface="標楷體" panose="03000509000000000000" pitchFamily="65" charset="-120"/>
-              </a:endParaRPr>
-            </a:p>
-          </p:txBody>
-        </p:sp>
-        <p:sp>
-          <p:nvSpPr>
-            <p:cNvPr id="76" name="圓角矩形 75"/>
-            <p:cNvSpPr>
-              <a:spLocks noChangeAspect="1"/>
-            </p:cNvSpPr>
-            <p:nvPr/>
-          </p:nvSpPr>
-          <p:spPr>
-            <a:xfrm>
-              <a:off x="8100005" y="4020870"/>
-              <a:ext cx="1152000" cy="540000"/>
-            </a:xfrm>
-            <a:prstGeom prst="roundRect">
-              <a:avLst/>
-            </a:prstGeom>
+              </a:rPr>
+              <a:t>維護</a:t>
+            </a:r>
+            <a:endParaRPr lang="en-US" altLang="zh-TW" sz="1400" b="1" dirty="0" smtClean="0">
+              <a:solidFill>
+                <a:schemeClr val="tx1"/>
+              </a:solidFill>
+              <a:latin typeface="標楷體" panose="03000509000000000000" pitchFamily="65" charset="-120"/>
+              <a:ea typeface="標楷體" panose="03000509000000000000" pitchFamily="65" charset="-120"/>
+            </a:endParaRPr>
+          </a:p>
+        </p:txBody>
+      </p:sp>
+      <p:sp>
+        <p:nvSpPr>
+          <p:cNvPr id="76" name="圓角矩形 75"/>
+          <p:cNvSpPr>
+            <a:spLocks noChangeAspect="1"/>
+          </p:cNvSpPr>
+          <p:nvPr/>
+        </p:nvSpPr>
+        <p:spPr>
+          <a:xfrm>
+            <a:off x="8100207" y="4314761"/>
+            <a:ext cx="1152000" cy="540000"/>
+          </a:xfrm>
+          <a:prstGeom prst="roundRect">
+            <a:avLst/>
+          </a:prstGeom>
+          <a:solidFill>
+            <a:schemeClr val="bg1">
+              <a:lumMod val="75000"/>
+            </a:schemeClr>
+          </a:solidFill>
+          <a:ln>
             <a:solidFill>
               <a:schemeClr val="bg1">
                 <a:lumMod val="75000"/>
               </a:schemeClr>
             </a:solidFill>
-            <a:ln>
-              <a:solidFill>
-                <a:schemeClr val="bg1">
-                  <a:lumMod val="75000"/>
-                </a:schemeClr>
-              </a:solidFill>
-            </a:ln>
-          </p:spPr>
-          <p:style>
-            <a:lnRef idx="2">
-              <a:schemeClr val="accent1">
-                <a:shade val="50000"/>
-              </a:schemeClr>
-            </a:lnRef>
-            <a:fillRef idx="1">
-              <a:schemeClr val="accent1"/>
-            </a:fillRef>
-            <a:effectRef idx="0">
-              <a:schemeClr val="accent1"/>
-            </a:effectRef>
-            <a:fontRef idx="minor">
-              <a:schemeClr val="lt1"/>
-            </a:fontRef>
-          </p:style>
-          <p:txBody>
-            <a:bodyPr rtlCol="0" anchor="ctr"/>
-            <a:lstStyle/>
-            <a:p>
-              <a:pPr algn="ctr"/>
-              <a:r>
-                <a:rPr lang="zh-TW" altLang="en-US" sz="1400" b="1" dirty="0">
-                  <a:solidFill>
-                    <a:schemeClr val="tx1"/>
-                  </a:solidFill>
-                  <a:latin typeface="標楷體" panose="03000509000000000000" pitchFamily="65" charset="-120"/>
-                  <a:ea typeface="標楷體" panose="03000509000000000000" pitchFamily="65" charset="-120"/>
-                </a:rPr>
-                <a:t>修改使用者預約紀錄</a:t>
-              </a:r>
-              <a:endParaRPr lang="en-US" altLang="zh-TW" sz="1400" b="1" dirty="0" smtClean="0">
+          </a:ln>
+        </p:spPr>
+        <p:style>
+          <a:lnRef idx="2">
+            <a:schemeClr val="accent1">
+              <a:shade val="50000"/>
+            </a:schemeClr>
+          </a:lnRef>
+          <a:fillRef idx="1">
+            <a:schemeClr val="accent1"/>
+          </a:fillRef>
+          <a:effectRef idx="0">
+            <a:schemeClr val="accent1"/>
+          </a:effectRef>
+          <a:fontRef idx="minor">
+            <a:schemeClr val="lt1"/>
+          </a:fontRef>
+        </p:style>
+        <p:txBody>
+          <a:bodyPr rtlCol="0" anchor="ctr"/>
+          <a:lstStyle/>
+          <a:p>
+            <a:pPr algn="ctr"/>
+            <a:r>
+              <a:rPr lang="zh-TW" altLang="en-US" sz="1400" b="1" dirty="0">
                 <a:solidFill>
                   <a:schemeClr val="tx1"/>
                 </a:solidFill>
                 <a:latin typeface="標楷體" panose="03000509000000000000" pitchFamily="65" charset="-120"/>
                 <a:ea typeface="標楷體" panose="03000509000000000000" pitchFamily="65" charset="-120"/>
-              </a:endParaRPr>
-            </a:p>
-          </p:txBody>
-        </p:sp>
-        <p:sp>
-          <p:nvSpPr>
-            <p:cNvPr id="77" name="圓角矩形 76"/>
-            <p:cNvSpPr>
-              <a:spLocks noChangeAspect="1"/>
-            </p:cNvSpPr>
-            <p:nvPr/>
-          </p:nvSpPr>
-          <p:spPr>
-            <a:xfrm>
-              <a:off x="3837636" y="4959360"/>
-              <a:ext cx="1152000" cy="540000"/>
-            </a:xfrm>
-            <a:prstGeom prst="roundRect">
-              <a:avLst/>
-            </a:prstGeom>
+              </a:rPr>
+              <a:t>修改使用者預約紀錄</a:t>
+            </a:r>
+            <a:endParaRPr lang="en-US" altLang="zh-TW" sz="1400" b="1" dirty="0" smtClean="0">
+              <a:solidFill>
+                <a:schemeClr val="tx1"/>
+              </a:solidFill>
+              <a:latin typeface="標楷體" panose="03000509000000000000" pitchFamily="65" charset="-120"/>
+              <a:ea typeface="標楷體" panose="03000509000000000000" pitchFamily="65" charset="-120"/>
+            </a:endParaRPr>
+          </a:p>
+        </p:txBody>
+      </p:sp>
+      <p:sp>
+        <p:nvSpPr>
+          <p:cNvPr id="77" name="圓角矩形 76"/>
+          <p:cNvSpPr>
+            <a:spLocks noChangeAspect="1"/>
+          </p:cNvSpPr>
+          <p:nvPr/>
+        </p:nvSpPr>
+        <p:spPr>
+          <a:xfrm>
+            <a:off x="3837838" y="5253251"/>
+            <a:ext cx="1152000" cy="540000"/>
+          </a:xfrm>
+          <a:prstGeom prst="roundRect">
+            <a:avLst/>
+          </a:prstGeom>
+          <a:solidFill>
+            <a:schemeClr val="bg1">
+              <a:lumMod val="75000"/>
+            </a:schemeClr>
+          </a:solidFill>
+          <a:ln>
             <a:solidFill>
               <a:schemeClr val="bg1">
                 <a:lumMod val="75000"/>
               </a:schemeClr>
             </a:solidFill>
-            <a:ln>
-              <a:solidFill>
-                <a:schemeClr val="bg1">
-                  <a:lumMod val="75000"/>
-                </a:schemeClr>
-              </a:solidFill>
-            </a:ln>
-          </p:spPr>
-          <p:style>
-            <a:lnRef idx="2">
-              <a:schemeClr val="accent1">
-                <a:shade val="50000"/>
-              </a:schemeClr>
-            </a:lnRef>
-            <a:fillRef idx="1">
-              <a:schemeClr val="accent1"/>
-            </a:fillRef>
-            <a:effectRef idx="0">
-              <a:schemeClr val="accent1"/>
-            </a:effectRef>
-            <a:fontRef idx="minor">
-              <a:schemeClr val="lt1"/>
-            </a:fontRef>
-          </p:style>
-          <p:txBody>
-            <a:bodyPr rtlCol="0" anchor="ctr"/>
-            <a:lstStyle/>
-            <a:p>
-              <a:pPr algn="ctr"/>
-              <a:r>
-                <a:rPr lang="zh-TW" altLang="en-US" sz="1400" b="1" dirty="0">
-                  <a:solidFill>
-                    <a:schemeClr val="tx1"/>
-                  </a:solidFill>
-                  <a:latin typeface="標楷體" panose="03000509000000000000" pitchFamily="65" charset="-120"/>
-                  <a:ea typeface="標楷體" panose="03000509000000000000" pitchFamily="65" charset="-120"/>
-                </a:rPr>
-                <a:t>提交預約</a:t>
-              </a:r>
-              <a:endParaRPr lang="en-US" altLang="zh-TW" sz="1400" b="1" dirty="0" smtClean="0">
+          </a:ln>
+        </p:spPr>
+        <p:style>
+          <a:lnRef idx="2">
+            <a:schemeClr val="accent1">
+              <a:shade val="50000"/>
+            </a:schemeClr>
+          </a:lnRef>
+          <a:fillRef idx="1">
+            <a:schemeClr val="accent1"/>
+          </a:fillRef>
+          <a:effectRef idx="0">
+            <a:schemeClr val="accent1"/>
+          </a:effectRef>
+          <a:fontRef idx="minor">
+            <a:schemeClr val="lt1"/>
+          </a:fontRef>
+        </p:style>
+        <p:txBody>
+          <a:bodyPr rtlCol="0" anchor="ctr"/>
+          <a:lstStyle/>
+          <a:p>
+            <a:pPr algn="ctr"/>
+            <a:r>
+              <a:rPr lang="zh-TW" altLang="en-US" sz="1400" b="1" dirty="0">
                 <a:solidFill>
                   <a:schemeClr val="tx1"/>
                 </a:solidFill>
                 <a:latin typeface="標楷體" panose="03000509000000000000" pitchFamily="65" charset="-120"/>
                 <a:ea typeface="標楷體" panose="03000509000000000000" pitchFamily="65" charset="-120"/>
-              </a:endParaRPr>
-            </a:p>
-          </p:txBody>
-        </p:sp>
-        <p:sp>
-          <p:nvSpPr>
-            <p:cNvPr id="79" name="圓角矩形 78"/>
-            <p:cNvSpPr>
-              <a:spLocks noChangeAspect="1"/>
-            </p:cNvSpPr>
-            <p:nvPr/>
-          </p:nvSpPr>
-          <p:spPr>
-            <a:xfrm>
-              <a:off x="5597544" y="4229838"/>
-              <a:ext cx="1152000" cy="540000"/>
-            </a:xfrm>
-            <a:prstGeom prst="roundRect">
-              <a:avLst/>
-            </a:prstGeom>
+              </a:rPr>
+              <a:t>提交預約</a:t>
+            </a:r>
+            <a:endParaRPr lang="en-US" altLang="zh-TW" sz="1400" b="1" dirty="0" smtClean="0">
+              <a:solidFill>
+                <a:schemeClr val="tx1"/>
+              </a:solidFill>
+              <a:latin typeface="標楷體" panose="03000509000000000000" pitchFamily="65" charset="-120"/>
+              <a:ea typeface="標楷體" panose="03000509000000000000" pitchFamily="65" charset="-120"/>
+            </a:endParaRPr>
+          </a:p>
+        </p:txBody>
+      </p:sp>
+      <p:sp>
+        <p:nvSpPr>
+          <p:cNvPr id="79" name="圓角矩形 78"/>
+          <p:cNvSpPr>
+            <a:spLocks noChangeAspect="1"/>
+          </p:cNvSpPr>
+          <p:nvPr/>
+        </p:nvSpPr>
+        <p:spPr>
+          <a:xfrm>
+            <a:off x="5597746" y="4523729"/>
+            <a:ext cx="1152000" cy="540000"/>
+          </a:xfrm>
+          <a:prstGeom prst="roundRect">
+            <a:avLst/>
+          </a:prstGeom>
+          <a:solidFill>
+            <a:schemeClr val="bg1">
+              <a:lumMod val="75000"/>
+            </a:schemeClr>
+          </a:solidFill>
+          <a:ln>
             <a:solidFill>
               <a:schemeClr val="bg1">
                 <a:lumMod val="75000"/>
               </a:schemeClr>
             </a:solidFill>
-            <a:ln>
-              <a:solidFill>
-                <a:schemeClr val="bg1">
-                  <a:lumMod val="75000"/>
-                </a:schemeClr>
-              </a:solidFill>
-            </a:ln>
-          </p:spPr>
-          <p:style>
-            <a:lnRef idx="2">
-              <a:schemeClr val="accent1">
-                <a:shade val="50000"/>
-              </a:schemeClr>
-            </a:lnRef>
-            <a:fillRef idx="1">
-              <a:schemeClr val="accent1"/>
-            </a:fillRef>
-            <a:effectRef idx="0">
-              <a:schemeClr val="accent1"/>
-            </a:effectRef>
-            <a:fontRef idx="minor">
-              <a:schemeClr val="lt1"/>
-            </a:fontRef>
-          </p:style>
-          <p:txBody>
-            <a:bodyPr rtlCol="0" anchor="ctr"/>
-            <a:lstStyle/>
-            <a:p>
-              <a:pPr algn="ctr"/>
-              <a:r>
-                <a:rPr lang="zh-TW" altLang="en-US" sz="1400" b="1" dirty="0">
-                  <a:solidFill>
-                    <a:schemeClr val="tx1"/>
-                  </a:solidFill>
-                  <a:latin typeface="標楷體" panose="03000509000000000000" pitchFamily="65" charset="-120"/>
-                  <a:ea typeface="標楷體" panose="03000509000000000000" pitchFamily="65" charset="-120"/>
-                </a:rPr>
-                <a:t>送出資料</a:t>
-              </a:r>
-              <a:endParaRPr lang="en-US" altLang="zh-TW" sz="1400" b="1" dirty="0" smtClean="0">
+          </a:ln>
+        </p:spPr>
+        <p:style>
+          <a:lnRef idx="2">
+            <a:schemeClr val="accent1">
+              <a:shade val="50000"/>
+            </a:schemeClr>
+          </a:lnRef>
+          <a:fillRef idx="1">
+            <a:schemeClr val="accent1"/>
+          </a:fillRef>
+          <a:effectRef idx="0">
+            <a:schemeClr val="accent1"/>
+          </a:effectRef>
+          <a:fontRef idx="minor">
+            <a:schemeClr val="lt1"/>
+          </a:fontRef>
+        </p:style>
+        <p:txBody>
+          <a:bodyPr rtlCol="0" anchor="ctr"/>
+          <a:lstStyle/>
+          <a:p>
+            <a:pPr algn="ctr"/>
+            <a:r>
+              <a:rPr lang="zh-TW" altLang="en-US" sz="1400" b="1" dirty="0">
                 <a:solidFill>
                   <a:schemeClr val="tx1"/>
                 </a:solidFill>
                 <a:latin typeface="標楷體" panose="03000509000000000000" pitchFamily="65" charset="-120"/>
                 <a:ea typeface="標楷體" panose="03000509000000000000" pitchFamily="65" charset="-120"/>
-              </a:endParaRPr>
-            </a:p>
-          </p:txBody>
-        </p:sp>
-        <p:sp>
-          <p:nvSpPr>
-            <p:cNvPr id="81" name="橢圓 80"/>
-            <p:cNvSpPr>
-              <a:spLocks noChangeAspect="1"/>
-            </p:cNvSpPr>
-            <p:nvPr/>
-          </p:nvSpPr>
-          <p:spPr>
-            <a:xfrm>
-              <a:off x="5622746" y="118799"/>
-              <a:ext cx="216000" cy="216000"/>
-            </a:xfrm>
-            <a:prstGeom prst="ellipse">
-              <a:avLst/>
-            </a:prstGeom>
+              </a:rPr>
+              <a:t>送出資料</a:t>
+            </a:r>
+            <a:endParaRPr lang="en-US" altLang="zh-TW" sz="1400" b="1" dirty="0" smtClean="0">
+              <a:solidFill>
+                <a:schemeClr val="tx1"/>
+              </a:solidFill>
+              <a:latin typeface="標楷體" panose="03000509000000000000" pitchFamily="65" charset="-120"/>
+              <a:ea typeface="標楷體" panose="03000509000000000000" pitchFamily="65" charset="-120"/>
+            </a:endParaRPr>
+          </a:p>
+        </p:txBody>
+      </p:sp>
+      <p:sp>
+        <p:nvSpPr>
+          <p:cNvPr id="81" name="橢圓 80"/>
+          <p:cNvSpPr>
+            <a:spLocks noChangeAspect="1"/>
+          </p:cNvSpPr>
+          <p:nvPr/>
+        </p:nvSpPr>
+        <p:spPr>
+          <a:xfrm>
+            <a:off x="5622948" y="412690"/>
+            <a:ext cx="216000" cy="216000"/>
+          </a:xfrm>
+          <a:prstGeom prst="ellipse">
+            <a:avLst/>
+          </a:prstGeom>
+          <a:solidFill>
+            <a:schemeClr val="accent6">
+              <a:lumMod val="50000"/>
+            </a:schemeClr>
+          </a:solidFill>
+          <a:ln>
             <a:solidFill>
               <a:schemeClr val="accent6">
                 <a:lumMod val="50000"/>
               </a:schemeClr>
             </a:solidFill>
-            <a:ln>
-              <a:solidFill>
-                <a:schemeClr val="accent6">
-                  <a:lumMod val="50000"/>
-                </a:schemeClr>
-              </a:solidFill>
-            </a:ln>
-          </p:spPr>
-          <p:style>
-            <a:lnRef idx="2">
-              <a:schemeClr val="accent1">
-                <a:shade val="50000"/>
-              </a:schemeClr>
-            </a:lnRef>
-            <a:fillRef idx="1">
-              <a:schemeClr val="accent1"/>
-            </a:fillRef>
-            <a:effectRef idx="0">
-              <a:schemeClr val="accent1"/>
-            </a:effectRef>
-            <a:fontRef idx="minor">
-              <a:schemeClr val="lt1"/>
-            </a:fontRef>
-          </p:style>
-          <p:txBody>
-            <a:bodyPr rtlCol="0" anchor="ctr"/>
-            <a:lstStyle/>
-            <a:p>
-              <a:pPr algn="ctr"/>
-              <a:endParaRPr lang="zh-TW" altLang="en-US"/>
-            </a:p>
-          </p:txBody>
-        </p:sp>
-        <p:grpSp>
-          <p:nvGrpSpPr>
-            <p:cNvPr id="82" name="群組 81"/>
-            <p:cNvGrpSpPr/>
-            <p:nvPr/>
-          </p:nvGrpSpPr>
-          <p:grpSpPr>
-            <a:xfrm>
-              <a:off x="6030063" y="5086024"/>
-              <a:ext cx="306000" cy="306000"/>
-              <a:chOff x="2642200" y="1439496"/>
-              <a:chExt cx="306000" cy="306000"/>
-            </a:xfrm>
-          </p:grpSpPr>
-          <p:sp>
-            <p:nvSpPr>
-              <p:cNvPr id="86" name="橢圓 85"/>
-              <p:cNvSpPr>
-                <a:spLocks noChangeAspect="1"/>
-              </p:cNvSpPr>
-              <p:nvPr/>
-            </p:nvSpPr>
-            <p:spPr>
-              <a:xfrm rot="232151">
-                <a:off x="2642200" y="1439496"/>
-                <a:ext cx="306000" cy="306000"/>
-              </a:xfrm>
-              <a:prstGeom prst="ellipse">
-                <a:avLst/>
-              </a:prstGeom>
-              <a:noFill/>
-              <a:ln>
-                <a:solidFill>
-                  <a:schemeClr val="accent6">
-                    <a:lumMod val="50000"/>
-                  </a:schemeClr>
-                </a:solidFill>
-              </a:ln>
-            </p:spPr>
-            <p:style>
-              <a:lnRef idx="2">
-                <a:schemeClr val="accent1">
-                  <a:shade val="50000"/>
-                </a:schemeClr>
-              </a:lnRef>
-              <a:fillRef idx="1">
-                <a:schemeClr val="accent1"/>
-              </a:fillRef>
-              <a:effectRef idx="0">
-                <a:schemeClr val="accent1"/>
-              </a:effectRef>
-              <a:fontRef idx="minor">
-                <a:schemeClr val="lt1"/>
-              </a:fontRef>
-            </p:style>
-            <p:txBody>
-              <a:bodyPr rtlCol="0" anchor="ctr"/>
-              <a:lstStyle/>
-              <a:p>
-                <a:pPr algn="ctr"/>
-                <a:endParaRPr lang="zh-TW" altLang="en-US"/>
-              </a:p>
-            </p:txBody>
-          </p:sp>
-          <p:sp>
-            <p:nvSpPr>
-              <p:cNvPr id="87" name="橢圓 86"/>
-              <p:cNvSpPr>
-                <a:spLocks noChangeAspect="1"/>
-              </p:cNvSpPr>
-              <p:nvPr/>
-            </p:nvSpPr>
-            <p:spPr>
-              <a:xfrm>
-                <a:off x="2687200" y="1484496"/>
-                <a:ext cx="216000" cy="216000"/>
-              </a:xfrm>
-              <a:prstGeom prst="ellipse">
-                <a:avLst/>
-              </a:prstGeom>
-              <a:solidFill>
-                <a:schemeClr val="accent6">
-                  <a:lumMod val="50000"/>
-                </a:schemeClr>
-              </a:solidFill>
-              <a:ln>
-                <a:solidFill>
-                  <a:schemeClr val="accent6">
-                    <a:lumMod val="50000"/>
-                  </a:schemeClr>
-                </a:solidFill>
-              </a:ln>
-            </p:spPr>
-            <p:style>
-              <a:lnRef idx="2">
-                <a:schemeClr val="accent1">
-                  <a:shade val="50000"/>
-                </a:schemeClr>
-              </a:lnRef>
-              <a:fillRef idx="1">
-                <a:schemeClr val="accent1"/>
-              </a:fillRef>
-              <a:effectRef idx="0">
-                <a:schemeClr val="accent1"/>
-              </a:effectRef>
-              <a:fontRef idx="minor">
-                <a:schemeClr val="lt1"/>
-              </a:fontRef>
-            </p:style>
-            <p:txBody>
-              <a:bodyPr rtlCol="0" anchor="ctr"/>
-              <a:lstStyle/>
-              <a:p>
-                <a:pPr algn="ctr"/>
-                <a:endParaRPr lang="zh-TW" altLang="en-US"/>
-              </a:p>
-            </p:txBody>
-          </p:sp>
-        </p:grpSp>
-        <p:sp>
-          <p:nvSpPr>
-            <p:cNvPr id="90" name="菱形 89"/>
-            <p:cNvSpPr>
-              <a:spLocks noChangeAspect="1"/>
-            </p:cNvSpPr>
-            <p:nvPr/>
-          </p:nvSpPr>
-          <p:spPr>
-            <a:xfrm>
-              <a:off x="7077512" y="2260532"/>
-              <a:ext cx="720000" cy="720000"/>
-            </a:xfrm>
-            <a:prstGeom prst="diamond">
-              <a:avLst/>
-            </a:prstGeom>
+          </a:ln>
+        </p:spPr>
+        <p:style>
+          <a:lnRef idx="2">
+            <a:schemeClr val="accent1">
+              <a:shade val="50000"/>
+            </a:schemeClr>
+          </a:lnRef>
+          <a:fillRef idx="1">
+            <a:schemeClr val="accent1"/>
+          </a:fillRef>
+          <a:effectRef idx="0">
+            <a:schemeClr val="accent1"/>
+          </a:effectRef>
+          <a:fontRef idx="minor">
+            <a:schemeClr val="lt1"/>
+          </a:fontRef>
+        </p:style>
+        <p:txBody>
+          <a:bodyPr rtlCol="0" anchor="ctr"/>
+          <a:lstStyle/>
+          <a:p>
+            <a:pPr algn="ctr"/>
+            <a:endParaRPr lang="zh-TW" altLang="en-US"/>
+          </a:p>
+        </p:txBody>
+      </p:sp>
+      <p:sp>
+        <p:nvSpPr>
+          <p:cNvPr id="86" name="橢圓 85"/>
+          <p:cNvSpPr>
+            <a:spLocks noChangeAspect="1"/>
+          </p:cNvSpPr>
+          <p:nvPr/>
+        </p:nvSpPr>
+        <p:spPr>
+          <a:xfrm rot="232151">
+            <a:off x="6030265" y="5379915"/>
+            <a:ext cx="306000" cy="306000"/>
+          </a:xfrm>
+          <a:prstGeom prst="ellipse">
+            <a:avLst/>
+          </a:prstGeom>
+          <a:noFill/>
+          <a:ln>
             <a:solidFill>
               <a:schemeClr val="accent6">
-                <a:lumMod val="40000"/>
-                <a:lumOff val="60000"/>
+                <a:lumMod val="50000"/>
               </a:schemeClr>
             </a:solidFill>
-            <a:ln>
-              <a:noFill/>
-            </a:ln>
-          </p:spPr>
-          <p:style>
-            <a:lnRef idx="2">
-              <a:schemeClr val="accent1">
-                <a:shade val="50000"/>
-              </a:schemeClr>
-            </a:lnRef>
-            <a:fillRef idx="1">
-              <a:schemeClr val="accent1"/>
-            </a:fillRef>
-            <a:effectRef idx="0">
-              <a:schemeClr val="accent1"/>
-            </a:effectRef>
-            <a:fontRef idx="minor">
-              <a:schemeClr val="lt1"/>
-            </a:fontRef>
-          </p:style>
-          <p:txBody>
-            <a:bodyPr rtlCol="0" anchor="ctr"/>
-            <a:lstStyle/>
-            <a:p>
-              <a:pPr algn="ctr"/>
-              <a:endParaRPr lang="zh-TW" altLang="en-US"/>
-            </a:p>
-          </p:txBody>
-        </p:sp>
-        <p:sp>
-          <p:nvSpPr>
-            <p:cNvPr id="92" name="菱形 91"/>
-            <p:cNvSpPr>
-              <a:spLocks noChangeAspect="1"/>
-            </p:cNvSpPr>
-            <p:nvPr/>
-          </p:nvSpPr>
-          <p:spPr>
-            <a:xfrm>
-              <a:off x="4048333" y="3936687"/>
-              <a:ext cx="720000" cy="720000"/>
-            </a:xfrm>
-            <a:prstGeom prst="diamond">
-              <a:avLst/>
-            </a:prstGeom>
+          </a:ln>
+        </p:spPr>
+        <p:style>
+          <a:lnRef idx="2">
+            <a:schemeClr val="accent1">
+              <a:shade val="50000"/>
+            </a:schemeClr>
+          </a:lnRef>
+          <a:fillRef idx="1">
+            <a:schemeClr val="accent1"/>
+          </a:fillRef>
+          <a:effectRef idx="0">
+            <a:schemeClr val="accent1"/>
+          </a:effectRef>
+          <a:fontRef idx="minor">
+            <a:schemeClr val="lt1"/>
+          </a:fontRef>
+        </p:style>
+        <p:txBody>
+          <a:bodyPr rtlCol="0" anchor="ctr"/>
+          <a:lstStyle/>
+          <a:p>
+            <a:pPr algn="ctr"/>
+            <a:endParaRPr lang="zh-TW" altLang="en-US"/>
+          </a:p>
+        </p:txBody>
+      </p:sp>
+      <p:sp>
+        <p:nvSpPr>
+          <p:cNvPr id="87" name="橢圓 86"/>
+          <p:cNvSpPr>
+            <a:spLocks noChangeAspect="1"/>
+          </p:cNvSpPr>
+          <p:nvPr/>
+        </p:nvSpPr>
+        <p:spPr>
+          <a:xfrm>
+            <a:off x="6075265" y="5424915"/>
+            <a:ext cx="216000" cy="216000"/>
+          </a:xfrm>
+          <a:prstGeom prst="ellipse">
+            <a:avLst/>
+          </a:prstGeom>
+          <a:solidFill>
+            <a:schemeClr val="accent6">
+              <a:lumMod val="50000"/>
+            </a:schemeClr>
+          </a:solidFill>
+          <a:ln>
             <a:solidFill>
               <a:schemeClr val="accent6">
-                <a:lumMod val="40000"/>
-                <a:lumOff val="60000"/>
+                <a:lumMod val="50000"/>
               </a:schemeClr>
             </a:solidFill>
-            <a:ln>
-              <a:noFill/>
-            </a:ln>
-          </p:spPr>
-          <p:style>
-            <a:lnRef idx="2">
-              <a:schemeClr val="accent1">
-                <a:shade val="50000"/>
-              </a:schemeClr>
-            </a:lnRef>
-            <a:fillRef idx="1">
-              <a:schemeClr val="accent1"/>
-            </a:fillRef>
-            <a:effectRef idx="0">
-              <a:schemeClr val="accent1"/>
-            </a:effectRef>
-            <a:fontRef idx="minor">
-              <a:schemeClr val="lt1"/>
-            </a:fontRef>
-          </p:style>
-          <p:txBody>
-            <a:bodyPr rtlCol="0" anchor="ctr"/>
-            <a:lstStyle/>
-            <a:p>
-              <a:pPr algn="ctr"/>
-              <a:endParaRPr lang="zh-TW" altLang="en-US"/>
-            </a:p>
-          </p:txBody>
-        </p:sp>
-        <p:sp>
-          <p:nvSpPr>
-            <p:cNvPr id="98" name="菱形 97"/>
-            <p:cNvSpPr>
-              <a:spLocks noChangeAspect="1"/>
-            </p:cNvSpPr>
-            <p:nvPr/>
-          </p:nvSpPr>
-          <p:spPr>
-            <a:xfrm>
-              <a:off x="7069440" y="3930870"/>
-              <a:ext cx="720000" cy="720000"/>
-            </a:xfrm>
-            <a:prstGeom prst="diamond">
-              <a:avLst/>
-            </a:prstGeom>
+          </a:ln>
+        </p:spPr>
+        <p:style>
+          <a:lnRef idx="2">
+            <a:schemeClr val="accent1">
+              <a:shade val="50000"/>
+            </a:schemeClr>
+          </a:lnRef>
+          <a:fillRef idx="1">
+            <a:schemeClr val="accent1"/>
+          </a:fillRef>
+          <a:effectRef idx="0">
+            <a:schemeClr val="accent1"/>
+          </a:effectRef>
+          <a:fontRef idx="minor">
+            <a:schemeClr val="lt1"/>
+          </a:fontRef>
+        </p:style>
+        <p:txBody>
+          <a:bodyPr rtlCol="0" anchor="ctr"/>
+          <a:lstStyle/>
+          <a:p>
+            <a:pPr algn="ctr"/>
+            <a:endParaRPr lang="zh-TW" altLang="en-US"/>
+          </a:p>
+        </p:txBody>
+      </p:sp>
+      <p:sp>
+        <p:nvSpPr>
+          <p:cNvPr id="90" name="菱形 89"/>
+          <p:cNvSpPr>
+            <a:spLocks noChangeAspect="1"/>
+          </p:cNvSpPr>
+          <p:nvPr/>
+        </p:nvSpPr>
+        <p:spPr>
+          <a:xfrm>
+            <a:off x="7077714" y="2554423"/>
+            <a:ext cx="720000" cy="720000"/>
+          </a:xfrm>
+          <a:prstGeom prst="diamond">
+            <a:avLst/>
+          </a:prstGeom>
+          <a:solidFill>
+            <a:schemeClr val="accent6">
+              <a:lumMod val="40000"/>
+              <a:lumOff val="60000"/>
+            </a:schemeClr>
+          </a:solidFill>
+          <a:ln>
+            <a:noFill/>
+          </a:ln>
+        </p:spPr>
+        <p:style>
+          <a:lnRef idx="2">
+            <a:schemeClr val="accent1">
+              <a:shade val="50000"/>
+            </a:schemeClr>
+          </a:lnRef>
+          <a:fillRef idx="1">
+            <a:schemeClr val="accent1"/>
+          </a:fillRef>
+          <a:effectRef idx="0">
+            <a:schemeClr val="accent1"/>
+          </a:effectRef>
+          <a:fontRef idx="minor">
+            <a:schemeClr val="lt1"/>
+          </a:fontRef>
+        </p:style>
+        <p:txBody>
+          <a:bodyPr rtlCol="0" anchor="ctr"/>
+          <a:lstStyle/>
+          <a:p>
+            <a:pPr algn="ctr"/>
+            <a:endParaRPr lang="zh-TW" altLang="en-US"/>
+          </a:p>
+        </p:txBody>
+      </p:sp>
+      <p:sp>
+        <p:nvSpPr>
+          <p:cNvPr id="92" name="菱形 91"/>
+          <p:cNvSpPr>
+            <a:spLocks noChangeAspect="1"/>
+          </p:cNvSpPr>
+          <p:nvPr/>
+        </p:nvSpPr>
+        <p:spPr>
+          <a:xfrm>
+            <a:off x="4048535" y="4230578"/>
+            <a:ext cx="720000" cy="720000"/>
+          </a:xfrm>
+          <a:prstGeom prst="diamond">
+            <a:avLst/>
+          </a:prstGeom>
+          <a:solidFill>
+            <a:schemeClr val="accent6">
+              <a:lumMod val="40000"/>
+              <a:lumOff val="60000"/>
+            </a:schemeClr>
+          </a:solidFill>
+          <a:ln>
+            <a:noFill/>
+          </a:ln>
+        </p:spPr>
+        <p:style>
+          <a:lnRef idx="2">
+            <a:schemeClr val="accent1">
+              <a:shade val="50000"/>
+            </a:schemeClr>
+          </a:lnRef>
+          <a:fillRef idx="1">
+            <a:schemeClr val="accent1"/>
+          </a:fillRef>
+          <a:effectRef idx="0">
+            <a:schemeClr val="accent1"/>
+          </a:effectRef>
+          <a:fontRef idx="minor">
+            <a:schemeClr val="lt1"/>
+          </a:fontRef>
+        </p:style>
+        <p:txBody>
+          <a:bodyPr rtlCol="0" anchor="ctr"/>
+          <a:lstStyle/>
+          <a:p>
+            <a:pPr algn="ctr"/>
+            <a:endParaRPr lang="zh-TW" altLang="en-US"/>
+          </a:p>
+        </p:txBody>
+      </p:sp>
+      <p:sp>
+        <p:nvSpPr>
+          <p:cNvPr id="98" name="菱形 97"/>
+          <p:cNvSpPr>
+            <a:spLocks noChangeAspect="1"/>
+          </p:cNvSpPr>
+          <p:nvPr/>
+        </p:nvSpPr>
+        <p:spPr>
+          <a:xfrm>
+            <a:off x="7069642" y="4224761"/>
+            <a:ext cx="720000" cy="720000"/>
+          </a:xfrm>
+          <a:prstGeom prst="diamond">
+            <a:avLst/>
+          </a:prstGeom>
+          <a:solidFill>
+            <a:schemeClr val="accent6">
+              <a:lumMod val="40000"/>
+              <a:lumOff val="60000"/>
+            </a:schemeClr>
+          </a:solidFill>
+          <a:ln>
+            <a:noFill/>
+          </a:ln>
+        </p:spPr>
+        <p:style>
+          <a:lnRef idx="2">
+            <a:schemeClr val="accent1">
+              <a:shade val="50000"/>
+            </a:schemeClr>
+          </a:lnRef>
+          <a:fillRef idx="1">
+            <a:schemeClr val="accent1"/>
+          </a:fillRef>
+          <a:effectRef idx="0">
+            <a:schemeClr val="accent1"/>
+          </a:effectRef>
+          <a:fontRef idx="minor">
+            <a:schemeClr val="lt1"/>
+          </a:fontRef>
+        </p:style>
+        <p:txBody>
+          <a:bodyPr rtlCol="0" anchor="ctr"/>
+          <a:lstStyle/>
+          <a:p>
+            <a:pPr algn="ctr"/>
+            <a:endParaRPr lang="zh-TW" altLang="en-US"/>
+          </a:p>
+        </p:txBody>
+      </p:sp>
+      <p:sp>
+        <p:nvSpPr>
+          <p:cNvPr id="101" name="菱形 100"/>
+          <p:cNvSpPr>
+            <a:spLocks noChangeAspect="1"/>
+          </p:cNvSpPr>
+          <p:nvPr/>
+        </p:nvSpPr>
+        <p:spPr>
+          <a:xfrm>
+            <a:off x="8326328" y="5182698"/>
+            <a:ext cx="720000" cy="720000"/>
+          </a:xfrm>
+          <a:prstGeom prst="diamond">
+            <a:avLst/>
+          </a:prstGeom>
+          <a:solidFill>
+            <a:schemeClr val="accent6">
+              <a:lumMod val="40000"/>
+              <a:lumOff val="60000"/>
+            </a:schemeClr>
+          </a:solidFill>
+          <a:ln>
+            <a:noFill/>
+          </a:ln>
+        </p:spPr>
+        <p:style>
+          <a:lnRef idx="2">
+            <a:schemeClr val="accent1">
+              <a:shade val="50000"/>
+            </a:schemeClr>
+          </a:lnRef>
+          <a:fillRef idx="1">
+            <a:schemeClr val="accent1"/>
+          </a:fillRef>
+          <a:effectRef idx="0">
+            <a:schemeClr val="accent1"/>
+          </a:effectRef>
+          <a:fontRef idx="minor">
+            <a:schemeClr val="lt1"/>
+          </a:fontRef>
+        </p:style>
+        <p:txBody>
+          <a:bodyPr rtlCol="0" anchor="ctr"/>
+          <a:lstStyle/>
+          <a:p>
+            <a:pPr algn="ctr"/>
+            <a:endParaRPr lang="zh-TW" altLang="en-US"/>
+          </a:p>
+        </p:txBody>
+      </p:sp>
+      <p:sp>
+        <p:nvSpPr>
+          <p:cNvPr id="105" name="菱形 104"/>
+          <p:cNvSpPr>
+            <a:spLocks noChangeAspect="1"/>
+          </p:cNvSpPr>
+          <p:nvPr/>
+        </p:nvSpPr>
+        <p:spPr>
+          <a:xfrm>
+            <a:off x="5803392" y="3489782"/>
+            <a:ext cx="720000" cy="720000"/>
+          </a:xfrm>
+          <a:prstGeom prst="diamond">
+            <a:avLst/>
+          </a:prstGeom>
+          <a:solidFill>
+            <a:schemeClr val="accent6">
+              <a:lumMod val="40000"/>
+              <a:lumOff val="60000"/>
+            </a:schemeClr>
+          </a:solidFill>
+          <a:ln>
+            <a:noFill/>
+          </a:ln>
+        </p:spPr>
+        <p:style>
+          <a:lnRef idx="2">
+            <a:schemeClr val="accent1">
+              <a:shade val="50000"/>
+            </a:schemeClr>
+          </a:lnRef>
+          <a:fillRef idx="1">
+            <a:schemeClr val="accent1"/>
+          </a:fillRef>
+          <a:effectRef idx="0">
+            <a:schemeClr val="accent1"/>
+          </a:effectRef>
+          <a:fontRef idx="minor">
+            <a:schemeClr val="lt1"/>
+          </a:fontRef>
+        </p:style>
+        <p:txBody>
+          <a:bodyPr rtlCol="0" anchor="ctr"/>
+          <a:lstStyle/>
+          <a:p>
+            <a:pPr algn="ctr"/>
+            <a:endParaRPr lang="zh-TW" altLang="en-US"/>
+          </a:p>
+        </p:txBody>
+      </p:sp>
+      <p:sp>
+        <p:nvSpPr>
+          <p:cNvPr id="44" name="文字方塊 43"/>
+          <p:cNvSpPr txBox="1"/>
+          <p:nvPr/>
+        </p:nvSpPr>
+        <p:spPr>
+          <a:xfrm>
+            <a:off x="6101403" y="4206743"/>
+            <a:ext cx="505267" cy="246221"/>
+          </a:xfrm>
+          <a:prstGeom prst="rect">
+            <a:avLst/>
+          </a:prstGeom>
+          <a:noFill/>
+        </p:spPr>
+        <p:txBody>
+          <a:bodyPr wrap="none" rtlCol="0">
+            <a:spAutoFit/>
+          </a:bodyPr>
+          <a:lstStyle/>
+          <a:p>
+            <a:r>
+              <a:rPr lang="en-US" altLang="zh-TW" sz="1000" b="1" dirty="0" smtClean="0">
+                <a:latin typeface="標楷體" panose="03000509000000000000" pitchFamily="65" charset="-120"/>
+                <a:ea typeface="標楷體" panose="03000509000000000000" pitchFamily="65" charset="-120"/>
+              </a:rPr>
+              <a:t>[Yes]</a:t>
+            </a:r>
+            <a:endParaRPr lang="zh-TW" altLang="en-US" sz="1000" b="1" dirty="0">
+              <a:latin typeface="標楷體" panose="03000509000000000000" pitchFamily="65" charset="-120"/>
+              <a:ea typeface="標楷體" panose="03000509000000000000" pitchFamily="65" charset="-120"/>
+            </a:endParaRPr>
+          </a:p>
+        </p:txBody>
+      </p:sp>
+      <p:cxnSp>
+        <p:nvCxnSpPr>
+          <p:cNvPr id="88" name="直線單箭頭接點 87"/>
+          <p:cNvCxnSpPr/>
+          <p:nvPr/>
+        </p:nvCxnSpPr>
+        <p:spPr>
+          <a:xfrm>
+            <a:off x="5728888" y="646690"/>
+            <a:ext cx="0" cy="288000"/>
+          </a:xfrm>
+          <a:prstGeom prst="straightConnector1">
+            <a:avLst/>
+          </a:prstGeom>
+          <a:ln>
             <a:solidFill>
-              <a:schemeClr val="accent6">
-                <a:lumMod val="40000"/>
-                <a:lumOff val="60000"/>
-              </a:schemeClr>
+              <a:srgbClr val="C00000"/>
             </a:solidFill>
-            <a:ln>
-              <a:noFill/>
-            </a:ln>
-          </p:spPr>
-          <p:style>
-            <a:lnRef idx="2">
-              <a:schemeClr val="accent1">
-                <a:shade val="50000"/>
-              </a:schemeClr>
-            </a:lnRef>
-            <a:fillRef idx="1">
-              <a:schemeClr val="accent1"/>
-            </a:fillRef>
-            <a:effectRef idx="0">
-              <a:schemeClr val="accent1"/>
-            </a:effectRef>
-            <a:fontRef idx="minor">
-              <a:schemeClr val="lt1"/>
-            </a:fontRef>
-          </p:style>
-          <p:txBody>
-            <a:bodyPr rtlCol="0" anchor="ctr"/>
-            <a:lstStyle/>
-            <a:p>
-              <a:pPr algn="ctr"/>
-              <a:endParaRPr lang="zh-TW" altLang="en-US"/>
-            </a:p>
-          </p:txBody>
-        </p:sp>
-        <p:sp>
-          <p:nvSpPr>
-            <p:cNvPr id="101" name="菱形 100"/>
-            <p:cNvSpPr>
-              <a:spLocks noChangeAspect="1"/>
-            </p:cNvSpPr>
-            <p:nvPr/>
-          </p:nvSpPr>
-          <p:spPr>
-            <a:xfrm>
-              <a:off x="8326126" y="4888807"/>
-              <a:ext cx="720000" cy="720000"/>
-            </a:xfrm>
-            <a:prstGeom prst="diamond">
-              <a:avLst/>
-            </a:prstGeom>
+            <a:tailEnd type="arrow"/>
+          </a:ln>
+        </p:spPr>
+        <p:style>
+          <a:lnRef idx="1">
+            <a:schemeClr val="accent1"/>
+          </a:lnRef>
+          <a:fillRef idx="0">
+            <a:schemeClr val="accent1"/>
+          </a:fillRef>
+          <a:effectRef idx="0">
+            <a:schemeClr val="accent1"/>
+          </a:effectRef>
+          <a:fontRef idx="minor">
+            <a:schemeClr val="tx1"/>
+          </a:fontRef>
+        </p:style>
+      </p:cxnSp>
+      <p:cxnSp>
+        <p:nvCxnSpPr>
+          <p:cNvPr id="89" name="直線單箭頭接點 88"/>
+          <p:cNvCxnSpPr/>
+          <p:nvPr/>
+        </p:nvCxnSpPr>
+        <p:spPr>
+          <a:xfrm>
+            <a:off x="5728888" y="1474690"/>
+            <a:ext cx="0" cy="288000"/>
+          </a:xfrm>
+          <a:prstGeom prst="straightConnector1">
+            <a:avLst/>
+          </a:prstGeom>
+          <a:ln>
             <a:solidFill>
-              <a:schemeClr val="accent6">
-                <a:lumMod val="40000"/>
-                <a:lumOff val="60000"/>
-              </a:schemeClr>
+              <a:srgbClr val="C00000"/>
             </a:solidFill>
-            <a:ln>
-              <a:noFill/>
-            </a:ln>
-          </p:spPr>
-          <p:style>
-            <a:lnRef idx="2">
-              <a:schemeClr val="accent1">
-                <a:shade val="50000"/>
-              </a:schemeClr>
-            </a:lnRef>
-            <a:fillRef idx="1">
-              <a:schemeClr val="accent1"/>
-            </a:fillRef>
-            <a:effectRef idx="0">
-              <a:schemeClr val="accent1"/>
-            </a:effectRef>
-            <a:fontRef idx="minor">
-              <a:schemeClr val="lt1"/>
-            </a:fontRef>
-          </p:style>
-          <p:txBody>
-            <a:bodyPr rtlCol="0" anchor="ctr"/>
-            <a:lstStyle/>
-            <a:p>
-              <a:pPr algn="ctr"/>
-              <a:endParaRPr lang="zh-TW" altLang="en-US"/>
-            </a:p>
-          </p:txBody>
-        </p:sp>
-        <p:sp>
-          <p:nvSpPr>
-            <p:cNvPr id="105" name="菱形 104"/>
-            <p:cNvSpPr>
-              <a:spLocks noChangeAspect="1"/>
-            </p:cNvSpPr>
-            <p:nvPr/>
-          </p:nvSpPr>
-          <p:spPr>
-            <a:xfrm>
-              <a:off x="5803190" y="3195891"/>
-              <a:ext cx="720000" cy="720000"/>
-            </a:xfrm>
-            <a:prstGeom prst="diamond">
-              <a:avLst/>
-            </a:prstGeom>
+            <a:tailEnd type="arrow"/>
+          </a:ln>
+        </p:spPr>
+        <p:style>
+          <a:lnRef idx="1">
+            <a:schemeClr val="accent1"/>
+          </a:lnRef>
+          <a:fillRef idx="0">
+            <a:schemeClr val="accent1"/>
+          </a:fillRef>
+          <a:effectRef idx="0">
+            <a:schemeClr val="accent1"/>
+          </a:effectRef>
+          <a:fontRef idx="minor">
+            <a:schemeClr val="tx1"/>
+          </a:fontRef>
+        </p:style>
+      </p:cxnSp>
+      <p:cxnSp>
+        <p:nvCxnSpPr>
+          <p:cNvPr id="13" name="肘形接點 12"/>
+          <p:cNvCxnSpPr>
+            <a:stCxn id="66" idx="3"/>
+            <a:endCxn id="90" idx="0"/>
+          </p:cNvCxnSpPr>
+          <p:nvPr/>
+        </p:nvCxnSpPr>
+        <p:spPr>
+          <a:xfrm>
+            <a:off x="6088888" y="2122690"/>
+            <a:ext cx="1348826" cy="431733"/>
+          </a:xfrm>
+          <a:prstGeom prst="bentConnector2">
+            <a:avLst/>
+          </a:prstGeom>
+          <a:ln>
             <a:solidFill>
-              <a:schemeClr val="accent6">
-                <a:lumMod val="40000"/>
-                <a:lumOff val="60000"/>
-              </a:schemeClr>
+              <a:srgbClr val="C00000"/>
             </a:solidFill>
-            <a:ln>
-              <a:noFill/>
-            </a:ln>
-          </p:spPr>
-          <p:style>
-            <a:lnRef idx="2">
-              <a:schemeClr val="accent1">
-                <a:shade val="50000"/>
-              </a:schemeClr>
-            </a:lnRef>
-            <a:fillRef idx="1">
-              <a:schemeClr val="accent1"/>
-            </a:fillRef>
-            <a:effectRef idx="0">
-              <a:schemeClr val="accent1"/>
-            </a:effectRef>
-            <a:fontRef idx="minor">
-              <a:schemeClr val="lt1"/>
-            </a:fontRef>
-          </p:style>
-          <p:txBody>
-            <a:bodyPr rtlCol="0" anchor="ctr"/>
-            <a:lstStyle/>
-            <a:p>
-              <a:pPr algn="ctr"/>
-              <a:endParaRPr lang="zh-TW" altLang="en-US"/>
-            </a:p>
-          </p:txBody>
-        </p:sp>
-        <p:sp>
-          <p:nvSpPr>
-            <p:cNvPr id="44" name="文字方塊 43"/>
-            <p:cNvSpPr txBox="1"/>
-            <p:nvPr/>
-          </p:nvSpPr>
-          <p:spPr>
-            <a:xfrm>
-              <a:off x="6101201" y="3912852"/>
-              <a:ext cx="505267" cy="246221"/>
-            </a:xfrm>
-            <a:prstGeom prst="rect">
-              <a:avLst/>
-            </a:prstGeom>
+            <a:tailEnd type="arrow"/>
+          </a:ln>
+        </p:spPr>
+        <p:style>
+          <a:lnRef idx="1">
+            <a:schemeClr val="accent1"/>
+          </a:lnRef>
+          <a:fillRef idx="0">
+            <a:schemeClr val="accent1"/>
+          </a:fillRef>
+          <a:effectRef idx="0">
+            <a:schemeClr val="accent1"/>
+          </a:effectRef>
+          <a:fontRef idx="minor">
+            <a:schemeClr val="tx1"/>
+          </a:fontRef>
+        </p:style>
+      </p:cxnSp>
+      <p:cxnSp>
+        <p:nvCxnSpPr>
+          <p:cNvPr id="17" name="肘形接點 16"/>
+          <p:cNvCxnSpPr>
+            <a:stCxn id="66" idx="1"/>
+            <a:endCxn id="68" idx="0"/>
+          </p:cNvCxnSpPr>
+          <p:nvPr/>
+        </p:nvCxnSpPr>
+        <p:spPr>
+          <a:xfrm rot="10800000" flipV="1">
+            <a:off x="4418486" y="2122689"/>
+            <a:ext cx="950403" cy="431733"/>
+          </a:xfrm>
+          <a:prstGeom prst="bentConnector2">
+            <a:avLst/>
+          </a:prstGeom>
+          <a:ln>
+            <a:solidFill>
+              <a:srgbClr val="C00000"/>
+            </a:solidFill>
+            <a:tailEnd type="arrow"/>
+          </a:ln>
+        </p:spPr>
+        <p:style>
+          <a:lnRef idx="1">
+            <a:schemeClr val="accent1"/>
+          </a:lnRef>
+          <a:fillRef idx="0">
+            <a:schemeClr val="accent1"/>
+          </a:fillRef>
+          <a:effectRef idx="0">
+            <a:schemeClr val="accent1"/>
+          </a:effectRef>
+          <a:fontRef idx="minor">
+            <a:schemeClr val="tx1"/>
+          </a:fontRef>
+        </p:style>
+      </p:cxnSp>
+      <p:cxnSp>
+        <p:nvCxnSpPr>
+          <p:cNvPr id="91" name="直線單箭頭接點 90"/>
+          <p:cNvCxnSpPr/>
+          <p:nvPr/>
+        </p:nvCxnSpPr>
+        <p:spPr>
+          <a:xfrm>
+            <a:off x="4414701" y="3102782"/>
+            <a:ext cx="0" cy="288000"/>
+          </a:xfrm>
+          <a:prstGeom prst="straightConnector1">
+            <a:avLst/>
+          </a:prstGeom>
+          <a:ln>
+            <a:solidFill>
+              <a:srgbClr val="C00000"/>
+            </a:solidFill>
+            <a:tailEnd type="arrow"/>
+          </a:ln>
+        </p:spPr>
+        <p:style>
+          <a:lnRef idx="1">
+            <a:schemeClr val="accent1"/>
+          </a:lnRef>
+          <a:fillRef idx="0">
+            <a:schemeClr val="accent1"/>
+          </a:fillRef>
+          <a:effectRef idx="0">
+            <a:schemeClr val="accent1"/>
+          </a:effectRef>
+          <a:fontRef idx="minor">
+            <a:schemeClr val="tx1"/>
+          </a:fontRef>
+        </p:style>
+      </p:cxnSp>
+      <p:cxnSp>
+        <p:nvCxnSpPr>
+          <p:cNvPr id="93" name="直線單箭頭接點 92"/>
+          <p:cNvCxnSpPr/>
+          <p:nvPr/>
+        </p:nvCxnSpPr>
+        <p:spPr>
+          <a:xfrm>
+            <a:off x="4408535" y="3936761"/>
+            <a:ext cx="0" cy="288000"/>
+          </a:xfrm>
+          <a:prstGeom prst="straightConnector1">
+            <a:avLst/>
+          </a:prstGeom>
+          <a:ln>
+            <a:solidFill>
+              <a:srgbClr val="C00000"/>
+            </a:solidFill>
+            <a:tailEnd type="arrow"/>
+          </a:ln>
+        </p:spPr>
+        <p:style>
+          <a:lnRef idx="1">
+            <a:schemeClr val="accent1"/>
+          </a:lnRef>
+          <a:fillRef idx="0">
+            <a:schemeClr val="accent1"/>
+          </a:fillRef>
+          <a:effectRef idx="0">
+            <a:schemeClr val="accent1"/>
+          </a:effectRef>
+          <a:fontRef idx="minor">
+            <a:schemeClr val="tx1"/>
+          </a:fontRef>
+        </p:style>
+      </p:cxnSp>
+      <p:cxnSp>
+        <p:nvCxnSpPr>
+          <p:cNvPr id="94" name="直線單箭頭接點 93"/>
+          <p:cNvCxnSpPr/>
+          <p:nvPr/>
+        </p:nvCxnSpPr>
+        <p:spPr>
+          <a:xfrm>
+            <a:off x="4413837" y="4949431"/>
+            <a:ext cx="0" cy="288000"/>
+          </a:xfrm>
+          <a:prstGeom prst="straightConnector1">
+            <a:avLst/>
+          </a:prstGeom>
+          <a:ln>
+            <a:solidFill>
+              <a:srgbClr val="C00000"/>
+            </a:solidFill>
+            <a:tailEnd type="arrow"/>
+          </a:ln>
+        </p:spPr>
+        <p:style>
+          <a:lnRef idx="1">
+            <a:schemeClr val="accent1"/>
+          </a:lnRef>
+          <a:fillRef idx="0">
+            <a:schemeClr val="accent1"/>
+          </a:fillRef>
+          <a:effectRef idx="0">
+            <a:schemeClr val="accent1"/>
+          </a:effectRef>
+          <a:fontRef idx="minor">
+            <a:schemeClr val="tx1"/>
+          </a:fontRef>
+        </p:style>
+      </p:cxnSp>
+      <p:cxnSp>
+        <p:nvCxnSpPr>
+          <p:cNvPr id="29" name="肘形接點 28"/>
+          <p:cNvCxnSpPr>
+            <a:stCxn id="92" idx="1"/>
+            <a:endCxn id="75" idx="1"/>
+          </p:cNvCxnSpPr>
+          <p:nvPr/>
+        </p:nvCxnSpPr>
+        <p:spPr>
+          <a:xfrm rot="10800000">
+            <a:off x="3837837" y="3676072"/>
+            <a:ext cx="210698" cy="914506"/>
+          </a:xfrm>
+          <a:prstGeom prst="bentConnector3">
+            <a:avLst>
+              <a:gd name="adj1" fmla="val 208497"/>
+            </a:avLst>
+          </a:prstGeom>
+          <a:ln>
+            <a:solidFill>
+              <a:srgbClr val="C00000"/>
+            </a:solidFill>
+            <a:tailEnd type="arrow"/>
+          </a:ln>
+        </p:spPr>
+        <p:style>
+          <a:lnRef idx="1">
+            <a:schemeClr val="accent1"/>
+          </a:lnRef>
+          <a:fillRef idx="0">
+            <a:schemeClr val="accent1"/>
+          </a:fillRef>
+          <a:effectRef idx="0">
+            <a:schemeClr val="accent1"/>
+          </a:effectRef>
+          <a:fontRef idx="minor">
+            <a:schemeClr val="tx1"/>
+          </a:fontRef>
+        </p:style>
+      </p:cxnSp>
+      <p:cxnSp>
+        <p:nvCxnSpPr>
+          <p:cNvPr id="95" name="直線單箭頭接點 94"/>
+          <p:cNvCxnSpPr/>
+          <p:nvPr/>
+        </p:nvCxnSpPr>
+        <p:spPr>
+          <a:xfrm>
+            <a:off x="7429643" y="3256613"/>
+            <a:ext cx="0" cy="216000"/>
+          </a:xfrm>
+          <a:prstGeom prst="straightConnector1">
+            <a:avLst/>
+          </a:prstGeom>
+          <a:ln>
+            <a:solidFill>
+              <a:srgbClr val="C00000"/>
+            </a:solidFill>
+            <a:tailEnd type="arrow"/>
+          </a:ln>
+        </p:spPr>
+        <p:style>
+          <a:lnRef idx="1">
+            <a:schemeClr val="accent1"/>
+          </a:lnRef>
+          <a:fillRef idx="0">
+            <a:schemeClr val="accent1"/>
+          </a:fillRef>
+          <a:effectRef idx="0">
+            <a:schemeClr val="accent1"/>
+          </a:effectRef>
+          <a:fontRef idx="minor">
+            <a:schemeClr val="tx1"/>
+          </a:fontRef>
+        </p:style>
+      </p:cxnSp>
+      <p:cxnSp>
+        <p:nvCxnSpPr>
+          <p:cNvPr id="96" name="直線單箭頭接點 95"/>
+          <p:cNvCxnSpPr/>
+          <p:nvPr/>
+        </p:nvCxnSpPr>
+        <p:spPr>
+          <a:xfrm flipH="1">
+            <a:off x="6747463" y="2915162"/>
+            <a:ext cx="330251" cy="0"/>
+          </a:xfrm>
+          <a:prstGeom prst="straightConnector1">
+            <a:avLst/>
+          </a:prstGeom>
+          <a:ln>
+            <a:solidFill>
+              <a:srgbClr val="C00000"/>
+            </a:solidFill>
+            <a:tailEnd type="arrow"/>
+          </a:ln>
+        </p:spPr>
+        <p:style>
+          <a:lnRef idx="1">
+            <a:schemeClr val="accent1"/>
+          </a:lnRef>
+          <a:fillRef idx="0">
+            <a:schemeClr val="accent1"/>
+          </a:fillRef>
+          <a:effectRef idx="0">
+            <a:schemeClr val="accent1"/>
+          </a:effectRef>
+          <a:fontRef idx="minor">
+            <a:schemeClr val="tx1"/>
+          </a:fontRef>
+        </p:style>
+      </p:cxnSp>
+      <p:cxnSp>
+        <p:nvCxnSpPr>
+          <p:cNvPr id="97" name="直線單箭頭接點 96"/>
+          <p:cNvCxnSpPr/>
+          <p:nvPr/>
+        </p:nvCxnSpPr>
+        <p:spPr>
+          <a:xfrm>
+            <a:off x="7429643" y="4014578"/>
+            <a:ext cx="0" cy="216000"/>
+          </a:xfrm>
+          <a:prstGeom prst="straightConnector1">
+            <a:avLst/>
+          </a:prstGeom>
+          <a:ln>
+            <a:solidFill>
+              <a:srgbClr val="C00000"/>
+            </a:solidFill>
+            <a:tailEnd type="arrow"/>
+          </a:ln>
+        </p:spPr>
+        <p:style>
+          <a:lnRef idx="1">
+            <a:schemeClr val="accent1"/>
+          </a:lnRef>
+          <a:fillRef idx="0">
+            <a:schemeClr val="accent1"/>
+          </a:fillRef>
+          <a:effectRef idx="0">
+            <a:schemeClr val="accent1"/>
+          </a:effectRef>
+          <a:fontRef idx="minor">
+            <a:schemeClr val="tx1"/>
+          </a:fontRef>
+        </p:style>
+      </p:cxnSp>
+      <p:cxnSp>
+        <p:nvCxnSpPr>
+          <p:cNvPr id="99" name="直線單箭頭接點 98"/>
+          <p:cNvCxnSpPr/>
+          <p:nvPr/>
+        </p:nvCxnSpPr>
+        <p:spPr>
+          <a:xfrm>
+            <a:off x="7778071" y="4584761"/>
+            <a:ext cx="297902" cy="0"/>
+          </a:xfrm>
+          <a:prstGeom prst="straightConnector1">
+            <a:avLst/>
+          </a:prstGeom>
+          <a:ln>
+            <a:solidFill>
+              <a:srgbClr val="C00000"/>
+            </a:solidFill>
+            <a:tailEnd type="arrow"/>
+          </a:ln>
+        </p:spPr>
+        <p:style>
+          <a:lnRef idx="1">
+            <a:schemeClr val="accent1"/>
+          </a:lnRef>
+          <a:fillRef idx="0">
+            <a:schemeClr val="accent1"/>
+          </a:fillRef>
+          <a:effectRef idx="0">
+            <a:schemeClr val="accent1"/>
+          </a:effectRef>
+          <a:fontRef idx="minor">
+            <a:schemeClr val="tx1"/>
+          </a:fontRef>
+        </p:style>
+      </p:cxnSp>
+      <p:cxnSp>
+        <p:nvCxnSpPr>
+          <p:cNvPr id="100" name="直線單箭頭接點 99"/>
+          <p:cNvCxnSpPr/>
+          <p:nvPr/>
+        </p:nvCxnSpPr>
+        <p:spPr>
+          <a:xfrm>
+            <a:off x="7429643" y="4933200"/>
+            <a:ext cx="8071" cy="609497"/>
+          </a:xfrm>
+          <a:prstGeom prst="straightConnector1">
+            <a:avLst/>
+          </a:prstGeom>
+          <a:ln>
+            <a:solidFill>
+              <a:srgbClr val="C00000"/>
+            </a:solidFill>
+            <a:tailEnd type="arrow"/>
+          </a:ln>
+        </p:spPr>
+        <p:style>
+          <a:lnRef idx="1">
+            <a:schemeClr val="accent1"/>
+          </a:lnRef>
+          <a:fillRef idx="0">
+            <a:schemeClr val="accent1"/>
+          </a:fillRef>
+          <a:effectRef idx="0">
+            <a:schemeClr val="accent1"/>
+          </a:effectRef>
+          <a:fontRef idx="minor">
+            <a:schemeClr val="tx1"/>
+          </a:fontRef>
+        </p:style>
+      </p:cxnSp>
+      <p:cxnSp>
+        <p:nvCxnSpPr>
+          <p:cNvPr id="102" name="直線單箭頭接點 101"/>
+          <p:cNvCxnSpPr/>
+          <p:nvPr/>
+        </p:nvCxnSpPr>
+        <p:spPr>
+          <a:xfrm>
+            <a:off x="8682625" y="4870810"/>
+            <a:ext cx="0" cy="288000"/>
+          </a:xfrm>
+          <a:prstGeom prst="straightConnector1">
+            <a:avLst/>
+          </a:prstGeom>
+          <a:ln>
+            <a:solidFill>
+              <a:srgbClr val="C00000"/>
+            </a:solidFill>
+            <a:tailEnd type="arrow"/>
+          </a:ln>
+        </p:spPr>
+        <p:style>
+          <a:lnRef idx="1">
+            <a:schemeClr val="accent1"/>
+          </a:lnRef>
+          <a:fillRef idx="0">
+            <a:schemeClr val="accent1"/>
+          </a:fillRef>
+          <a:effectRef idx="0">
+            <a:schemeClr val="accent1"/>
+          </a:effectRef>
+          <a:fontRef idx="minor">
+            <a:schemeClr val="tx1"/>
+          </a:fontRef>
+        </p:style>
+      </p:cxnSp>
+      <p:cxnSp>
+        <p:nvCxnSpPr>
+          <p:cNvPr id="53" name="肘形接點 52"/>
+          <p:cNvCxnSpPr>
+            <a:stCxn id="101" idx="3"/>
+            <a:endCxn id="76" idx="3"/>
+          </p:cNvCxnSpPr>
+          <p:nvPr/>
+        </p:nvCxnSpPr>
+        <p:spPr>
+          <a:xfrm flipV="1">
+            <a:off x="9046328" y="4584761"/>
+            <a:ext cx="205879" cy="957937"/>
+          </a:xfrm>
+          <a:prstGeom prst="bentConnector3">
+            <a:avLst>
+              <a:gd name="adj1" fmla="val 211036"/>
+            </a:avLst>
+          </a:prstGeom>
+          <a:ln>
+            <a:solidFill>
+              <a:srgbClr val="C00000"/>
+            </a:solidFill>
+            <a:tailEnd type="arrow"/>
+          </a:ln>
+        </p:spPr>
+        <p:style>
+          <a:lnRef idx="1">
+            <a:schemeClr val="accent1"/>
+          </a:lnRef>
+          <a:fillRef idx="0">
+            <a:schemeClr val="accent1"/>
+          </a:fillRef>
+          <a:effectRef idx="0">
+            <a:schemeClr val="accent1"/>
+          </a:effectRef>
+          <a:fontRef idx="minor">
+            <a:schemeClr val="tx1"/>
+          </a:fontRef>
+        </p:style>
+      </p:cxnSp>
+      <p:cxnSp>
+        <p:nvCxnSpPr>
+          <p:cNvPr id="104" name="直線單箭頭接點 103"/>
+          <p:cNvCxnSpPr/>
+          <p:nvPr/>
+        </p:nvCxnSpPr>
+        <p:spPr>
+          <a:xfrm>
+            <a:off x="6165661" y="3201782"/>
+            <a:ext cx="0" cy="288000"/>
+          </a:xfrm>
+          <a:prstGeom prst="straightConnector1">
+            <a:avLst/>
+          </a:prstGeom>
+          <a:ln>
+            <a:solidFill>
+              <a:srgbClr val="C00000"/>
+            </a:solidFill>
+            <a:tailEnd type="arrow"/>
+          </a:ln>
+        </p:spPr>
+        <p:style>
+          <a:lnRef idx="1">
+            <a:schemeClr val="accent1"/>
+          </a:lnRef>
+          <a:fillRef idx="0">
+            <a:schemeClr val="accent1"/>
+          </a:fillRef>
+          <a:effectRef idx="0">
+            <a:schemeClr val="accent1"/>
+          </a:effectRef>
+          <a:fontRef idx="minor">
+            <a:schemeClr val="tx1"/>
+          </a:fontRef>
+        </p:style>
+      </p:cxnSp>
+      <p:cxnSp>
+        <p:nvCxnSpPr>
+          <p:cNvPr id="106" name="直線單箭頭接點 105"/>
+          <p:cNvCxnSpPr/>
+          <p:nvPr/>
+        </p:nvCxnSpPr>
+        <p:spPr>
+          <a:xfrm>
+            <a:off x="6163392" y="4206743"/>
+            <a:ext cx="0" cy="288000"/>
+          </a:xfrm>
+          <a:prstGeom prst="straightConnector1">
+            <a:avLst/>
+          </a:prstGeom>
+          <a:ln>
+            <a:solidFill>
+              <a:srgbClr val="C00000"/>
+            </a:solidFill>
+            <a:tailEnd type="arrow"/>
+          </a:ln>
+        </p:spPr>
+        <p:style>
+          <a:lnRef idx="1">
+            <a:schemeClr val="accent1"/>
+          </a:lnRef>
+          <a:fillRef idx="0">
+            <a:schemeClr val="accent1"/>
+          </a:fillRef>
+          <a:effectRef idx="0">
+            <a:schemeClr val="accent1"/>
+          </a:effectRef>
+          <a:fontRef idx="minor">
+            <a:schemeClr val="tx1"/>
+          </a:fontRef>
+        </p:style>
+      </p:cxnSp>
+      <p:cxnSp>
+        <p:nvCxnSpPr>
+          <p:cNvPr id="107" name="直線單箭頭接點 106"/>
+          <p:cNvCxnSpPr/>
+          <p:nvPr/>
+        </p:nvCxnSpPr>
+        <p:spPr>
+          <a:xfrm>
+            <a:off x="6172683" y="5081939"/>
+            <a:ext cx="0" cy="288000"/>
+          </a:xfrm>
+          <a:prstGeom prst="straightConnector1">
+            <a:avLst/>
+          </a:prstGeom>
+          <a:ln>
+            <a:solidFill>
+              <a:srgbClr val="C00000"/>
+            </a:solidFill>
+            <a:tailEnd type="arrow"/>
+          </a:ln>
+        </p:spPr>
+        <p:style>
+          <a:lnRef idx="1">
+            <a:schemeClr val="accent1"/>
+          </a:lnRef>
+          <a:fillRef idx="0">
+            <a:schemeClr val="accent1"/>
+          </a:fillRef>
+          <a:effectRef idx="0">
+            <a:schemeClr val="accent1"/>
+          </a:effectRef>
+          <a:fontRef idx="minor">
+            <a:schemeClr val="tx1"/>
+          </a:fontRef>
+        </p:style>
+      </p:cxnSp>
+      <p:cxnSp>
+        <p:nvCxnSpPr>
+          <p:cNvPr id="111" name="肘形接點 110"/>
+          <p:cNvCxnSpPr>
+            <a:stCxn id="105" idx="1"/>
+            <a:endCxn id="69" idx="1"/>
+          </p:cNvCxnSpPr>
+          <p:nvPr/>
+        </p:nvCxnSpPr>
+        <p:spPr>
+          <a:xfrm rot="10800000">
+            <a:off x="5595464" y="2931782"/>
+            <a:ext cx="207929" cy="918000"/>
+          </a:xfrm>
+          <a:prstGeom prst="bentConnector3">
+            <a:avLst>
+              <a:gd name="adj1" fmla="val 209941"/>
+            </a:avLst>
+          </a:prstGeom>
+          <a:ln>
+            <a:solidFill>
+              <a:srgbClr val="C00000"/>
+            </a:solidFill>
+            <a:tailEnd type="arrow"/>
+          </a:ln>
+        </p:spPr>
+        <p:style>
+          <a:lnRef idx="1">
+            <a:schemeClr val="accent1"/>
+          </a:lnRef>
+          <a:fillRef idx="0">
+            <a:schemeClr val="accent1"/>
+          </a:fillRef>
+          <a:effectRef idx="0">
+            <a:schemeClr val="accent1"/>
+          </a:effectRef>
+          <a:fontRef idx="minor">
+            <a:schemeClr val="tx1"/>
+          </a:fontRef>
+        </p:style>
+      </p:cxnSp>
+      <p:cxnSp>
+        <p:nvCxnSpPr>
+          <p:cNvPr id="116" name="直線單箭頭接點 115"/>
+          <p:cNvCxnSpPr>
+            <a:stCxn id="101" idx="1"/>
+            <a:endCxn id="86" idx="6"/>
+          </p:cNvCxnSpPr>
+          <p:nvPr/>
+        </p:nvCxnSpPr>
+        <p:spPr>
+          <a:xfrm flipH="1">
+            <a:off x="6335916" y="5542698"/>
+            <a:ext cx="1990412" cy="541"/>
+          </a:xfrm>
+          <a:prstGeom prst="straightConnector1">
+            <a:avLst/>
+          </a:prstGeom>
+          <a:ln>
+            <a:solidFill>
+              <a:srgbClr val="C00000"/>
+            </a:solidFill>
+            <a:tailEnd type="arrow"/>
+          </a:ln>
+        </p:spPr>
+        <p:style>
+          <a:lnRef idx="1">
+            <a:schemeClr val="accent1"/>
+          </a:lnRef>
+          <a:fillRef idx="0">
+            <a:schemeClr val="accent1"/>
+          </a:fillRef>
+          <a:effectRef idx="0">
+            <a:schemeClr val="accent1"/>
+          </a:effectRef>
+          <a:fontRef idx="minor">
+            <a:schemeClr val="tx1"/>
+          </a:fontRef>
+        </p:style>
+      </p:cxnSp>
+      <p:cxnSp>
+        <p:nvCxnSpPr>
+          <p:cNvPr id="118" name="直線單箭頭接點 117"/>
+          <p:cNvCxnSpPr>
+            <a:stCxn id="77" idx="3"/>
+            <a:endCxn id="86" idx="2"/>
+          </p:cNvCxnSpPr>
+          <p:nvPr/>
+        </p:nvCxnSpPr>
+        <p:spPr>
+          <a:xfrm flipV="1">
+            <a:off x="4989838" y="5522591"/>
+            <a:ext cx="1040776" cy="660"/>
+          </a:xfrm>
+          <a:prstGeom prst="straightConnector1">
+            <a:avLst/>
+          </a:prstGeom>
+          <a:ln>
+            <a:solidFill>
+              <a:srgbClr val="C00000"/>
+            </a:solidFill>
+            <a:tailEnd type="arrow"/>
+          </a:ln>
+        </p:spPr>
+        <p:style>
+          <a:lnRef idx="1">
+            <a:schemeClr val="accent1"/>
+          </a:lnRef>
+          <a:fillRef idx="0">
+            <a:schemeClr val="accent1"/>
+          </a:fillRef>
+          <a:effectRef idx="0">
+            <a:schemeClr val="accent1"/>
+          </a:effectRef>
+          <a:fontRef idx="minor">
+            <a:schemeClr val="tx1"/>
+          </a:fontRef>
+        </p:style>
+      </p:cxnSp>
+      <p:sp>
+        <p:nvSpPr>
+          <p:cNvPr id="9" name="文字方塊 8"/>
+          <p:cNvSpPr txBox="1"/>
+          <p:nvPr/>
+        </p:nvSpPr>
+        <p:spPr>
+          <a:xfrm>
+            <a:off x="5667195" y="1459354"/>
+            <a:ext cx="1107996" cy="276999"/>
+          </a:xfrm>
+          <a:prstGeom prst="rect">
+            <a:avLst/>
+          </a:prstGeom>
+          <a:noFill/>
+        </p:spPr>
+        <p:txBody>
+          <a:bodyPr wrap="none" rtlCol="0">
+            <a:spAutoFit/>
+          </a:bodyPr>
+          <a:lstStyle/>
+          <a:p>
+            <a:r>
+              <a:rPr lang="en-US" altLang="zh-TW" sz="1200" b="1" dirty="0" smtClean="0">
+                <a:latin typeface="標楷體" panose="03000509000000000000" pitchFamily="65" charset="-120"/>
+                <a:ea typeface="標楷體" panose="03000509000000000000" pitchFamily="65" charset="-120"/>
+              </a:rPr>
+              <a:t>[</a:t>
+            </a:r>
+            <a:r>
+              <a:rPr lang="zh-TW" altLang="en-US" sz="1200" b="1" dirty="0" smtClean="0">
+                <a:latin typeface="標楷體" panose="03000509000000000000" pitchFamily="65" charset="-120"/>
+                <a:ea typeface="標楷體" panose="03000509000000000000" pitchFamily="65" charset="-120"/>
+              </a:rPr>
+              <a:t>行為者類型</a:t>
+            </a:r>
+            <a:r>
+              <a:rPr lang="en-US" altLang="zh-TW" sz="1200" b="1" dirty="0" smtClean="0">
+                <a:latin typeface="標楷體" panose="03000509000000000000" pitchFamily="65" charset="-120"/>
+                <a:ea typeface="標楷體" panose="03000509000000000000" pitchFamily="65" charset="-120"/>
+              </a:rPr>
+              <a:t>]</a:t>
+            </a:r>
+            <a:endParaRPr lang="zh-TW" altLang="en-US" sz="1200" b="1" dirty="0">
+              <a:latin typeface="標楷體" panose="03000509000000000000" pitchFamily="65" charset="-120"/>
+              <a:ea typeface="標楷體" panose="03000509000000000000" pitchFamily="65" charset="-120"/>
+            </a:endParaRPr>
+          </a:p>
+        </p:txBody>
+      </p:sp>
+      <p:sp>
+        <p:nvSpPr>
+          <p:cNvPr id="15" name="文字方塊 14"/>
+          <p:cNvSpPr txBox="1"/>
+          <p:nvPr/>
+        </p:nvSpPr>
+        <p:spPr>
+          <a:xfrm>
+            <a:off x="4568669" y="1845688"/>
+            <a:ext cx="800219" cy="276999"/>
+          </a:xfrm>
+          <a:prstGeom prst="rect">
+            <a:avLst/>
+          </a:prstGeom>
+          <a:noFill/>
+        </p:spPr>
+        <p:txBody>
+          <a:bodyPr wrap="none" rtlCol="0">
+            <a:spAutoFit/>
+          </a:bodyPr>
+          <a:lstStyle/>
+          <a:p>
+            <a:r>
+              <a:rPr lang="en-US" altLang="zh-TW" sz="1200" b="1" dirty="0" smtClean="0">
+                <a:latin typeface="標楷體" panose="03000509000000000000" pitchFamily="65" charset="-120"/>
+                <a:ea typeface="標楷體" panose="03000509000000000000" pitchFamily="65" charset="-120"/>
+              </a:rPr>
+              <a:t>[</a:t>
+            </a:r>
+            <a:r>
+              <a:rPr lang="zh-TW" altLang="en-US" sz="1200" b="1" dirty="0" smtClean="0">
+                <a:latin typeface="標楷體" panose="03000509000000000000" pitchFamily="65" charset="-120"/>
+                <a:ea typeface="標楷體" panose="03000509000000000000" pitchFamily="65" charset="-120"/>
+              </a:rPr>
+              <a:t>使用者</a:t>
+            </a:r>
+            <a:r>
+              <a:rPr lang="en-US" altLang="zh-TW" sz="1200" b="1" dirty="0" smtClean="0">
+                <a:latin typeface="標楷體" panose="03000509000000000000" pitchFamily="65" charset="-120"/>
+                <a:ea typeface="標楷體" panose="03000509000000000000" pitchFamily="65" charset="-120"/>
+              </a:rPr>
+              <a:t>]</a:t>
+            </a:r>
+            <a:endParaRPr lang="zh-TW" altLang="en-US" sz="1200" b="1" dirty="0">
+              <a:latin typeface="標楷體" panose="03000509000000000000" pitchFamily="65" charset="-120"/>
+              <a:ea typeface="標楷體" panose="03000509000000000000" pitchFamily="65" charset="-120"/>
+            </a:endParaRPr>
+          </a:p>
+        </p:txBody>
+      </p:sp>
+      <p:sp>
+        <p:nvSpPr>
+          <p:cNvPr id="19" name="文字方塊 18"/>
+          <p:cNvSpPr txBox="1"/>
+          <p:nvPr/>
+        </p:nvSpPr>
+        <p:spPr>
+          <a:xfrm>
+            <a:off x="6331040" y="1845689"/>
+            <a:ext cx="800219" cy="276999"/>
+          </a:xfrm>
+          <a:prstGeom prst="rect">
+            <a:avLst/>
+          </a:prstGeom>
+          <a:noFill/>
+        </p:spPr>
+        <p:txBody>
+          <a:bodyPr wrap="none" rtlCol="0">
+            <a:spAutoFit/>
+          </a:bodyPr>
+          <a:lstStyle/>
+          <a:p>
+            <a:r>
+              <a:rPr lang="en-US" altLang="zh-TW" sz="1200" b="1" dirty="0" smtClean="0">
+                <a:latin typeface="標楷體" panose="03000509000000000000" pitchFamily="65" charset="-120"/>
+                <a:ea typeface="標楷體" panose="03000509000000000000" pitchFamily="65" charset="-120"/>
+              </a:rPr>
+              <a:t>[</a:t>
+            </a:r>
+            <a:r>
+              <a:rPr lang="zh-TW" altLang="en-US" sz="1200" b="1" dirty="0" smtClean="0">
+                <a:latin typeface="標楷體" panose="03000509000000000000" pitchFamily="65" charset="-120"/>
+                <a:ea typeface="標楷體" panose="03000509000000000000" pitchFamily="65" charset="-120"/>
+              </a:rPr>
+              <a:t>管理者</a:t>
+            </a:r>
+            <a:r>
+              <a:rPr lang="en-US" altLang="zh-TW" sz="1200" b="1" dirty="0" smtClean="0">
+                <a:latin typeface="標楷體" panose="03000509000000000000" pitchFamily="65" charset="-120"/>
+                <a:ea typeface="標楷體" panose="03000509000000000000" pitchFamily="65" charset="-120"/>
+              </a:rPr>
+              <a:t>]</a:t>
+            </a:r>
+            <a:endParaRPr lang="zh-TW" altLang="en-US" sz="1200" b="1" dirty="0">
+              <a:latin typeface="標楷體" panose="03000509000000000000" pitchFamily="65" charset="-120"/>
+              <a:ea typeface="標楷體" panose="03000509000000000000" pitchFamily="65" charset="-120"/>
+            </a:endParaRPr>
+          </a:p>
+        </p:txBody>
+      </p:sp>
+      <p:sp>
+        <p:nvSpPr>
+          <p:cNvPr id="20" name="文字方塊 19"/>
+          <p:cNvSpPr txBox="1"/>
+          <p:nvPr/>
+        </p:nvSpPr>
+        <p:spPr>
+          <a:xfrm>
+            <a:off x="7364888" y="2205691"/>
+            <a:ext cx="646331" cy="276999"/>
+          </a:xfrm>
+          <a:prstGeom prst="rect">
+            <a:avLst/>
+          </a:prstGeom>
+          <a:noFill/>
+        </p:spPr>
+        <p:txBody>
+          <a:bodyPr wrap="none" rtlCol="0">
+            <a:spAutoFit/>
+          </a:bodyPr>
+          <a:lstStyle/>
+          <a:p>
+            <a:r>
+              <a:rPr lang="en-US" altLang="zh-TW" sz="1200" b="1" dirty="0" smtClean="0">
+                <a:latin typeface="標楷體" panose="03000509000000000000" pitchFamily="65" charset="-120"/>
+                <a:ea typeface="標楷體" panose="03000509000000000000" pitchFamily="65" charset="-120"/>
+              </a:rPr>
+              <a:t>[</a:t>
+            </a:r>
+            <a:r>
+              <a:rPr lang="zh-TW" altLang="en-US" sz="1200" b="1" dirty="0" smtClean="0">
+                <a:latin typeface="標楷體" panose="03000509000000000000" pitchFamily="65" charset="-120"/>
+                <a:ea typeface="標楷體" panose="03000509000000000000" pitchFamily="65" charset="-120"/>
+              </a:rPr>
+              <a:t>動作</a:t>
+            </a:r>
+            <a:r>
+              <a:rPr lang="en-US" altLang="zh-TW" sz="1200" b="1" dirty="0" smtClean="0">
+                <a:latin typeface="標楷體" panose="03000509000000000000" pitchFamily="65" charset="-120"/>
+                <a:ea typeface="標楷體" panose="03000509000000000000" pitchFamily="65" charset="-120"/>
+              </a:rPr>
+              <a:t>]</a:t>
+            </a:r>
+            <a:endParaRPr lang="zh-TW" altLang="en-US" sz="1200" b="1" dirty="0">
+              <a:latin typeface="標楷體" panose="03000509000000000000" pitchFamily="65" charset="-120"/>
+              <a:ea typeface="標楷體" panose="03000509000000000000" pitchFamily="65" charset="-120"/>
+            </a:endParaRPr>
+          </a:p>
+        </p:txBody>
+      </p:sp>
+      <p:sp>
+        <p:nvSpPr>
+          <p:cNvPr id="33" name="文字方塊 32"/>
+          <p:cNvSpPr txBox="1"/>
+          <p:nvPr/>
+        </p:nvSpPr>
+        <p:spPr>
+          <a:xfrm>
+            <a:off x="5293802" y="3271778"/>
+            <a:ext cx="441146" cy="246221"/>
+          </a:xfrm>
+          <a:prstGeom prst="rect">
+            <a:avLst/>
+          </a:prstGeom>
+          <a:noFill/>
+        </p:spPr>
+        <p:txBody>
+          <a:bodyPr wrap="none" rtlCol="0">
+            <a:spAutoFit/>
+          </a:bodyPr>
+          <a:lstStyle/>
+          <a:p>
+            <a:r>
+              <a:rPr lang="en-US" altLang="zh-TW" sz="1000" b="1" dirty="0" smtClean="0">
+                <a:latin typeface="標楷體" panose="03000509000000000000" pitchFamily="65" charset="-120"/>
+                <a:ea typeface="標楷體" panose="03000509000000000000" pitchFamily="65" charset="-120"/>
+              </a:rPr>
+              <a:t>[No]</a:t>
+            </a:r>
+            <a:endParaRPr lang="zh-TW" altLang="en-US" sz="1000" b="1" dirty="0">
+              <a:latin typeface="標楷體" panose="03000509000000000000" pitchFamily="65" charset="-120"/>
+              <a:ea typeface="標楷體" panose="03000509000000000000" pitchFamily="65" charset="-120"/>
+            </a:endParaRPr>
+          </a:p>
+        </p:txBody>
+      </p:sp>
+      <p:sp>
+        <p:nvSpPr>
+          <p:cNvPr id="51" name="文字方塊 50"/>
+          <p:cNvSpPr txBox="1"/>
+          <p:nvPr/>
+        </p:nvSpPr>
+        <p:spPr>
+          <a:xfrm>
+            <a:off x="4386096" y="4930480"/>
+            <a:ext cx="505267" cy="246221"/>
+          </a:xfrm>
+          <a:prstGeom prst="rect">
+            <a:avLst/>
+          </a:prstGeom>
+          <a:noFill/>
+        </p:spPr>
+        <p:txBody>
+          <a:bodyPr wrap="none" rtlCol="0">
+            <a:spAutoFit/>
+          </a:bodyPr>
+          <a:lstStyle/>
+          <a:p>
+            <a:r>
+              <a:rPr lang="en-US" altLang="zh-TW" sz="1000" b="1" dirty="0" smtClean="0">
+                <a:latin typeface="標楷體" panose="03000509000000000000" pitchFamily="65" charset="-120"/>
+                <a:ea typeface="標楷體" panose="03000509000000000000" pitchFamily="65" charset="-120"/>
+              </a:rPr>
+              <a:t>[Yes]</a:t>
+            </a:r>
+            <a:endParaRPr lang="zh-TW" altLang="en-US" sz="1000" b="1" dirty="0">
+              <a:latin typeface="標楷體" panose="03000509000000000000" pitchFamily="65" charset="-120"/>
+              <a:ea typeface="標楷體" panose="03000509000000000000" pitchFamily="65" charset="-120"/>
+            </a:endParaRPr>
+          </a:p>
+        </p:txBody>
+      </p:sp>
+      <p:sp>
+        <p:nvSpPr>
+          <p:cNvPr id="57" name="文字方塊 56"/>
+          <p:cNvSpPr txBox="1"/>
+          <p:nvPr/>
+        </p:nvSpPr>
+        <p:spPr>
+          <a:xfrm>
+            <a:off x="3541134" y="4041369"/>
+            <a:ext cx="441146" cy="246221"/>
+          </a:xfrm>
+          <a:prstGeom prst="rect">
+            <a:avLst/>
+          </a:prstGeom>
+          <a:noFill/>
+        </p:spPr>
+        <p:txBody>
+          <a:bodyPr wrap="none" rtlCol="0">
+            <a:spAutoFit/>
+          </a:bodyPr>
+          <a:lstStyle/>
+          <a:p>
+            <a:r>
+              <a:rPr lang="en-US" altLang="zh-TW" sz="1000" b="1" dirty="0" smtClean="0">
+                <a:latin typeface="標楷體" panose="03000509000000000000" pitchFamily="65" charset="-120"/>
+                <a:ea typeface="標楷體" panose="03000509000000000000" pitchFamily="65" charset="-120"/>
+              </a:rPr>
+              <a:t>[No]</a:t>
+            </a:r>
+            <a:endParaRPr lang="zh-TW" altLang="en-US" sz="1000" b="1" dirty="0">
+              <a:latin typeface="標楷體" panose="03000509000000000000" pitchFamily="65" charset="-120"/>
+              <a:ea typeface="標楷體" panose="03000509000000000000" pitchFamily="65" charset="-120"/>
+            </a:endParaRPr>
+          </a:p>
+        </p:txBody>
+      </p:sp>
+      <p:sp>
+        <p:nvSpPr>
+          <p:cNvPr id="60" name="文字方塊 59"/>
+          <p:cNvSpPr txBox="1"/>
+          <p:nvPr/>
+        </p:nvSpPr>
+        <p:spPr>
+          <a:xfrm>
+            <a:off x="7359311" y="4025981"/>
+            <a:ext cx="646331" cy="276999"/>
+          </a:xfrm>
+          <a:prstGeom prst="rect">
+            <a:avLst/>
+          </a:prstGeom>
+          <a:noFill/>
+        </p:spPr>
+        <p:txBody>
+          <a:bodyPr wrap="none" rtlCol="0">
+            <a:spAutoFit/>
+          </a:bodyPr>
+          <a:lstStyle/>
+          <a:p>
+            <a:r>
+              <a:rPr lang="en-US" altLang="zh-TW" sz="1200" b="1" dirty="0" smtClean="0">
+                <a:latin typeface="標楷體" panose="03000509000000000000" pitchFamily="65" charset="-120"/>
+                <a:ea typeface="標楷體" panose="03000509000000000000" pitchFamily="65" charset="-120"/>
+              </a:rPr>
+              <a:t>[</a:t>
+            </a:r>
+            <a:r>
+              <a:rPr lang="zh-TW" altLang="en-US" sz="1200" b="1" dirty="0" smtClean="0">
+                <a:latin typeface="標楷體" panose="03000509000000000000" pitchFamily="65" charset="-120"/>
+                <a:ea typeface="標楷體" panose="03000509000000000000" pitchFamily="65" charset="-120"/>
+              </a:rPr>
+              <a:t>修改</a:t>
+            </a:r>
+            <a:r>
+              <a:rPr lang="en-US" altLang="zh-TW" sz="1200" b="1" dirty="0" smtClean="0">
+                <a:latin typeface="標楷體" panose="03000509000000000000" pitchFamily="65" charset="-120"/>
+                <a:ea typeface="標楷體" panose="03000509000000000000" pitchFamily="65" charset="-120"/>
+              </a:rPr>
+              <a:t>]</a:t>
+            </a:r>
+            <a:endParaRPr lang="zh-TW" altLang="en-US" sz="1200" b="1" dirty="0">
+              <a:latin typeface="標楷體" panose="03000509000000000000" pitchFamily="65" charset="-120"/>
+              <a:ea typeface="標楷體" panose="03000509000000000000" pitchFamily="65" charset="-120"/>
+            </a:endParaRPr>
+          </a:p>
+        </p:txBody>
+      </p:sp>
+      <p:sp>
+        <p:nvSpPr>
+          <p:cNvPr id="64" name="文字方塊 63"/>
+          <p:cNvSpPr txBox="1"/>
+          <p:nvPr/>
+        </p:nvSpPr>
+        <p:spPr>
+          <a:xfrm>
+            <a:off x="6970108" y="4970321"/>
+            <a:ext cx="441146" cy="246221"/>
+          </a:xfrm>
+          <a:prstGeom prst="rect">
+            <a:avLst/>
+          </a:prstGeom>
+          <a:noFill/>
+        </p:spPr>
+        <p:txBody>
+          <a:bodyPr wrap="none" rtlCol="0">
+            <a:spAutoFit/>
+          </a:bodyPr>
+          <a:lstStyle/>
+          <a:p>
+            <a:r>
+              <a:rPr lang="en-US" altLang="zh-TW" sz="1000" b="1" dirty="0" smtClean="0">
+                <a:latin typeface="標楷體" panose="03000509000000000000" pitchFamily="65" charset="-120"/>
+                <a:ea typeface="標楷體" panose="03000509000000000000" pitchFamily="65" charset="-120"/>
+              </a:rPr>
+              <a:t>[No]</a:t>
+            </a:r>
+            <a:endParaRPr lang="zh-TW" altLang="en-US" sz="1000" b="1" dirty="0">
+              <a:latin typeface="標楷體" panose="03000509000000000000" pitchFamily="65" charset="-120"/>
+              <a:ea typeface="標楷體" panose="03000509000000000000" pitchFamily="65" charset="-120"/>
+            </a:endParaRPr>
+          </a:p>
+        </p:txBody>
+      </p:sp>
+      <p:sp>
+        <p:nvSpPr>
+          <p:cNvPr id="78" name="文字方塊 77"/>
+          <p:cNvSpPr txBox="1"/>
+          <p:nvPr/>
+        </p:nvSpPr>
+        <p:spPr>
+          <a:xfrm>
+            <a:off x="8990458" y="5542698"/>
+            <a:ext cx="441146" cy="246221"/>
+          </a:xfrm>
+          <a:prstGeom prst="rect">
+            <a:avLst/>
+          </a:prstGeom>
+          <a:noFill/>
+        </p:spPr>
+        <p:txBody>
+          <a:bodyPr wrap="none" rtlCol="0">
+            <a:spAutoFit/>
+          </a:bodyPr>
+          <a:lstStyle/>
+          <a:p>
+            <a:r>
+              <a:rPr lang="en-US" altLang="zh-TW" sz="1000" b="1" dirty="0" smtClean="0">
+                <a:latin typeface="標楷體" panose="03000509000000000000" pitchFamily="65" charset="-120"/>
+                <a:ea typeface="標楷體" panose="03000509000000000000" pitchFamily="65" charset="-120"/>
+              </a:rPr>
+              <a:t>[No]</a:t>
+            </a:r>
+            <a:endParaRPr lang="zh-TW" altLang="en-US" sz="1000" b="1" dirty="0">
+              <a:latin typeface="標楷體" panose="03000509000000000000" pitchFamily="65" charset="-120"/>
+              <a:ea typeface="標楷體" panose="03000509000000000000" pitchFamily="65" charset="-120"/>
+            </a:endParaRPr>
+          </a:p>
+        </p:txBody>
+      </p:sp>
+      <p:sp>
+        <p:nvSpPr>
+          <p:cNvPr id="83" name="文字方塊 82"/>
+          <p:cNvSpPr txBox="1"/>
+          <p:nvPr/>
+        </p:nvSpPr>
+        <p:spPr>
+          <a:xfrm>
+            <a:off x="7552318" y="5532915"/>
+            <a:ext cx="505267" cy="246221"/>
+          </a:xfrm>
+          <a:prstGeom prst="rect">
+            <a:avLst/>
+          </a:prstGeom>
+          <a:noFill/>
+        </p:spPr>
+        <p:txBody>
+          <a:bodyPr wrap="none" rtlCol="0">
+            <a:spAutoFit/>
+          </a:bodyPr>
+          <a:lstStyle/>
+          <a:p>
+            <a:r>
+              <a:rPr lang="en-US" altLang="zh-TW" sz="1000" b="1" dirty="0" smtClean="0">
+                <a:latin typeface="標楷體" panose="03000509000000000000" pitchFamily="65" charset="-120"/>
+                <a:ea typeface="標楷體" panose="03000509000000000000" pitchFamily="65" charset="-120"/>
+              </a:rPr>
+              <a:t>[Yes]</a:t>
+            </a:r>
+            <a:endParaRPr lang="zh-TW" altLang="en-US" sz="1000" b="1" dirty="0">
+              <a:latin typeface="標楷體" panose="03000509000000000000" pitchFamily="65" charset="-120"/>
+              <a:ea typeface="標楷體" panose="03000509000000000000" pitchFamily="65" charset="-120"/>
+            </a:endParaRPr>
+          </a:p>
+        </p:txBody>
+      </p:sp>
+      <p:sp>
+        <p:nvSpPr>
+          <p:cNvPr id="63" name="文字方塊 62"/>
+          <p:cNvSpPr txBox="1"/>
+          <p:nvPr/>
+        </p:nvSpPr>
+        <p:spPr>
+          <a:xfrm>
+            <a:off x="7674388" y="4352772"/>
+            <a:ext cx="505267" cy="246221"/>
+          </a:xfrm>
+          <a:prstGeom prst="rect">
+            <a:avLst/>
+          </a:prstGeom>
+          <a:noFill/>
+        </p:spPr>
+        <p:txBody>
+          <a:bodyPr wrap="none" rtlCol="0">
+            <a:spAutoFit/>
+          </a:bodyPr>
+          <a:lstStyle/>
+          <a:p>
+            <a:r>
+              <a:rPr lang="en-US" altLang="zh-TW" sz="1000" b="1" dirty="0" smtClean="0">
+                <a:latin typeface="標楷體" panose="03000509000000000000" pitchFamily="65" charset="-120"/>
+                <a:ea typeface="標楷體" panose="03000509000000000000" pitchFamily="65" charset="-120"/>
+              </a:rPr>
+              <a:t>[Yes]</a:t>
+            </a:r>
+            <a:endParaRPr lang="zh-TW" altLang="en-US" sz="1000" b="1" dirty="0">
+              <a:latin typeface="標楷體" panose="03000509000000000000" pitchFamily="65" charset="-120"/>
+              <a:ea typeface="標楷體" panose="03000509000000000000" pitchFamily="65" charset="-120"/>
+            </a:endParaRPr>
+          </a:p>
+        </p:txBody>
+      </p:sp>
+      <p:sp>
+        <p:nvSpPr>
+          <p:cNvPr id="49" name="文字方塊 48"/>
+          <p:cNvSpPr txBox="1"/>
+          <p:nvPr/>
+        </p:nvSpPr>
+        <p:spPr>
+          <a:xfrm>
+            <a:off x="4386096" y="3911305"/>
+            <a:ext cx="889987" cy="400110"/>
+          </a:xfrm>
+          <a:prstGeom prst="rect">
+            <a:avLst/>
+          </a:prstGeom>
+          <a:noFill/>
+          <a:ln>
             <a:noFill/>
-          </p:spPr>
-          <p:txBody>
-            <a:bodyPr wrap="none" rtlCol="0">
-              <a:spAutoFit/>
-            </a:bodyPr>
-            <a:lstStyle/>
-            <a:p>
-              <a:r>
-                <a:rPr lang="en-US" altLang="zh-TW" sz="1000" b="1" dirty="0" smtClean="0">
-                  <a:latin typeface="標楷體" panose="03000509000000000000" pitchFamily="65" charset="-120"/>
-                  <a:ea typeface="標楷體" panose="03000509000000000000" pitchFamily="65" charset="-120"/>
-                </a:rPr>
-                <a:t>[Yes]</a:t>
-              </a:r>
-              <a:endParaRPr lang="zh-TW" altLang="en-US" sz="1000" b="1" dirty="0">
-                <a:latin typeface="標楷體" panose="03000509000000000000" pitchFamily="65" charset="-120"/>
-                <a:ea typeface="標楷體" panose="03000509000000000000" pitchFamily="65" charset="-120"/>
-              </a:endParaRPr>
-            </a:p>
-          </p:txBody>
-        </p:sp>
-        <p:cxnSp>
-          <p:nvCxnSpPr>
-            <p:cNvPr id="88" name="直線單箭頭接點 87"/>
-            <p:cNvCxnSpPr/>
-            <p:nvPr/>
-          </p:nvCxnSpPr>
-          <p:spPr>
-            <a:xfrm>
-              <a:off x="5728686" y="352799"/>
-              <a:ext cx="0" cy="288000"/>
-            </a:xfrm>
-            <a:prstGeom prst="straightConnector1">
-              <a:avLst/>
-            </a:prstGeom>
-            <a:ln>
-              <a:solidFill>
-                <a:srgbClr val="C00000"/>
-              </a:solidFill>
-              <a:tailEnd type="arrow"/>
-            </a:ln>
-          </p:spPr>
-          <p:style>
-            <a:lnRef idx="1">
-              <a:schemeClr val="accent1"/>
-            </a:lnRef>
-            <a:fillRef idx="0">
-              <a:schemeClr val="accent1"/>
-            </a:fillRef>
-            <a:effectRef idx="0">
-              <a:schemeClr val="accent1"/>
-            </a:effectRef>
-            <a:fontRef idx="minor">
-              <a:schemeClr val="tx1"/>
-            </a:fontRef>
-          </p:style>
-        </p:cxnSp>
-        <p:cxnSp>
-          <p:nvCxnSpPr>
-            <p:cNvPr id="89" name="直線單箭頭接點 88"/>
-            <p:cNvCxnSpPr/>
-            <p:nvPr/>
-          </p:nvCxnSpPr>
-          <p:spPr>
-            <a:xfrm>
-              <a:off x="5728686" y="1180799"/>
-              <a:ext cx="0" cy="288000"/>
-            </a:xfrm>
-            <a:prstGeom prst="straightConnector1">
-              <a:avLst/>
-            </a:prstGeom>
-            <a:ln>
-              <a:solidFill>
-                <a:srgbClr val="C00000"/>
-              </a:solidFill>
-              <a:tailEnd type="arrow"/>
-            </a:ln>
-          </p:spPr>
-          <p:style>
-            <a:lnRef idx="1">
-              <a:schemeClr val="accent1"/>
-            </a:lnRef>
-            <a:fillRef idx="0">
-              <a:schemeClr val="accent1"/>
-            </a:fillRef>
-            <a:effectRef idx="0">
-              <a:schemeClr val="accent1"/>
-            </a:effectRef>
-            <a:fontRef idx="minor">
-              <a:schemeClr val="tx1"/>
-            </a:fontRef>
-          </p:style>
-        </p:cxnSp>
-        <p:cxnSp>
-          <p:nvCxnSpPr>
-            <p:cNvPr id="13" name="肘形接點 12"/>
-            <p:cNvCxnSpPr>
-              <a:stCxn id="66" idx="3"/>
-              <a:endCxn id="90" idx="0"/>
-            </p:cNvCxnSpPr>
-            <p:nvPr/>
-          </p:nvCxnSpPr>
-          <p:spPr>
-            <a:xfrm>
-              <a:off x="6088686" y="1828799"/>
-              <a:ext cx="1348826" cy="431733"/>
-            </a:xfrm>
-            <a:prstGeom prst="bentConnector2">
-              <a:avLst/>
-            </a:prstGeom>
-            <a:ln>
-              <a:solidFill>
-                <a:srgbClr val="C00000"/>
-              </a:solidFill>
-              <a:tailEnd type="arrow"/>
-            </a:ln>
-          </p:spPr>
-          <p:style>
-            <a:lnRef idx="1">
-              <a:schemeClr val="accent1"/>
-            </a:lnRef>
-            <a:fillRef idx="0">
-              <a:schemeClr val="accent1"/>
-            </a:fillRef>
-            <a:effectRef idx="0">
-              <a:schemeClr val="accent1"/>
-            </a:effectRef>
-            <a:fontRef idx="minor">
-              <a:schemeClr val="tx1"/>
-            </a:fontRef>
-          </p:style>
-        </p:cxnSp>
-        <p:cxnSp>
-          <p:nvCxnSpPr>
-            <p:cNvPr id="17" name="肘形接點 16"/>
-            <p:cNvCxnSpPr>
-              <a:stCxn id="66" idx="1"/>
-              <a:endCxn id="68" idx="0"/>
-            </p:cNvCxnSpPr>
-            <p:nvPr/>
-          </p:nvCxnSpPr>
-          <p:spPr>
-            <a:xfrm rot="10800000" flipV="1">
-              <a:off x="4413636" y="1828798"/>
-              <a:ext cx="955051" cy="359999"/>
-            </a:xfrm>
-            <a:prstGeom prst="bentConnector2">
-              <a:avLst/>
-            </a:prstGeom>
-            <a:ln>
-              <a:solidFill>
-                <a:srgbClr val="C00000"/>
-              </a:solidFill>
-              <a:tailEnd type="arrow"/>
-            </a:ln>
-          </p:spPr>
-          <p:style>
-            <a:lnRef idx="1">
-              <a:schemeClr val="accent1"/>
-            </a:lnRef>
-            <a:fillRef idx="0">
-              <a:schemeClr val="accent1"/>
-            </a:fillRef>
-            <a:effectRef idx="0">
-              <a:schemeClr val="accent1"/>
-            </a:effectRef>
-            <a:fontRef idx="minor">
-              <a:schemeClr val="tx1"/>
-            </a:fontRef>
-          </p:style>
-        </p:cxnSp>
-        <p:cxnSp>
-          <p:nvCxnSpPr>
-            <p:cNvPr id="91" name="直線單箭頭接點 90"/>
-            <p:cNvCxnSpPr/>
-            <p:nvPr/>
-          </p:nvCxnSpPr>
-          <p:spPr>
-            <a:xfrm>
-              <a:off x="4413635" y="2728798"/>
-              <a:ext cx="0" cy="288000"/>
-            </a:xfrm>
-            <a:prstGeom prst="straightConnector1">
-              <a:avLst/>
-            </a:prstGeom>
-            <a:ln>
-              <a:solidFill>
-                <a:srgbClr val="C00000"/>
-              </a:solidFill>
-              <a:tailEnd type="arrow"/>
-            </a:ln>
-          </p:spPr>
-          <p:style>
-            <a:lnRef idx="1">
-              <a:schemeClr val="accent1"/>
-            </a:lnRef>
-            <a:fillRef idx="0">
-              <a:schemeClr val="accent1"/>
-            </a:fillRef>
-            <a:effectRef idx="0">
-              <a:schemeClr val="accent1"/>
-            </a:effectRef>
-            <a:fontRef idx="minor">
-              <a:schemeClr val="tx1"/>
-            </a:fontRef>
-          </p:style>
-        </p:cxnSp>
-        <p:cxnSp>
-          <p:nvCxnSpPr>
-            <p:cNvPr id="93" name="直線單箭頭接點 92"/>
-            <p:cNvCxnSpPr/>
-            <p:nvPr/>
-          </p:nvCxnSpPr>
-          <p:spPr>
-            <a:xfrm>
-              <a:off x="4408333" y="3642870"/>
-              <a:ext cx="0" cy="288000"/>
-            </a:xfrm>
-            <a:prstGeom prst="straightConnector1">
-              <a:avLst/>
-            </a:prstGeom>
-            <a:ln>
-              <a:solidFill>
-                <a:srgbClr val="C00000"/>
-              </a:solidFill>
-              <a:tailEnd type="arrow"/>
-            </a:ln>
-          </p:spPr>
-          <p:style>
-            <a:lnRef idx="1">
-              <a:schemeClr val="accent1"/>
-            </a:lnRef>
-            <a:fillRef idx="0">
-              <a:schemeClr val="accent1"/>
-            </a:fillRef>
-            <a:effectRef idx="0">
-              <a:schemeClr val="accent1"/>
-            </a:effectRef>
-            <a:fontRef idx="minor">
-              <a:schemeClr val="tx1"/>
-            </a:fontRef>
-          </p:style>
-        </p:cxnSp>
-        <p:cxnSp>
-          <p:nvCxnSpPr>
-            <p:cNvPr id="94" name="直線單箭頭接點 93"/>
-            <p:cNvCxnSpPr/>
-            <p:nvPr/>
-          </p:nvCxnSpPr>
-          <p:spPr>
-            <a:xfrm>
-              <a:off x="4413635" y="4655540"/>
-              <a:ext cx="0" cy="288000"/>
-            </a:xfrm>
-            <a:prstGeom prst="straightConnector1">
-              <a:avLst/>
-            </a:prstGeom>
-            <a:ln>
-              <a:solidFill>
-                <a:srgbClr val="C00000"/>
-              </a:solidFill>
-              <a:tailEnd type="arrow"/>
-            </a:ln>
-          </p:spPr>
-          <p:style>
-            <a:lnRef idx="1">
-              <a:schemeClr val="accent1"/>
-            </a:lnRef>
-            <a:fillRef idx="0">
-              <a:schemeClr val="accent1"/>
-            </a:fillRef>
-            <a:effectRef idx="0">
-              <a:schemeClr val="accent1"/>
-            </a:effectRef>
-            <a:fontRef idx="minor">
-              <a:schemeClr val="tx1"/>
-            </a:fontRef>
-          </p:style>
-        </p:cxnSp>
-        <p:cxnSp>
-          <p:nvCxnSpPr>
-            <p:cNvPr id="29" name="肘形接點 28"/>
-            <p:cNvCxnSpPr>
-              <a:stCxn id="92" idx="1"/>
-              <a:endCxn id="75" idx="1"/>
-            </p:cNvCxnSpPr>
-            <p:nvPr/>
-          </p:nvCxnSpPr>
-          <p:spPr>
-            <a:xfrm rot="10800000">
-              <a:off x="3837635" y="3382181"/>
-              <a:ext cx="210698" cy="914506"/>
-            </a:xfrm>
-            <a:prstGeom prst="bentConnector3">
-              <a:avLst>
-                <a:gd name="adj1" fmla="val 208497"/>
-              </a:avLst>
-            </a:prstGeom>
-            <a:ln>
-              <a:solidFill>
-                <a:srgbClr val="C00000"/>
-              </a:solidFill>
-              <a:tailEnd type="arrow"/>
-            </a:ln>
-          </p:spPr>
-          <p:style>
-            <a:lnRef idx="1">
-              <a:schemeClr val="accent1"/>
-            </a:lnRef>
-            <a:fillRef idx="0">
-              <a:schemeClr val="accent1"/>
-            </a:fillRef>
-            <a:effectRef idx="0">
-              <a:schemeClr val="accent1"/>
-            </a:effectRef>
-            <a:fontRef idx="minor">
-              <a:schemeClr val="tx1"/>
-            </a:fontRef>
-          </p:style>
-        </p:cxnSp>
-        <p:cxnSp>
-          <p:nvCxnSpPr>
-            <p:cNvPr id="95" name="直線單箭頭接點 94"/>
-            <p:cNvCxnSpPr/>
-            <p:nvPr/>
-          </p:nvCxnSpPr>
-          <p:spPr>
-            <a:xfrm>
-              <a:off x="7429441" y="2962722"/>
-              <a:ext cx="0" cy="216000"/>
-            </a:xfrm>
-            <a:prstGeom prst="straightConnector1">
-              <a:avLst/>
-            </a:prstGeom>
-            <a:ln>
-              <a:solidFill>
-                <a:srgbClr val="C00000"/>
-              </a:solidFill>
-              <a:tailEnd type="arrow"/>
-            </a:ln>
-          </p:spPr>
-          <p:style>
-            <a:lnRef idx="1">
-              <a:schemeClr val="accent1"/>
-            </a:lnRef>
-            <a:fillRef idx="0">
-              <a:schemeClr val="accent1"/>
-            </a:fillRef>
-            <a:effectRef idx="0">
-              <a:schemeClr val="accent1"/>
-            </a:effectRef>
-            <a:fontRef idx="minor">
-              <a:schemeClr val="tx1"/>
-            </a:fontRef>
-          </p:style>
-        </p:cxnSp>
-        <p:cxnSp>
-          <p:nvCxnSpPr>
-            <p:cNvPr id="96" name="直線單箭頭接點 95"/>
-            <p:cNvCxnSpPr/>
-            <p:nvPr/>
-          </p:nvCxnSpPr>
-          <p:spPr>
-            <a:xfrm flipH="1">
-              <a:off x="6747261" y="2621271"/>
-              <a:ext cx="330251" cy="0"/>
-            </a:xfrm>
-            <a:prstGeom prst="straightConnector1">
-              <a:avLst/>
-            </a:prstGeom>
-            <a:ln>
-              <a:solidFill>
-                <a:srgbClr val="C00000"/>
-              </a:solidFill>
-              <a:tailEnd type="arrow"/>
-            </a:ln>
-          </p:spPr>
-          <p:style>
-            <a:lnRef idx="1">
-              <a:schemeClr val="accent1"/>
-            </a:lnRef>
-            <a:fillRef idx="0">
-              <a:schemeClr val="accent1"/>
-            </a:fillRef>
-            <a:effectRef idx="0">
-              <a:schemeClr val="accent1"/>
-            </a:effectRef>
-            <a:fontRef idx="minor">
-              <a:schemeClr val="tx1"/>
-            </a:fontRef>
-          </p:style>
-        </p:cxnSp>
-        <p:cxnSp>
-          <p:nvCxnSpPr>
-            <p:cNvPr id="97" name="直線單箭頭接點 96"/>
-            <p:cNvCxnSpPr/>
-            <p:nvPr/>
-          </p:nvCxnSpPr>
-          <p:spPr>
-            <a:xfrm>
-              <a:off x="7429441" y="3720687"/>
-              <a:ext cx="0" cy="216000"/>
-            </a:xfrm>
-            <a:prstGeom prst="straightConnector1">
-              <a:avLst/>
-            </a:prstGeom>
-            <a:ln>
-              <a:solidFill>
-                <a:srgbClr val="C00000"/>
-              </a:solidFill>
-              <a:tailEnd type="arrow"/>
-            </a:ln>
-          </p:spPr>
-          <p:style>
-            <a:lnRef idx="1">
-              <a:schemeClr val="accent1"/>
-            </a:lnRef>
-            <a:fillRef idx="0">
-              <a:schemeClr val="accent1"/>
-            </a:fillRef>
-            <a:effectRef idx="0">
-              <a:schemeClr val="accent1"/>
-            </a:effectRef>
-            <a:fontRef idx="minor">
-              <a:schemeClr val="tx1"/>
-            </a:fontRef>
-          </p:style>
-        </p:cxnSp>
-        <p:cxnSp>
-          <p:nvCxnSpPr>
-            <p:cNvPr id="99" name="直線單箭頭接點 98"/>
-            <p:cNvCxnSpPr/>
-            <p:nvPr/>
-          </p:nvCxnSpPr>
-          <p:spPr>
-            <a:xfrm>
-              <a:off x="7777869" y="4290870"/>
-              <a:ext cx="297902" cy="0"/>
-            </a:xfrm>
-            <a:prstGeom prst="straightConnector1">
-              <a:avLst/>
-            </a:prstGeom>
-            <a:ln>
-              <a:solidFill>
-                <a:srgbClr val="C00000"/>
-              </a:solidFill>
-              <a:tailEnd type="arrow"/>
-            </a:ln>
-          </p:spPr>
-          <p:style>
-            <a:lnRef idx="1">
-              <a:schemeClr val="accent1"/>
-            </a:lnRef>
-            <a:fillRef idx="0">
-              <a:schemeClr val="accent1"/>
-            </a:fillRef>
-            <a:effectRef idx="0">
-              <a:schemeClr val="accent1"/>
-            </a:effectRef>
-            <a:fontRef idx="minor">
-              <a:schemeClr val="tx1"/>
-            </a:fontRef>
-          </p:style>
-        </p:cxnSp>
-        <p:cxnSp>
-          <p:nvCxnSpPr>
-            <p:cNvPr id="100" name="直線單箭頭接點 99"/>
-            <p:cNvCxnSpPr/>
-            <p:nvPr/>
-          </p:nvCxnSpPr>
-          <p:spPr>
-            <a:xfrm>
-              <a:off x="7429441" y="4639309"/>
-              <a:ext cx="8071" cy="609497"/>
-            </a:xfrm>
-            <a:prstGeom prst="straightConnector1">
-              <a:avLst/>
-            </a:prstGeom>
-            <a:ln>
-              <a:solidFill>
-                <a:srgbClr val="C00000"/>
-              </a:solidFill>
-              <a:tailEnd type="arrow"/>
-            </a:ln>
-          </p:spPr>
-          <p:style>
-            <a:lnRef idx="1">
-              <a:schemeClr val="accent1"/>
-            </a:lnRef>
-            <a:fillRef idx="0">
-              <a:schemeClr val="accent1"/>
-            </a:fillRef>
-            <a:effectRef idx="0">
-              <a:schemeClr val="accent1"/>
-            </a:effectRef>
-            <a:fontRef idx="minor">
-              <a:schemeClr val="tx1"/>
-            </a:fontRef>
-          </p:style>
-        </p:cxnSp>
-        <p:cxnSp>
-          <p:nvCxnSpPr>
-            <p:cNvPr id="102" name="直線單箭頭接點 101"/>
-            <p:cNvCxnSpPr/>
-            <p:nvPr/>
-          </p:nvCxnSpPr>
-          <p:spPr>
-            <a:xfrm>
-              <a:off x="8682423" y="4576919"/>
-              <a:ext cx="0" cy="288000"/>
-            </a:xfrm>
-            <a:prstGeom prst="straightConnector1">
-              <a:avLst/>
-            </a:prstGeom>
-            <a:ln>
-              <a:solidFill>
-                <a:srgbClr val="C00000"/>
-              </a:solidFill>
-              <a:tailEnd type="arrow"/>
-            </a:ln>
-          </p:spPr>
-          <p:style>
-            <a:lnRef idx="1">
-              <a:schemeClr val="accent1"/>
-            </a:lnRef>
-            <a:fillRef idx="0">
-              <a:schemeClr val="accent1"/>
-            </a:fillRef>
-            <a:effectRef idx="0">
-              <a:schemeClr val="accent1"/>
-            </a:effectRef>
-            <a:fontRef idx="minor">
-              <a:schemeClr val="tx1"/>
-            </a:fontRef>
-          </p:style>
-        </p:cxnSp>
-        <p:cxnSp>
-          <p:nvCxnSpPr>
-            <p:cNvPr id="53" name="肘形接點 52"/>
-            <p:cNvCxnSpPr>
-              <a:stCxn id="101" idx="3"/>
-              <a:endCxn id="76" idx="3"/>
-            </p:cNvCxnSpPr>
-            <p:nvPr/>
-          </p:nvCxnSpPr>
-          <p:spPr>
-            <a:xfrm flipV="1">
-              <a:off x="9046126" y="4290870"/>
-              <a:ext cx="205879" cy="957937"/>
-            </a:xfrm>
-            <a:prstGeom prst="bentConnector3">
-              <a:avLst>
-                <a:gd name="adj1" fmla="val 211036"/>
-              </a:avLst>
-            </a:prstGeom>
-            <a:ln>
-              <a:solidFill>
-                <a:srgbClr val="C00000"/>
-              </a:solidFill>
-              <a:tailEnd type="arrow"/>
-            </a:ln>
-          </p:spPr>
-          <p:style>
-            <a:lnRef idx="1">
-              <a:schemeClr val="accent1"/>
-            </a:lnRef>
-            <a:fillRef idx="0">
-              <a:schemeClr val="accent1"/>
-            </a:fillRef>
-            <a:effectRef idx="0">
-              <a:schemeClr val="accent1"/>
-            </a:effectRef>
-            <a:fontRef idx="minor">
-              <a:schemeClr val="tx1"/>
-            </a:fontRef>
-          </p:style>
-        </p:cxnSp>
-        <p:cxnSp>
-          <p:nvCxnSpPr>
-            <p:cNvPr id="104" name="直線單箭頭接點 103"/>
-            <p:cNvCxnSpPr/>
-            <p:nvPr/>
-          </p:nvCxnSpPr>
-          <p:spPr>
-            <a:xfrm>
-              <a:off x="6165459" y="2907891"/>
-              <a:ext cx="0" cy="288000"/>
-            </a:xfrm>
-            <a:prstGeom prst="straightConnector1">
-              <a:avLst/>
-            </a:prstGeom>
-            <a:ln>
-              <a:solidFill>
-                <a:srgbClr val="C00000"/>
-              </a:solidFill>
-              <a:tailEnd type="arrow"/>
-            </a:ln>
-          </p:spPr>
-          <p:style>
-            <a:lnRef idx="1">
-              <a:schemeClr val="accent1"/>
-            </a:lnRef>
-            <a:fillRef idx="0">
-              <a:schemeClr val="accent1"/>
-            </a:fillRef>
-            <a:effectRef idx="0">
-              <a:schemeClr val="accent1"/>
-            </a:effectRef>
-            <a:fontRef idx="minor">
-              <a:schemeClr val="tx1"/>
-            </a:fontRef>
-          </p:style>
-        </p:cxnSp>
-        <p:cxnSp>
-          <p:nvCxnSpPr>
-            <p:cNvPr id="106" name="直線單箭頭接點 105"/>
-            <p:cNvCxnSpPr/>
-            <p:nvPr/>
-          </p:nvCxnSpPr>
-          <p:spPr>
-            <a:xfrm>
-              <a:off x="6163190" y="3912852"/>
-              <a:ext cx="0" cy="288000"/>
-            </a:xfrm>
-            <a:prstGeom prst="straightConnector1">
-              <a:avLst/>
-            </a:prstGeom>
-            <a:ln>
-              <a:solidFill>
-                <a:srgbClr val="C00000"/>
-              </a:solidFill>
-              <a:tailEnd type="arrow"/>
-            </a:ln>
-          </p:spPr>
-          <p:style>
-            <a:lnRef idx="1">
-              <a:schemeClr val="accent1"/>
-            </a:lnRef>
-            <a:fillRef idx="0">
-              <a:schemeClr val="accent1"/>
-            </a:fillRef>
-            <a:effectRef idx="0">
-              <a:schemeClr val="accent1"/>
-            </a:effectRef>
-            <a:fontRef idx="minor">
-              <a:schemeClr val="tx1"/>
-            </a:fontRef>
-          </p:style>
-        </p:cxnSp>
-        <p:cxnSp>
-          <p:nvCxnSpPr>
-            <p:cNvPr id="107" name="直線單箭頭接點 106"/>
-            <p:cNvCxnSpPr/>
-            <p:nvPr/>
-          </p:nvCxnSpPr>
-          <p:spPr>
-            <a:xfrm>
-              <a:off x="6172481" y="4788048"/>
-              <a:ext cx="0" cy="288000"/>
-            </a:xfrm>
-            <a:prstGeom prst="straightConnector1">
-              <a:avLst/>
-            </a:prstGeom>
-            <a:ln>
-              <a:solidFill>
-                <a:srgbClr val="C00000"/>
-              </a:solidFill>
-              <a:tailEnd type="arrow"/>
-            </a:ln>
-          </p:spPr>
-          <p:style>
-            <a:lnRef idx="1">
-              <a:schemeClr val="accent1"/>
-            </a:lnRef>
-            <a:fillRef idx="0">
-              <a:schemeClr val="accent1"/>
-            </a:fillRef>
-            <a:effectRef idx="0">
-              <a:schemeClr val="accent1"/>
-            </a:effectRef>
-            <a:fontRef idx="minor">
-              <a:schemeClr val="tx1"/>
-            </a:fontRef>
-          </p:style>
-        </p:cxnSp>
-        <p:cxnSp>
-          <p:nvCxnSpPr>
-            <p:cNvPr id="111" name="肘形接點 110"/>
-            <p:cNvCxnSpPr>
-              <a:stCxn id="105" idx="1"/>
-              <a:endCxn id="69" idx="1"/>
-            </p:cNvCxnSpPr>
-            <p:nvPr/>
-          </p:nvCxnSpPr>
-          <p:spPr>
-            <a:xfrm rot="10800000">
-              <a:off x="5595262" y="2637891"/>
-              <a:ext cx="207929" cy="918000"/>
-            </a:xfrm>
-            <a:prstGeom prst="bentConnector3">
-              <a:avLst>
-                <a:gd name="adj1" fmla="val 209941"/>
-              </a:avLst>
-            </a:prstGeom>
-            <a:ln>
-              <a:solidFill>
-                <a:srgbClr val="C00000"/>
-              </a:solidFill>
-              <a:tailEnd type="arrow"/>
-            </a:ln>
-          </p:spPr>
-          <p:style>
-            <a:lnRef idx="1">
-              <a:schemeClr val="accent1"/>
-            </a:lnRef>
-            <a:fillRef idx="0">
-              <a:schemeClr val="accent1"/>
-            </a:fillRef>
-            <a:effectRef idx="0">
-              <a:schemeClr val="accent1"/>
-            </a:effectRef>
-            <a:fontRef idx="minor">
-              <a:schemeClr val="tx1"/>
-            </a:fontRef>
-          </p:style>
-        </p:cxnSp>
-        <p:cxnSp>
-          <p:nvCxnSpPr>
-            <p:cNvPr id="116" name="直線單箭頭接點 115"/>
-            <p:cNvCxnSpPr>
-              <a:stCxn id="101" idx="1"/>
-              <a:endCxn id="86" idx="6"/>
-            </p:cNvCxnSpPr>
-            <p:nvPr/>
-          </p:nvCxnSpPr>
-          <p:spPr>
-            <a:xfrm flipH="1">
-              <a:off x="6335714" y="5248807"/>
-              <a:ext cx="1990412" cy="541"/>
-            </a:xfrm>
-            <a:prstGeom prst="straightConnector1">
-              <a:avLst/>
-            </a:prstGeom>
-            <a:ln>
-              <a:solidFill>
-                <a:srgbClr val="C00000"/>
-              </a:solidFill>
-              <a:tailEnd type="arrow"/>
-            </a:ln>
-          </p:spPr>
-          <p:style>
-            <a:lnRef idx="1">
-              <a:schemeClr val="accent1"/>
-            </a:lnRef>
-            <a:fillRef idx="0">
-              <a:schemeClr val="accent1"/>
-            </a:fillRef>
-            <a:effectRef idx="0">
-              <a:schemeClr val="accent1"/>
-            </a:effectRef>
-            <a:fontRef idx="minor">
-              <a:schemeClr val="tx1"/>
-            </a:fontRef>
-          </p:style>
-        </p:cxnSp>
-        <p:cxnSp>
-          <p:nvCxnSpPr>
-            <p:cNvPr id="118" name="直線單箭頭接點 117"/>
-            <p:cNvCxnSpPr>
-              <a:stCxn id="77" idx="3"/>
-              <a:endCxn id="86" idx="2"/>
-            </p:cNvCxnSpPr>
-            <p:nvPr/>
-          </p:nvCxnSpPr>
-          <p:spPr>
-            <a:xfrm flipV="1">
-              <a:off x="4989636" y="5228700"/>
-              <a:ext cx="1040776" cy="660"/>
-            </a:xfrm>
-            <a:prstGeom prst="straightConnector1">
-              <a:avLst/>
-            </a:prstGeom>
-            <a:ln>
-              <a:solidFill>
-                <a:srgbClr val="C00000"/>
-              </a:solidFill>
-              <a:tailEnd type="arrow"/>
-            </a:ln>
-          </p:spPr>
-          <p:style>
-            <a:lnRef idx="1">
-              <a:schemeClr val="accent1"/>
-            </a:lnRef>
-            <a:fillRef idx="0">
-              <a:schemeClr val="accent1"/>
-            </a:fillRef>
-            <a:effectRef idx="0">
-              <a:schemeClr val="accent1"/>
-            </a:effectRef>
-            <a:fontRef idx="minor">
-              <a:schemeClr val="tx1"/>
-            </a:fontRef>
-          </p:style>
-        </p:cxnSp>
-        <p:sp>
-          <p:nvSpPr>
-            <p:cNvPr id="9" name="文字方塊 8"/>
-            <p:cNvSpPr txBox="1"/>
-            <p:nvPr/>
-          </p:nvSpPr>
-          <p:spPr>
-            <a:xfrm>
-              <a:off x="5666993" y="1165463"/>
-              <a:ext cx="1107996" cy="276999"/>
-            </a:xfrm>
-            <a:prstGeom prst="rect">
-              <a:avLst/>
-            </a:prstGeom>
+          </a:ln>
+        </p:spPr>
+        <p:txBody>
+          <a:bodyPr wrap="none" rtlCol="0">
+            <a:spAutoFit/>
+          </a:bodyPr>
+          <a:lstStyle/>
+          <a:p>
+            <a:r>
+              <a:rPr lang="en-US" altLang="zh-TW" sz="1000" b="1" dirty="0" smtClean="0">
+                <a:latin typeface="標楷體" panose="03000509000000000000" pitchFamily="65" charset="-120"/>
+                <a:ea typeface="標楷體" panose="03000509000000000000" pitchFamily="65" charset="-120"/>
+              </a:rPr>
+              <a:t>[</a:t>
+            </a:r>
+            <a:r>
+              <a:rPr lang="zh-TW" altLang="en-US" sz="1000" b="1" dirty="0" smtClean="0">
+                <a:latin typeface="標楷體" panose="03000509000000000000" pitchFamily="65" charset="-120"/>
+                <a:ea typeface="標楷體" panose="03000509000000000000" pitchFamily="65" charset="-120"/>
+              </a:rPr>
+              <a:t>確認資料</a:t>
+            </a:r>
+            <a:endParaRPr lang="en-US" altLang="zh-TW" sz="1000" b="1" dirty="0" smtClean="0">
+              <a:latin typeface="標楷體" panose="03000509000000000000" pitchFamily="65" charset="-120"/>
+              <a:ea typeface="標楷體" panose="03000509000000000000" pitchFamily="65" charset="-120"/>
+            </a:endParaRPr>
+          </a:p>
+          <a:p>
+            <a:r>
+              <a:rPr lang="zh-TW" altLang="en-US" sz="1000" b="1" dirty="0" smtClean="0">
+                <a:latin typeface="標楷體" panose="03000509000000000000" pitchFamily="65" charset="-120"/>
+                <a:ea typeface="標楷體" panose="03000509000000000000" pitchFamily="65" charset="-120"/>
+              </a:rPr>
+              <a:t>是否無誤？</a:t>
+            </a:r>
+            <a:r>
+              <a:rPr lang="en-US" altLang="zh-TW" sz="1000" b="1" dirty="0" smtClean="0">
+                <a:latin typeface="標楷體" panose="03000509000000000000" pitchFamily="65" charset="-120"/>
+                <a:ea typeface="標楷體" panose="03000509000000000000" pitchFamily="65" charset="-120"/>
+              </a:rPr>
+              <a:t>]</a:t>
+            </a:r>
+            <a:endParaRPr lang="zh-TW" altLang="en-US" sz="1000" b="1" dirty="0">
+              <a:latin typeface="標楷體" panose="03000509000000000000" pitchFamily="65" charset="-120"/>
+              <a:ea typeface="標楷體" panose="03000509000000000000" pitchFamily="65" charset="-120"/>
+            </a:endParaRPr>
+          </a:p>
+        </p:txBody>
+      </p:sp>
+      <p:sp>
+        <p:nvSpPr>
+          <p:cNvPr id="72" name="文字方塊 71"/>
+          <p:cNvSpPr txBox="1"/>
+          <p:nvPr/>
+        </p:nvSpPr>
+        <p:spPr>
+          <a:xfrm>
+            <a:off x="7804951" y="4842757"/>
+            <a:ext cx="889987" cy="400110"/>
+          </a:xfrm>
+          <a:prstGeom prst="rect">
+            <a:avLst/>
+          </a:prstGeom>
+          <a:noFill/>
+          <a:ln>
             <a:noFill/>
-          </p:spPr>
-          <p:txBody>
-            <a:bodyPr wrap="none" rtlCol="0">
-              <a:spAutoFit/>
-            </a:bodyPr>
-            <a:lstStyle/>
-            <a:p>
-              <a:r>
-                <a:rPr lang="en-US" altLang="zh-TW" sz="1200" b="1" dirty="0" smtClean="0">
-                  <a:latin typeface="標楷體" panose="03000509000000000000" pitchFamily="65" charset="-120"/>
-                  <a:ea typeface="標楷體" panose="03000509000000000000" pitchFamily="65" charset="-120"/>
-                </a:rPr>
-                <a:t>[</a:t>
-              </a:r>
-              <a:r>
-                <a:rPr lang="zh-TW" altLang="en-US" sz="1200" b="1" dirty="0" smtClean="0">
-                  <a:latin typeface="標楷體" panose="03000509000000000000" pitchFamily="65" charset="-120"/>
-                  <a:ea typeface="標楷體" panose="03000509000000000000" pitchFamily="65" charset="-120"/>
-                </a:rPr>
-                <a:t>行為者類型</a:t>
-              </a:r>
-              <a:r>
-                <a:rPr lang="en-US" altLang="zh-TW" sz="1200" b="1" dirty="0" smtClean="0">
-                  <a:latin typeface="標楷體" panose="03000509000000000000" pitchFamily="65" charset="-120"/>
-                  <a:ea typeface="標楷體" panose="03000509000000000000" pitchFamily="65" charset="-120"/>
-                </a:rPr>
-                <a:t>]</a:t>
-              </a:r>
-              <a:endParaRPr lang="zh-TW" altLang="en-US" sz="1200" b="1" dirty="0">
-                <a:latin typeface="標楷體" panose="03000509000000000000" pitchFamily="65" charset="-120"/>
-                <a:ea typeface="標楷體" panose="03000509000000000000" pitchFamily="65" charset="-120"/>
-              </a:endParaRPr>
-            </a:p>
-          </p:txBody>
-        </p:sp>
-        <p:sp>
-          <p:nvSpPr>
-            <p:cNvPr id="15" name="文字方塊 14"/>
-            <p:cNvSpPr txBox="1"/>
-            <p:nvPr/>
-          </p:nvSpPr>
-          <p:spPr>
-            <a:xfrm>
-              <a:off x="4568467" y="1551797"/>
-              <a:ext cx="800219" cy="276999"/>
-            </a:xfrm>
-            <a:prstGeom prst="rect">
-              <a:avLst/>
-            </a:prstGeom>
+          </a:ln>
+        </p:spPr>
+        <p:txBody>
+          <a:bodyPr wrap="none" rtlCol="0">
+            <a:spAutoFit/>
+          </a:bodyPr>
+          <a:lstStyle/>
+          <a:p>
+            <a:r>
+              <a:rPr lang="en-US" altLang="zh-TW" sz="1000" b="1" dirty="0" smtClean="0">
+                <a:latin typeface="標楷體" panose="03000509000000000000" pitchFamily="65" charset="-120"/>
+                <a:ea typeface="標楷體" panose="03000509000000000000" pitchFamily="65" charset="-120"/>
+              </a:rPr>
+              <a:t>[</a:t>
+            </a:r>
+            <a:r>
+              <a:rPr lang="zh-TW" altLang="en-US" sz="1000" b="1" dirty="0" smtClean="0">
+                <a:latin typeface="標楷體" panose="03000509000000000000" pitchFamily="65" charset="-120"/>
+                <a:ea typeface="標楷體" panose="03000509000000000000" pitchFamily="65" charset="-120"/>
+              </a:rPr>
+              <a:t>確認資料</a:t>
+            </a:r>
+            <a:endParaRPr lang="en-US" altLang="zh-TW" sz="1000" b="1" dirty="0" smtClean="0">
+              <a:latin typeface="標楷體" panose="03000509000000000000" pitchFamily="65" charset="-120"/>
+              <a:ea typeface="標楷體" panose="03000509000000000000" pitchFamily="65" charset="-120"/>
+            </a:endParaRPr>
+          </a:p>
+          <a:p>
+            <a:r>
+              <a:rPr lang="zh-TW" altLang="en-US" sz="1000" b="1" dirty="0" smtClean="0">
+                <a:latin typeface="標楷體" panose="03000509000000000000" pitchFamily="65" charset="-120"/>
+                <a:ea typeface="標楷體" panose="03000509000000000000" pitchFamily="65" charset="-120"/>
+              </a:rPr>
+              <a:t>是否無誤？</a:t>
+            </a:r>
+            <a:r>
+              <a:rPr lang="en-US" altLang="zh-TW" sz="1000" b="1" dirty="0" smtClean="0">
+                <a:latin typeface="標楷體" panose="03000509000000000000" pitchFamily="65" charset="-120"/>
+                <a:ea typeface="標楷體" panose="03000509000000000000" pitchFamily="65" charset="-120"/>
+              </a:rPr>
+              <a:t>]</a:t>
+            </a:r>
+            <a:endParaRPr lang="zh-TW" altLang="en-US" sz="1000" b="1" dirty="0">
+              <a:latin typeface="標楷體" panose="03000509000000000000" pitchFamily="65" charset="-120"/>
+              <a:ea typeface="標楷體" panose="03000509000000000000" pitchFamily="65" charset="-120"/>
+            </a:endParaRPr>
+          </a:p>
+        </p:txBody>
+      </p:sp>
+      <p:sp>
+        <p:nvSpPr>
+          <p:cNvPr id="43" name="文字方塊 42"/>
+          <p:cNvSpPr txBox="1"/>
+          <p:nvPr/>
+        </p:nvSpPr>
+        <p:spPr>
+          <a:xfrm>
+            <a:off x="6101403" y="3166613"/>
+            <a:ext cx="889987" cy="400110"/>
+          </a:xfrm>
+          <a:prstGeom prst="rect">
+            <a:avLst/>
+          </a:prstGeom>
+          <a:noFill/>
+          <a:ln>
             <a:noFill/>
-          </p:spPr>
-          <p:txBody>
-            <a:bodyPr wrap="none" rtlCol="0">
-              <a:spAutoFit/>
-            </a:bodyPr>
-            <a:lstStyle/>
-            <a:p>
-              <a:r>
-                <a:rPr lang="en-US" altLang="zh-TW" sz="1200" b="1" dirty="0" smtClean="0">
-                  <a:latin typeface="標楷體" panose="03000509000000000000" pitchFamily="65" charset="-120"/>
-                  <a:ea typeface="標楷體" panose="03000509000000000000" pitchFamily="65" charset="-120"/>
-                </a:rPr>
-                <a:t>[</a:t>
-              </a:r>
-              <a:r>
-                <a:rPr lang="zh-TW" altLang="en-US" sz="1200" b="1" dirty="0" smtClean="0">
-                  <a:latin typeface="標楷體" panose="03000509000000000000" pitchFamily="65" charset="-120"/>
-                  <a:ea typeface="標楷體" panose="03000509000000000000" pitchFamily="65" charset="-120"/>
-                </a:rPr>
-                <a:t>使用者</a:t>
-              </a:r>
-              <a:r>
-                <a:rPr lang="en-US" altLang="zh-TW" sz="1200" b="1" dirty="0" smtClean="0">
-                  <a:latin typeface="標楷體" panose="03000509000000000000" pitchFamily="65" charset="-120"/>
-                  <a:ea typeface="標楷體" panose="03000509000000000000" pitchFamily="65" charset="-120"/>
-                </a:rPr>
-                <a:t>]</a:t>
-              </a:r>
-              <a:endParaRPr lang="zh-TW" altLang="en-US" sz="1200" b="1" dirty="0">
-                <a:latin typeface="標楷體" panose="03000509000000000000" pitchFamily="65" charset="-120"/>
-                <a:ea typeface="標楷體" panose="03000509000000000000" pitchFamily="65" charset="-120"/>
-              </a:endParaRPr>
-            </a:p>
-          </p:txBody>
-        </p:sp>
-        <p:sp>
-          <p:nvSpPr>
-            <p:cNvPr id="19" name="文字方塊 18"/>
-            <p:cNvSpPr txBox="1"/>
-            <p:nvPr/>
-          </p:nvSpPr>
-          <p:spPr>
-            <a:xfrm>
-              <a:off x="6330838" y="1551798"/>
-              <a:ext cx="800219" cy="276999"/>
-            </a:xfrm>
-            <a:prstGeom prst="rect">
-              <a:avLst/>
-            </a:prstGeom>
-            <a:noFill/>
-          </p:spPr>
-          <p:txBody>
-            <a:bodyPr wrap="none" rtlCol="0">
-              <a:spAutoFit/>
-            </a:bodyPr>
-            <a:lstStyle/>
-            <a:p>
-              <a:r>
-                <a:rPr lang="en-US" altLang="zh-TW" sz="1200" b="1" dirty="0" smtClean="0">
-                  <a:latin typeface="標楷體" panose="03000509000000000000" pitchFamily="65" charset="-120"/>
-                  <a:ea typeface="標楷體" panose="03000509000000000000" pitchFamily="65" charset="-120"/>
-                </a:rPr>
-                <a:t>[</a:t>
-              </a:r>
-              <a:r>
-                <a:rPr lang="zh-TW" altLang="en-US" sz="1200" b="1" dirty="0" smtClean="0">
-                  <a:latin typeface="標楷體" panose="03000509000000000000" pitchFamily="65" charset="-120"/>
-                  <a:ea typeface="標楷體" panose="03000509000000000000" pitchFamily="65" charset="-120"/>
-                </a:rPr>
-                <a:t>管理者</a:t>
-              </a:r>
-              <a:r>
-                <a:rPr lang="en-US" altLang="zh-TW" sz="1200" b="1" dirty="0" smtClean="0">
-                  <a:latin typeface="標楷體" panose="03000509000000000000" pitchFamily="65" charset="-120"/>
-                  <a:ea typeface="標楷體" panose="03000509000000000000" pitchFamily="65" charset="-120"/>
-                </a:rPr>
-                <a:t>]</a:t>
-              </a:r>
-              <a:endParaRPr lang="zh-TW" altLang="en-US" sz="1200" b="1" dirty="0">
-                <a:latin typeface="標楷體" panose="03000509000000000000" pitchFamily="65" charset="-120"/>
-                <a:ea typeface="標楷體" panose="03000509000000000000" pitchFamily="65" charset="-120"/>
-              </a:endParaRPr>
-            </a:p>
-          </p:txBody>
-        </p:sp>
-        <p:sp>
-          <p:nvSpPr>
-            <p:cNvPr id="20" name="文字方塊 19"/>
-            <p:cNvSpPr txBox="1"/>
-            <p:nvPr/>
-          </p:nvSpPr>
-          <p:spPr>
-            <a:xfrm>
-              <a:off x="7364686" y="1911800"/>
-              <a:ext cx="646331" cy="276999"/>
-            </a:xfrm>
-            <a:prstGeom prst="rect">
-              <a:avLst/>
-            </a:prstGeom>
-            <a:noFill/>
-          </p:spPr>
-          <p:txBody>
-            <a:bodyPr wrap="none" rtlCol="0">
-              <a:spAutoFit/>
-            </a:bodyPr>
-            <a:lstStyle/>
-            <a:p>
-              <a:r>
-                <a:rPr lang="en-US" altLang="zh-TW" sz="1200" b="1" dirty="0" smtClean="0">
-                  <a:latin typeface="標楷體" panose="03000509000000000000" pitchFamily="65" charset="-120"/>
-                  <a:ea typeface="標楷體" panose="03000509000000000000" pitchFamily="65" charset="-120"/>
-                </a:rPr>
-                <a:t>[</a:t>
-              </a:r>
-              <a:r>
-                <a:rPr lang="zh-TW" altLang="en-US" sz="1200" b="1" dirty="0" smtClean="0">
-                  <a:latin typeface="標楷體" panose="03000509000000000000" pitchFamily="65" charset="-120"/>
-                  <a:ea typeface="標楷體" panose="03000509000000000000" pitchFamily="65" charset="-120"/>
-                </a:rPr>
-                <a:t>動作</a:t>
-              </a:r>
-              <a:r>
-                <a:rPr lang="en-US" altLang="zh-TW" sz="1200" b="1" dirty="0" smtClean="0">
-                  <a:latin typeface="標楷體" panose="03000509000000000000" pitchFamily="65" charset="-120"/>
-                  <a:ea typeface="標楷體" panose="03000509000000000000" pitchFamily="65" charset="-120"/>
-                </a:rPr>
-                <a:t>]</a:t>
-              </a:r>
-              <a:endParaRPr lang="zh-TW" altLang="en-US" sz="1200" b="1" dirty="0">
-                <a:latin typeface="標楷體" panose="03000509000000000000" pitchFamily="65" charset="-120"/>
-                <a:ea typeface="標楷體" panose="03000509000000000000" pitchFamily="65" charset="-120"/>
-              </a:endParaRPr>
-            </a:p>
-          </p:txBody>
-        </p:sp>
-        <p:sp>
-          <p:nvSpPr>
-            <p:cNvPr id="33" name="文字方塊 32"/>
-            <p:cNvSpPr txBox="1"/>
-            <p:nvPr/>
-          </p:nvSpPr>
-          <p:spPr>
-            <a:xfrm>
-              <a:off x="5293600" y="2977887"/>
-              <a:ext cx="441146" cy="246221"/>
-            </a:xfrm>
-            <a:prstGeom prst="rect">
-              <a:avLst/>
-            </a:prstGeom>
-            <a:noFill/>
-          </p:spPr>
-          <p:txBody>
-            <a:bodyPr wrap="none" rtlCol="0">
-              <a:spAutoFit/>
-            </a:bodyPr>
-            <a:lstStyle/>
-            <a:p>
-              <a:r>
-                <a:rPr lang="en-US" altLang="zh-TW" sz="1000" b="1" dirty="0" smtClean="0">
-                  <a:latin typeface="標楷體" panose="03000509000000000000" pitchFamily="65" charset="-120"/>
-                  <a:ea typeface="標楷體" panose="03000509000000000000" pitchFamily="65" charset="-120"/>
-                </a:rPr>
-                <a:t>[No]</a:t>
-              </a:r>
-              <a:endParaRPr lang="zh-TW" altLang="en-US" sz="1000" b="1" dirty="0">
-                <a:latin typeface="標楷體" panose="03000509000000000000" pitchFamily="65" charset="-120"/>
-                <a:ea typeface="標楷體" panose="03000509000000000000" pitchFamily="65" charset="-120"/>
-              </a:endParaRPr>
-            </a:p>
-          </p:txBody>
-        </p:sp>
-        <p:sp>
-          <p:nvSpPr>
-            <p:cNvPr id="51" name="文字方塊 50"/>
-            <p:cNvSpPr txBox="1"/>
-            <p:nvPr/>
-          </p:nvSpPr>
-          <p:spPr>
-            <a:xfrm>
-              <a:off x="4385894" y="4636589"/>
-              <a:ext cx="505267" cy="246221"/>
-            </a:xfrm>
-            <a:prstGeom prst="rect">
-              <a:avLst/>
-            </a:prstGeom>
-            <a:noFill/>
-          </p:spPr>
-          <p:txBody>
-            <a:bodyPr wrap="none" rtlCol="0">
-              <a:spAutoFit/>
-            </a:bodyPr>
-            <a:lstStyle/>
-            <a:p>
-              <a:r>
-                <a:rPr lang="en-US" altLang="zh-TW" sz="1000" b="1" dirty="0" smtClean="0">
-                  <a:latin typeface="標楷體" panose="03000509000000000000" pitchFamily="65" charset="-120"/>
-                  <a:ea typeface="標楷體" panose="03000509000000000000" pitchFamily="65" charset="-120"/>
-                </a:rPr>
-                <a:t>[Yes]</a:t>
-              </a:r>
-              <a:endParaRPr lang="zh-TW" altLang="en-US" sz="1000" b="1" dirty="0">
-                <a:latin typeface="標楷體" panose="03000509000000000000" pitchFamily="65" charset="-120"/>
-                <a:ea typeface="標楷體" panose="03000509000000000000" pitchFamily="65" charset="-120"/>
-              </a:endParaRPr>
-            </a:p>
-          </p:txBody>
-        </p:sp>
-        <p:sp>
-          <p:nvSpPr>
-            <p:cNvPr id="57" name="文字方塊 56"/>
-            <p:cNvSpPr txBox="1"/>
-            <p:nvPr/>
-          </p:nvSpPr>
-          <p:spPr>
-            <a:xfrm>
-              <a:off x="3588440" y="3807759"/>
-              <a:ext cx="441146" cy="246221"/>
-            </a:xfrm>
-            <a:prstGeom prst="rect">
-              <a:avLst/>
-            </a:prstGeom>
-            <a:noFill/>
-          </p:spPr>
-          <p:txBody>
-            <a:bodyPr wrap="none" rtlCol="0">
-              <a:spAutoFit/>
-            </a:bodyPr>
-            <a:lstStyle/>
-            <a:p>
-              <a:r>
-                <a:rPr lang="en-US" altLang="zh-TW" sz="1000" b="1" dirty="0" smtClean="0">
-                  <a:latin typeface="標楷體" panose="03000509000000000000" pitchFamily="65" charset="-120"/>
-                  <a:ea typeface="標楷體" panose="03000509000000000000" pitchFamily="65" charset="-120"/>
-                </a:rPr>
-                <a:t>[No]</a:t>
-              </a:r>
-              <a:endParaRPr lang="zh-TW" altLang="en-US" sz="1000" b="1" dirty="0">
-                <a:latin typeface="標楷體" panose="03000509000000000000" pitchFamily="65" charset="-120"/>
-                <a:ea typeface="標楷體" panose="03000509000000000000" pitchFamily="65" charset="-120"/>
-              </a:endParaRPr>
-            </a:p>
-          </p:txBody>
-        </p:sp>
-        <p:sp>
-          <p:nvSpPr>
-            <p:cNvPr id="60" name="文字方塊 59"/>
-            <p:cNvSpPr txBox="1"/>
-            <p:nvPr/>
-          </p:nvSpPr>
-          <p:spPr>
-            <a:xfrm>
-              <a:off x="7359109" y="3732090"/>
-              <a:ext cx="646331" cy="276999"/>
-            </a:xfrm>
-            <a:prstGeom prst="rect">
-              <a:avLst/>
-            </a:prstGeom>
-            <a:noFill/>
-          </p:spPr>
-          <p:txBody>
-            <a:bodyPr wrap="none" rtlCol="0">
-              <a:spAutoFit/>
-            </a:bodyPr>
-            <a:lstStyle/>
-            <a:p>
-              <a:r>
-                <a:rPr lang="en-US" altLang="zh-TW" sz="1200" b="1" dirty="0" smtClean="0">
-                  <a:latin typeface="標楷體" panose="03000509000000000000" pitchFamily="65" charset="-120"/>
-                  <a:ea typeface="標楷體" panose="03000509000000000000" pitchFamily="65" charset="-120"/>
-                </a:rPr>
-                <a:t>[</a:t>
-              </a:r>
-              <a:r>
-                <a:rPr lang="zh-TW" altLang="en-US" sz="1200" b="1" dirty="0" smtClean="0">
-                  <a:latin typeface="標楷體" panose="03000509000000000000" pitchFamily="65" charset="-120"/>
-                  <a:ea typeface="標楷體" panose="03000509000000000000" pitchFamily="65" charset="-120"/>
-                </a:rPr>
-                <a:t>修改</a:t>
-              </a:r>
-              <a:r>
-                <a:rPr lang="en-US" altLang="zh-TW" sz="1200" b="1" dirty="0" smtClean="0">
-                  <a:latin typeface="標楷體" panose="03000509000000000000" pitchFamily="65" charset="-120"/>
-                  <a:ea typeface="標楷體" panose="03000509000000000000" pitchFamily="65" charset="-120"/>
-                </a:rPr>
-                <a:t>]</a:t>
-              </a:r>
-              <a:endParaRPr lang="zh-TW" altLang="en-US" sz="1200" b="1" dirty="0">
-                <a:latin typeface="標楷體" panose="03000509000000000000" pitchFamily="65" charset="-120"/>
-                <a:ea typeface="標楷體" panose="03000509000000000000" pitchFamily="65" charset="-120"/>
-              </a:endParaRPr>
-            </a:p>
-          </p:txBody>
-        </p:sp>
-        <p:sp>
-          <p:nvSpPr>
-            <p:cNvPr id="64" name="文字方塊 63"/>
-            <p:cNvSpPr txBox="1"/>
-            <p:nvPr/>
-          </p:nvSpPr>
-          <p:spPr>
-            <a:xfrm>
-              <a:off x="6969906" y="4676430"/>
-              <a:ext cx="441146" cy="246221"/>
-            </a:xfrm>
-            <a:prstGeom prst="rect">
-              <a:avLst/>
-            </a:prstGeom>
-            <a:noFill/>
-          </p:spPr>
-          <p:txBody>
-            <a:bodyPr wrap="none" rtlCol="0">
-              <a:spAutoFit/>
-            </a:bodyPr>
-            <a:lstStyle/>
-            <a:p>
-              <a:r>
-                <a:rPr lang="en-US" altLang="zh-TW" sz="1000" b="1" dirty="0" smtClean="0">
-                  <a:latin typeface="標楷體" panose="03000509000000000000" pitchFamily="65" charset="-120"/>
-                  <a:ea typeface="標楷體" panose="03000509000000000000" pitchFamily="65" charset="-120"/>
-                </a:rPr>
-                <a:t>[No]</a:t>
-              </a:r>
-              <a:endParaRPr lang="zh-TW" altLang="en-US" sz="1000" b="1" dirty="0">
-                <a:latin typeface="標楷體" panose="03000509000000000000" pitchFamily="65" charset="-120"/>
-                <a:ea typeface="標楷體" panose="03000509000000000000" pitchFamily="65" charset="-120"/>
-              </a:endParaRPr>
-            </a:p>
-          </p:txBody>
-        </p:sp>
-        <p:sp>
-          <p:nvSpPr>
-            <p:cNvPr id="78" name="文字方塊 77"/>
-            <p:cNvSpPr txBox="1"/>
-            <p:nvPr/>
-          </p:nvSpPr>
-          <p:spPr>
-            <a:xfrm>
-              <a:off x="8990256" y="5248807"/>
-              <a:ext cx="441146" cy="246221"/>
-            </a:xfrm>
-            <a:prstGeom prst="rect">
-              <a:avLst/>
-            </a:prstGeom>
-            <a:noFill/>
-          </p:spPr>
-          <p:txBody>
-            <a:bodyPr wrap="none" rtlCol="0">
-              <a:spAutoFit/>
-            </a:bodyPr>
-            <a:lstStyle/>
-            <a:p>
-              <a:r>
-                <a:rPr lang="en-US" altLang="zh-TW" sz="1000" b="1" dirty="0" smtClean="0">
-                  <a:latin typeface="標楷體" panose="03000509000000000000" pitchFamily="65" charset="-120"/>
-                  <a:ea typeface="標楷體" panose="03000509000000000000" pitchFamily="65" charset="-120"/>
-                </a:rPr>
-                <a:t>[No]</a:t>
-              </a:r>
-              <a:endParaRPr lang="zh-TW" altLang="en-US" sz="1000" b="1" dirty="0">
-                <a:latin typeface="標楷體" panose="03000509000000000000" pitchFamily="65" charset="-120"/>
-                <a:ea typeface="標楷體" panose="03000509000000000000" pitchFamily="65" charset="-120"/>
-              </a:endParaRPr>
-            </a:p>
-          </p:txBody>
-        </p:sp>
-        <p:sp>
-          <p:nvSpPr>
-            <p:cNvPr id="83" name="文字方塊 82"/>
-            <p:cNvSpPr txBox="1"/>
-            <p:nvPr/>
-          </p:nvSpPr>
-          <p:spPr>
-            <a:xfrm>
-              <a:off x="7552116" y="5239024"/>
-              <a:ext cx="505267" cy="246221"/>
-            </a:xfrm>
-            <a:prstGeom prst="rect">
-              <a:avLst/>
-            </a:prstGeom>
-            <a:noFill/>
-          </p:spPr>
-          <p:txBody>
-            <a:bodyPr wrap="none" rtlCol="0">
-              <a:spAutoFit/>
-            </a:bodyPr>
-            <a:lstStyle/>
-            <a:p>
-              <a:r>
-                <a:rPr lang="en-US" altLang="zh-TW" sz="1000" b="1" dirty="0" smtClean="0">
-                  <a:latin typeface="標楷體" panose="03000509000000000000" pitchFamily="65" charset="-120"/>
-                  <a:ea typeface="標楷體" panose="03000509000000000000" pitchFamily="65" charset="-120"/>
-                </a:rPr>
-                <a:t>[Yes]</a:t>
-              </a:r>
-              <a:endParaRPr lang="zh-TW" altLang="en-US" sz="1000" b="1" dirty="0">
-                <a:latin typeface="標楷體" panose="03000509000000000000" pitchFamily="65" charset="-120"/>
-                <a:ea typeface="標楷體" panose="03000509000000000000" pitchFamily="65" charset="-120"/>
-              </a:endParaRPr>
-            </a:p>
-          </p:txBody>
-        </p:sp>
-        <p:sp>
-          <p:nvSpPr>
-            <p:cNvPr id="63" name="文字方塊 62"/>
-            <p:cNvSpPr txBox="1"/>
-            <p:nvPr/>
-          </p:nvSpPr>
-          <p:spPr>
-            <a:xfrm>
-              <a:off x="7674186" y="4058881"/>
-              <a:ext cx="505267" cy="246221"/>
-            </a:xfrm>
-            <a:prstGeom prst="rect">
-              <a:avLst/>
-            </a:prstGeom>
-            <a:noFill/>
-          </p:spPr>
-          <p:txBody>
-            <a:bodyPr wrap="none" rtlCol="0">
-              <a:spAutoFit/>
-            </a:bodyPr>
-            <a:lstStyle/>
-            <a:p>
-              <a:r>
-                <a:rPr lang="en-US" altLang="zh-TW" sz="1000" b="1" dirty="0" smtClean="0">
-                  <a:latin typeface="標楷體" panose="03000509000000000000" pitchFamily="65" charset="-120"/>
-                  <a:ea typeface="標楷體" panose="03000509000000000000" pitchFamily="65" charset="-120"/>
-                </a:rPr>
-                <a:t>[Yes]</a:t>
-              </a:r>
-              <a:endParaRPr lang="zh-TW" altLang="en-US" sz="1000" b="1" dirty="0">
-                <a:latin typeface="標楷體" panose="03000509000000000000" pitchFamily="65" charset="-120"/>
-                <a:ea typeface="標楷體" panose="03000509000000000000" pitchFamily="65" charset="-120"/>
-              </a:endParaRPr>
-            </a:p>
-          </p:txBody>
-        </p:sp>
-        <p:sp>
-          <p:nvSpPr>
-            <p:cNvPr id="49" name="文字方塊 48"/>
-            <p:cNvSpPr txBox="1"/>
-            <p:nvPr/>
-          </p:nvSpPr>
-          <p:spPr>
-            <a:xfrm>
-              <a:off x="4385894" y="3617414"/>
-              <a:ext cx="889987" cy="400110"/>
-            </a:xfrm>
-            <a:prstGeom prst="rect">
-              <a:avLst/>
-            </a:prstGeom>
-            <a:noFill/>
-            <a:ln>
-              <a:noFill/>
-            </a:ln>
-          </p:spPr>
-          <p:txBody>
-            <a:bodyPr wrap="none" rtlCol="0">
-              <a:spAutoFit/>
-            </a:bodyPr>
-            <a:lstStyle/>
-            <a:p>
-              <a:r>
-                <a:rPr lang="en-US" altLang="zh-TW" sz="1000" b="1" dirty="0" smtClean="0">
-                  <a:latin typeface="標楷體" panose="03000509000000000000" pitchFamily="65" charset="-120"/>
-                  <a:ea typeface="標楷體" panose="03000509000000000000" pitchFamily="65" charset="-120"/>
-                </a:rPr>
-                <a:t>[</a:t>
-              </a:r>
-              <a:r>
-                <a:rPr lang="zh-TW" altLang="en-US" sz="1000" b="1" dirty="0" smtClean="0">
-                  <a:latin typeface="標楷體" panose="03000509000000000000" pitchFamily="65" charset="-120"/>
-                  <a:ea typeface="標楷體" panose="03000509000000000000" pitchFamily="65" charset="-120"/>
-                </a:rPr>
-                <a:t>確認資料</a:t>
-              </a:r>
-              <a:endParaRPr lang="en-US" altLang="zh-TW" sz="1000" b="1" dirty="0" smtClean="0">
-                <a:latin typeface="標楷體" panose="03000509000000000000" pitchFamily="65" charset="-120"/>
-                <a:ea typeface="標楷體" panose="03000509000000000000" pitchFamily="65" charset="-120"/>
-              </a:endParaRPr>
-            </a:p>
-            <a:p>
-              <a:r>
-                <a:rPr lang="zh-TW" altLang="en-US" sz="1000" b="1" dirty="0" smtClean="0">
-                  <a:latin typeface="標楷體" panose="03000509000000000000" pitchFamily="65" charset="-120"/>
-                  <a:ea typeface="標楷體" panose="03000509000000000000" pitchFamily="65" charset="-120"/>
-                </a:rPr>
-                <a:t>是否無誤？</a:t>
-              </a:r>
-              <a:r>
-                <a:rPr lang="en-US" altLang="zh-TW" sz="1000" b="1" dirty="0" smtClean="0">
-                  <a:latin typeface="標楷體" panose="03000509000000000000" pitchFamily="65" charset="-120"/>
-                  <a:ea typeface="標楷體" panose="03000509000000000000" pitchFamily="65" charset="-120"/>
-                </a:rPr>
-                <a:t>]</a:t>
-              </a:r>
-              <a:endParaRPr lang="zh-TW" altLang="en-US" sz="1000" b="1" dirty="0">
-                <a:latin typeface="標楷體" panose="03000509000000000000" pitchFamily="65" charset="-120"/>
-                <a:ea typeface="標楷體" panose="03000509000000000000" pitchFamily="65" charset="-120"/>
-              </a:endParaRPr>
-            </a:p>
-          </p:txBody>
-        </p:sp>
-        <p:sp>
-          <p:nvSpPr>
-            <p:cNvPr id="72" name="文字方塊 71"/>
-            <p:cNvSpPr txBox="1"/>
-            <p:nvPr/>
-          </p:nvSpPr>
-          <p:spPr>
-            <a:xfrm>
-              <a:off x="7804749" y="4548866"/>
-              <a:ext cx="889987" cy="400110"/>
-            </a:xfrm>
-            <a:prstGeom prst="rect">
-              <a:avLst/>
-            </a:prstGeom>
-            <a:noFill/>
-            <a:ln>
-              <a:noFill/>
-            </a:ln>
-          </p:spPr>
-          <p:txBody>
-            <a:bodyPr wrap="none" rtlCol="0">
-              <a:spAutoFit/>
-            </a:bodyPr>
-            <a:lstStyle/>
-            <a:p>
-              <a:r>
-                <a:rPr lang="en-US" altLang="zh-TW" sz="1000" b="1" dirty="0" smtClean="0">
-                  <a:latin typeface="標楷體" panose="03000509000000000000" pitchFamily="65" charset="-120"/>
-                  <a:ea typeface="標楷體" panose="03000509000000000000" pitchFamily="65" charset="-120"/>
-                </a:rPr>
-                <a:t>[</a:t>
-              </a:r>
-              <a:r>
-                <a:rPr lang="zh-TW" altLang="en-US" sz="1000" b="1" dirty="0" smtClean="0">
-                  <a:latin typeface="標楷體" panose="03000509000000000000" pitchFamily="65" charset="-120"/>
-                  <a:ea typeface="標楷體" panose="03000509000000000000" pitchFamily="65" charset="-120"/>
-                </a:rPr>
-                <a:t>確認資料</a:t>
-              </a:r>
-              <a:endParaRPr lang="en-US" altLang="zh-TW" sz="1000" b="1" dirty="0" smtClean="0">
-                <a:latin typeface="標楷體" panose="03000509000000000000" pitchFamily="65" charset="-120"/>
-                <a:ea typeface="標楷體" panose="03000509000000000000" pitchFamily="65" charset="-120"/>
-              </a:endParaRPr>
-            </a:p>
-            <a:p>
-              <a:r>
-                <a:rPr lang="zh-TW" altLang="en-US" sz="1000" b="1" dirty="0" smtClean="0">
-                  <a:latin typeface="標楷體" panose="03000509000000000000" pitchFamily="65" charset="-120"/>
-                  <a:ea typeface="標楷體" panose="03000509000000000000" pitchFamily="65" charset="-120"/>
-                </a:rPr>
-                <a:t>是否無誤？</a:t>
-              </a:r>
-              <a:r>
-                <a:rPr lang="en-US" altLang="zh-TW" sz="1000" b="1" dirty="0" smtClean="0">
-                  <a:latin typeface="標楷體" panose="03000509000000000000" pitchFamily="65" charset="-120"/>
-                  <a:ea typeface="標楷體" panose="03000509000000000000" pitchFamily="65" charset="-120"/>
-                </a:rPr>
-                <a:t>]</a:t>
-              </a:r>
-              <a:endParaRPr lang="zh-TW" altLang="en-US" sz="1000" b="1" dirty="0">
-                <a:latin typeface="標楷體" panose="03000509000000000000" pitchFamily="65" charset="-120"/>
-                <a:ea typeface="標楷體" panose="03000509000000000000" pitchFamily="65" charset="-120"/>
-              </a:endParaRPr>
-            </a:p>
-          </p:txBody>
-        </p:sp>
-        <p:sp>
-          <p:nvSpPr>
-            <p:cNvPr id="43" name="文字方塊 42"/>
-            <p:cNvSpPr txBox="1"/>
-            <p:nvPr/>
-          </p:nvSpPr>
-          <p:spPr>
-            <a:xfrm>
-              <a:off x="6101201" y="2872722"/>
-              <a:ext cx="889987" cy="400110"/>
-            </a:xfrm>
-            <a:prstGeom prst="rect">
-              <a:avLst/>
-            </a:prstGeom>
-            <a:noFill/>
-            <a:ln>
-              <a:noFill/>
-            </a:ln>
-          </p:spPr>
-          <p:txBody>
-            <a:bodyPr wrap="none" rtlCol="0">
-              <a:spAutoFit/>
-            </a:bodyPr>
-            <a:lstStyle/>
-            <a:p>
-              <a:r>
-                <a:rPr lang="en-US" altLang="zh-TW" sz="1000" b="1" dirty="0" smtClean="0">
-                  <a:latin typeface="標楷體" panose="03000509000000000000" pitchFamily="65" charset="-120"/>
-                  <a:ea typeface="標楷體" panose="03000509000000000000" pitchFamily="65" charset="-120"/>
-                </a:rPr>
-                <a:t>[</a:t>
-              </a:r>
-              <a:r>
-                <a:rPr lang="zh-TW" altLang="en-US" sz="1000" b="1" dirty="0" smtClean="0">
-                  <a:latin typeface="標楷體" panose="03000509000000000000" pitchFamily="65" charset="-120"/>
-                  <a:ea typeface="標楷體" panose="03000509000000000000" pitchFamily="65" charset="-120"/>
-                </a:rPr>
-                <a:t>確認資料</a:t>
-              </a:r>
-              <a:endParaRPr lang="en-US" altLang="zh-TW" sz="1000" b="1" dirty="0" smtClean="0">
-                <a:latin typeface="標楷體" panose="03000509000000000000" pitchFamily="65" charset="-120"/>
-                <a:ea typeface="標楷體" panose="03000509000000000000" pitchFamily="65" charset="-120"/>
-              </a:endParaRPr>
-            </a:p>
-            <a:p>
-              <a:r>
-                <a:rPr lang="zh-TW" altLang="en-US" sz="1000" b="1" dirty="0" smtClean="0">
-                  <a:latin typeface="標楷體" panose="03000509000000000000" pitchFamily="65" charset="-120"/>
-                  <a:ea typeface="標楷體" panose="03000509000000000000" pitchFamily="65" charset="-120"/>
-                </a:rPr>
-                <a:t>是否無誤？</a:t>
-              </a:r>
-              <a:r>
-                <a:rPr lang="en-US" altLang="zh-TW" sz="1000" b="1" dirty="0" smtClean="0">
-                  <a:latin typeface="標楷體" panose="03000509000000000000" pitchFamily="65" charset="-120"/>
-                  <a:ea typeface="標楷體" panose="03000509000000000000" pitchFamily="65" charset="-120"/>
-                </a:rPr>
-                <a:t>]</a:t>
-              </a:r>
-              <a:endParaRPr lang="zh-TW" altLang="en-US" sz="1000" b="1" dirty="0">
-                <a:latin typeface="標楷體" panose="03000509000000000000" pitchFamily="65" charset="-120"/>
-                <a:ea typeface="標楷體" panose="03000509000000000000" pitchFamily="65" charset="-120"/>
-              </a:endParaRPr>
-            </a:p>
-          </p:txBody>
-        </p:sp>
-        <p:sp>
-          <p:nvSpPr>
-            <p:cNvPr id="59" name="矩形 58"/>
-            <p:cNvSpPr/>
-            <p:nvPr/>
-          </p:nvSpPr>
-          <p:spPr>
-            <a:xfrm>
-              <a:off x="3170051" y="1001115"/>
-              <a:ext cx="655203" cy="1101365"/>
-            </a:xfrm>
-            <a:prstGeom prst="rect">
-              <a:avLst/>
-            </a:prstGeom>
+          </a:ln>
+        </p:spPr>
+        <p:txBody>
+          <a:bodyPr wrap="none" rtlCol="0">
+            <a:spAutoFit/>
+          </a:bodyPr>
+          <a:lstStyle/>
+          <a:p>
+            <a:r>
+              <a:rPr lang="en-US" altLang="zh-TW" sz="1000" b="1" dirty="0" smtClean="0">
+                <a:latin typeface="標楷體" panose="03000509000000000000" pitchFamily="65" charset="-120"/>
+                <a:ea typeface="標楷體" panose="03000509000000000000" pitchFamily="65" charset="-120"/>
+              </a:rPr>
+              <a:t>[</a:t>
+            </a:r>
+            <a:r>
+              <a:rPr lang="zh-TW" altLang="en-US" sz="1000" b="1" dirty="0" smtClean="0">
+                <a:latin typeface="標楷體" panose="03000509000000000000" pitchFamily="65" charset="-120"/>
+                <a:ea typeface="標楷體" panose="03000509000000000000" pitchFamily="65" charset="-120"/>
+              </a:rPr>
+              <a:t>確認資料</a:t>
+            </a:r>
+            <a:endParaRPr lang="en-US" altLang="zh-TW" sz="1000" b="1" dirty="0" smtClean="0">
+              <a:latin typeface="標楷體" panose="03000509000000000000" pitchFamily="65" charset="-120"/>
+              <a:ea typeface="標楷體" panose="03000509000000000000" pitchFamily="65" charset="-120"/>
+            </a:endParaRPr>
+          </a:p>
+          <a:p>
+            <a:r>
+              <a:rPr lang="zh-TW" altLang="en-US" sz="1000" b="1" dirty="0" smtClean="0">
+                <a:latin typeface="標楷體" panose="03000509000000000000" pitchFamily="65" charset="-120"/>
+                <a:ea typeface="標楷體" panose="03000509000000000000" pitchFamily="65" charset="-120"/>
+              </a:rPr>
+              <a:t>是否無誤？</a:t>
+            </a:r>
+            <a:r>
+              <a:rPr lang="en-US" altLang="zh-TW" sz="1000" b="1" dirty="0" smtClean="0">
+                <a:latin typeface="標楷體" panose="03000509000000000000" pitchFamily="65" charset="-120"/>
+                <a:ea typeface="標楷體" panose="03000509000000000000" pitchFamily="65" charset="-120"/>
+              </a:rPr>
+              <a:t>]</a:t>
+            </a:r>
+            <a:endParaRPr lang="zh-TW" altLang="en-US" sz="1000" b="1" dirty="0">
+              <a:latin typeface="標楷體" panose="03000509000000000000" pitchFamily="65" charset="-120"/>
+              <a:ea typeface="標楷體" panose="03000509000000000000" pitchFamily="65" charset="-120"/>
+            </a:endParaRPr>
+          </a:p>
+        </p:txBody>
+      </p:sp>
+      <p:sp>
+        <p:nvSpPr>
+          <p:cNvPr id="59" name="矩形 58"/>
+          <p:cNvSpPr/>
+          <p:nvPr/>
+        </p:nvSpPr>
+        <p:spPr>
+          <a:xfrm>
+            <a:off x="3276255" y="1266368"/>
+            <a:ext cx="655203" cy="1101365"/>
+          </a:xfrm>
+          <a:prstGeom prst="rect">
+            <a:avLst/>
+          </a:prstGeom>
+          <a:solidFill>
+            <a:schemeClr val="accent1">
+              <a:lumMod val="20000"/>
+              <a:lumOff val="80000"/>
+            </a:schemeClr>
+          </a:solidFill>
+          <a:ln>
             <a:solidFill>
               <a:schemeClr val="accent1">
                 <a:lumMod val="20000"/>
                 <a:lumOff val="80000"/>
               </a:schemeClr>
             </a:solidFill>
-            <a:ln>
-              <a:solidFill>
-                <a:schemeClr val="accent1">
-                  <a:lumMod val="20000"/>
-                  <a:lumOff val="80000"/>
-                </a:schemeClr>
-              </a:solidFill>
-            </a:ln>
-          </p:spPr>
-          <p:style>
-            <a:lnRef idx="2">
-              <a:schemeClr val="accent1">
-                <a:shade val="50000"/>
-              </a:schemeClr>
-            </a:lnRef>
-            <a:fillRef idx="1">
-              <a:schemeClr val="accent1"/>
-            </a:fillRef>
-            <a:effectRef idx="0">
-              <a:schemeClr val="accent1"/>
-            </a:effectRef>
-            <a:fontRef idx="minor">
-              <a:schemeClr val="lt1"/>
-            </a:fontRef>
-          </p:style>
-          <p:txBody>
-            <a:bodyPr lIns="43200" tIns="43200" rIns="43200" bIns="43200" rtlCol="0" anchor="ctr"/>
-            <a:lstStyle/>
-            <a:p>
-              <a:pPr lvl="0"/>
-              <a:r>
-                <a:rPr lang="en-US" altLang="zh-TW" sz="1100" dirty="0" smtClean="0">
-                  <a:solidFill>
-                    <a:schemeClr val="tx1"/>
-                  </a:solidFill>
-                  <a:latin typeface="標楷體" panose="03000509000000000000" pitchFamily="65" charset="-120"/>
-                  <a:ea typeface="標楷體" panose="03000509000000000000" pitchFamily="65" charset="-120"/>
-                </a:rPr>
-                <a:t>1</a:t>
-              </a:r>
-              <a:r>
-                <a:rPr lang="en-US" altLang="zh-TW" sz="1100" dirty="0" smtClean="0">
-                  <a:solidFill>
-                    <a:schemeClr val="tx1"/>
-                  </a:solidFill>
-                  <a:latin typeface="標楷體" panose="03000509000000000000" pitchFamily="65" charset="-120"/>
-                  <a:ea typeface="標楷體" panose="03000509000000000000" pitchFamily="65" charset="-120"/>
-                </a:rPr>
-                <a:t>.</a:t>
-              </a:r>
-              <a:r>
-                <a:rPr lang="zh-TW" altLang="en-US" sz="1100" dirty="0">
-                  <a:solidFill>
-                    <a:schemeClr val="tx1"/>
-                  </a:solidFill>
-                  <a:latin typeface="標楷體" panose="03000509000000000000" pitchFamily="65" charset="-120"/>
-                  <a:ea typeface="標楷體" panose="03000509000000000000" pitchFamily="65" charset="-120"/>
-                </a:rPr>
-                <a:t>日期</a:t>
-              </a:r>
-              <a:endParaRPr lang="en-US" altLang="zh-TW" sz="1100" dirty="0" smtClean="0">
+          </a:ln>
+        </p:spPr>
+        <p:style>
+          <a:lnRef idx="2">
+            <a:schemeClr val="accent1">
+              <a:shade val="50000"/>
+            </a:schemeClr>
+          </a:lnRef>
+          <a:fillRef idx="1">
+            <a:schemeClr val="accent1"/>
+          </a:fillRef>
+          <a:effectRef idx="0">
+            <a:schemeClr val="accent1"/>
+          </a:effectRef>
+          <a:fontRef idx="minor">
+            <a:schemeClr val="lt1"/>
+          </a:fontRef>
+        </p:style>
+        <p:txBody>
+          <a:bodyPr lIns="43200" tIns="43200" rIns="43200" bIns="43200" rtlCol="0" anchor="ctr"/>
+          <a:lstStyle/>
+          <a:p>
+            <a:pPr lvl="0"/>
+            <a:r>
+              <a:rPr lang="en-US" altLang="zh-TW" sz="1100" dirty="0" smtClean="0">
                 <a:solidFill>
                   <a:schemeClr val="tx1"/>
                 </a:solidFill>
                 <a:latin typeface="標楷體" panose="03000509000000000000" pitchFamily="65" charset="-120"/>
                 <a:ea typeface="標楷體" panose="03000509000000000000" pitchFamily="65" charset="-120"/>
-              </a:endParaRPr>
-            </a:p>
-            <a:p>
-              <a:pPr lvl="0"/>
-              <a:r>
-                <a:rPr lang="en-US" altLang="zh-TW" sz="1100" dirty="0" smtClean="0">
-                  <a:solidFill>
-                    <a:schemeClr val="tx1"/>
-                  </a:solidFill>
-                  <a:latin typeface="標楷體" panose="03000509000000000000" pitchFamily="65" charset="-120"/>
-                  <a:ea typeface="標楷體" panose="03000509000000000000" pitchFamily="65" charset="-120"/>
-                </a:rPr>
-                <a:t>2</a:t>
-              </a:r>
-              <a:r>
-                <a:rPr lang="en-US" altLang="zh-TW" sz="1100" dirty="0" smtClean="0">
-                  <a:solidFill>
-                    <a:schemeClr val="tx1"/>
-                  </a:solidFill>
-                  <a:latin typeface="標楷體" panose="03000509000000000000" pitchFamily="65" charset="-120"/>
-                  <a:ea typeface="標楷體" panose="03000509000000000000" pitchFamily="65" charset="-120"/>
-                </a:rPr>
-                <a:t>.</a:t>
-              </a:r>
-              <a:r>
-                <a:rPr lang="zh-TW" altLang="en-US" sz="1100" dirty="0" smtClean="0">
-                  <a:solidFill>
-                    <a:schemeClr val="tx1"/>
-                  </a:solidFill>
-                  <a:latin typeface="標楷體" panose="03000509000000000000" pitchFamily="65" charset="-120"/>
-                  <a:ea typeface="標楷體" panose="03000509000000000000" pitchFamily="65" charset="-120"/>
-                </a:rPr>
-                <a:t>時間</a:t>
-              </a:r>
-              <a:endParaRPr lang="en-US" altLang="zh-TW" sz="1100" dirty="0" smtClean="0">
+              </a:rPr>
+              <a:t>1.</a:t>
+            </a:r>
+            <a:r>
+              <a:rPr lang="zh-TW" altLang="en-US" sz="1100" dirty="0">
                 <a:solidFill>
                   <a:schemeClr val="tx1"/>
                 </a:solidFill>
                 <a:latin typeface="標楷體" panose="03000509000000000000" pitchFamily="65" charset="-120"/>
                 <a:ea typeface="標楷體" panose="03000509000000000000" pitchFamily="65" charset="-120"/>
-              </a:endParaRPr>
-            </a:p>
-            <a:p>
-              <a:pPr lvl="0"/>
-              <a:r>
-                <a:rPr lang="en-US" altLang="zh-TW" sz="1100" dirty="0" smtClean="0">
-                  <a:solidFill>
-                    <a:schemeClr val="tx1"/>
-                  </a:solidFill>
-                  <a:latin typeface="標楷體" panose="03000509000000000000" pitchFamily="65" charset="-120"/>
-                  <a:ea typeface="標楷體" panose="03000509000000000000" pitchFamily="65" charset="-120"/>
-                </a:rPr>
-                <a:t>3.</a:t>
-              </a:r>
-              <a:r>
-                <a:rPr lang="zh-TW" altLang="en-US" sz="1100" dirty="0" smtClean="0">
-                  <a:solidFill>
-                    <a:schemeClr val="tx1"/>
-                  </a:solidFill>
-                  <a:latin typeface="標楷體" panose="03000509000000000000" pitchFamily="65" charset="-120"/>
-                  <a:ea typeface="標楷體" panose="03000509000000000000" pitchFamily="65" charset="-120"/>
-                </a:rPr>
-                <a:t>方案</a:t>
-              </a:r>
-              <a:endParaRPr lang="en-US" altLang="zh-TW" sz="1100" dirty="0" smtClean="0">
+              </a:rPr>
+              <a:t>日期</a:t>
+            </a:r>
+            <a:endParaRPr lang="en-US" altLang="zh-TW" sz="1100" dirty="0" smtClean="0">
+              <a:solidFill>
+                <a:schemeClr val="tx1"/>
+              </a:solidFill>
+              <a:latin typeface="標楷體" panose="03000509000000000000" pitchFamily="65" charset="-120"/>
+              <a:ea typeface="標楷體" panose="03000509000000000000" pitchFamily="65" charset="-120"/>
+            </a:endParaRPr>
+          </a:p>
+          <a:p>
+            <a:pPr lvl="0"/>
+            <a:r>
+              <a:rPr lang="en-US" altLang="zh-TW" sz="1100" dirty="0" smtClean="0">
                 <a:solidFill>
                   <a:schemeClr val="tx1"/>
                 </a:solidFill>
                 <a:latin typeface="標楷體" panose="03000509000000000000" pitchFamily="65" charset="-120"/>
                 <a:ea typeface="標楷體" panose="03000509000000000000" pitchFamily="65" charset="-120"/>
-              </a:endParaRPr>
-            </a:p>
-            <a:p>
-              <a:pPr lvl="0"/>
-              <a:r>
-                <a:rPr lang="en-US" altLang="zh-TW" sz="1100" dirty="0" smtClean="0">
-                  <a:solidFill>
-                    <a:schemeClr val="tx1"/>
-                  </a:solidFill>
-                  <a:latin typeface="標楷體" panose="03000509000000000000" pitchFamily="65" charset="-120"/>
-                  <a:ea typeface="標楷體" panose="03000509000000000000" pitchFamily="65" charset="-120"/>
-                </a:rPr>
-                <a:t>4.</a:t>
-              </a:r>
-              <a:r>
-                <a:rPr lang="zh-TW" altLang="en-US" sz="1100" dirty="0" smtClean="0">
-                  <a:solidFill>
-                    <a:schemeClr val="tx1"/>
-                  </a:solidFill>
-                  <a:latin typeface="標楷體" panose="03000509000000000000" pitchFamily="65" charset="-120"/>
-                  <a:ea typeface="標楷體" panose="03000509000000000000" pitchFamily="65" charset="-120"/>
-                </a:rPr>
-                <a:t>金額</a:t>
-              </a:r>
-              <a:endParaRPr lang="en-US" altLang="zh-TW" sz="1100" dirty="0" smtClean="0">
+              </a:rPr>
+              <a:t>2.</a:t>
+            </a:r>
+            <a:r>
+              <a:rPr lang="zh-TW" altLang="en-US" sz="1100" dirty="0" smtClean="0">
                 <a:solidFill>
                   <a:schemeClr val="tx1"/>
                 </a:solidFill>
                 <a:latin typeface="標楷體" panose="03000509000000000000" pitchFamily="65" charset="-120"/>
                 <a:ea typeface="標楷體" panose="03000509000000000000" pitchFamily="65" charset="-120"/>
-              </a:endParaRPr>
-            </a:p>
-          </p:txBody>
-        </p:sp>
-        <p:sp>
-          <p:nvSpPr>
-            <p:cNvPr id="61" name="矩形 60"/>
-            <p:cNvSpPr/>
-            <p:nvPr/>
-          </p:nvSpPr>
-          <p:spPr>
-            <a:xfrm>
-              <a:off x="2543404" y="4271272"/>
-              <a:ext cx="877875" cy="1101365"/>
-            </a:xfrm>
-            <a:prstGeom prst="rect">
-              <a:avLst/>
-            </a:prstGeom>
+              </a:rPr>
+              <a:t>時間</a:t>
+            </a:r>
+            <a:endParaRPr lang="en-US" altLang="zh-TW" sz="1100" dirty="0" smtClean="0">
+              <a:solidFill>
+                <a:schemeClr val="tx1"/>
+              </a:solidFill>
+              <a:latin typeface="標楷體" panose="03000509000000000000" pitchFamily="65" charset="-120"/>
+              <a:ea typeface="標楷體" panose="03000509000000000000" pitchFamily="65" charset="-120"/>
+            </a:endParaRPr>
+          </a:p>
+          <a:p>
+            <a:pPr lvl="0"/>
+            <a:r>
+              <a:rPr lang="en-US" altLang="zh-TW" sz="1100" dirty="0" smtClean="0">
+                <a:solidFill>
+                  <a:schemeClr val="tx1"/>
+                </a:solidFill>
+                <a:latin typeface="標楷體" panose="03000509000000000000" pitchFamily="65" charset="-120"/>
+                <a:ea typeface="標楷體" panose="03000509000000000000" pitchFamily="65" charset="-120"/>
+              </a:rPr>
+              <a:t>3.</a:t>
+            </a:r>
+            <a:r>
+              <a:rPr lang="zh-TW" altLang="en-US" sz="1100" dirty="0" smtClean="0">
+                <a:solidFill>
+                  <a:schemeClr val="tx1"/>
+                </a:solidFill>
+                <a:latin typeface="標楷體" panose="03000509000000000000" pitchFamily="65" charset="-120"/>
+                <a:ea typeface="標楷體" panose="03000509000000000000" pitchFamily="65" charset="-120"/>
+              </a:rPr>
+              <a:t>方案</a:t>
+            </a:r>
+            <a:endParaRPr lang="en-US" altLang="zh-TW" sz="1100" dirty="0" smtClean="0">
+              <a:solidFill>
+                <a:schemeClr val="tx1"/>
+              </a:solidFill>
+              <a:latin typeface="標楷體" panose="03000509000000000000" pitchFamily="65" charset="-120"/>
+              <a:ea typeface="標楷體" panose="03000509000000000000" pitchFamily="65" charset="-120"/>
+            </a:endParaRPr>
+          </a:p>
+          <a:p>
+            <a:pPr lvl="0"/>
+            <a:r>
+              <a:rPr lang="en-US" altLang="zh-TW" sz="1100" dirty="0" smtClean="0">
+                <a:solidFill>
+                  <a:schemeClr val="tx1"/>
+                </a:solidFill>
+                <a:latin typeface="標楷體" panose="03000509000000000000" pitchFamily="65" charset="-120"/>
+                <a:ea typeface="標楷體" panose="03000509000000000000" pitchFamily="65" charset="-120"/>
+              </a:rPr>
+              <a:t>4.</a:t>
+            </a:r>
+            <a:r>
+              <a:rPr lang="zh-TW" altLang="en-US" sz="1100" dirty="0" smtClean="0">
+                <a:solidFill>
+                  <a:schemeClr val="tx1"/>
+                </a:solidFill>
+                <a:latin typeface="標楷體" panose="03000509000000000000" pitchFamily="65" charset="-120"/>
+                <a:ea typeface="標楷體" panose="03000509000000000000" pitchFamily="65" charset="-120"/>
+              </a:rPr>
+              <a:t>金額</a:t>
+            </a:r>
+            <a:endParaRPr lang="en-US" altLang="zh-TW" sz="1100" dirty="0" smtClean="0">
+              <a:solidFill>
+                <a:schemeClr val="tx1"/>
+              </a:solidFill>
+              <a:latin typeface="標楷體" panose="03000509000000000000" pitchFamily="65" charset="-120"/>
+              <a:ea typeface="標楷體" panose="03000509000000000000" pitchFamily="65" charset="-120"/>
+            </a:endParaRPr>
+          </a:p>
+        </p:txBody>
+      </p:sp>
+      <p:sp>
+        <p:nvSpPr>
+          <p:cNvPr id="61" name="矩形 60"/>
+          <p:cNvSpPr/>
+          <p:nvPr/>
+        </p:nvSpPr>
+        <p:spPr>
+          <a:xfrm>
+            <a:off x="2820448" y="4702568"/>
+            <a:ext cx="877875" cy="1101365"/>
+          </a:xfrm>
+          <a:prstGeom prst="rect">
+            <a:avLst/>
+          </a:prstGeom>
+          <a:solidFill>
+            <a:schemeClr val="accent1">
+              <a:lumMod val="20000"/>
+              <a:lumOff val="80000"/>
+            </a:schemeClr>
+          </a:solidFill>
+          <a:ln>
             <a:solidFill>
               <a:schemeClr val="accent1">
                 <a:lumMod val="20000"/>
                 <a:lumOff val="80000"/>
               </a:schemeClr>
             </a:solidFill>
-            <a:ln>
-              <a:solidFill>
-                <a:schemeClr val="accent1">
-                  <a:lumMod val="20000"/>
-                  <a:lumOff val="80000"/>
-                </a:schemeClr>
-              </a:solidFill>
-            </a:ln>
-          </p:spPr>
-          <p:style>
-            <a:lnRef idx="2">
-              <a:schemeClr val="accent1">
-                <a:shade val="50000"/>
-              </a:schemeClr>
-            </a:lnRef>
-            <a:fillRef idx="1">
-              <a:schemeClr val="accent1"/>
-            </a:fillRef>
-            <a:effectRef idx="0">
-              <a:schemeClr val="accent1"/>
-            </a:effectRef>
-            <a:fontRef idx="minor">
-              <a:schemeClr val="lt1"/>
-            </a:fontRef>
-          </p:style>
-          <p:txBody>
-            <a:bodyPr lIns="43200" tIns="43200" rIns="43200" bIns="43200" rtlCol="0" anchor="ctr"/>
-            <a:lstStyle/>
-            <a:p>
-              <a:pPr lvl="0"/>
-              <a:r>
-                <a:rPr lang="en-US" altLang="zh-TW" sz="1100" dirty="0" smtClean="0">
-                  <a:solidFill>
-                    <a:schemeClr val="tx1"/>
-                  </a:solidFill>
-                  <a:latin typeface="標楷體" panose="03000509000000000000" pitchFamily="65" charset="-120"/>
-                  <a:ea typeface="標楷體" panose="03000509000000000000" pitchFamily="65" charset="-120"/>
-                </a:rPr>
-                <a:t>1</a:t>
-              </a:r>
-              <a:r>
-                <a:rPr lang="en-US" altLang="zh-TW" sz="1100" dirty="0" smtClean="0">
-                  <a:solidFill>
-                    <a:schemeClr val="tx1"/>
-                  </a:solidFill>
-                  <a:latin typeface="標楷體" panose="03000509000000000000" pitchFamily="65" charset="-120"/>
-                  <a:ea typeface="標楷體" panose="03000509000000000000" pitchFamily="65" charset="-120"/>
-                </a:rPr>
-                <a:t>.</a:t>
-              </a:r>
-              <a:r>
-                <a:rPr lang="zh-TW" altLang="en-US" sz="1100" dirty="0">
-                  <a:solidFill>
-                    <a:schemeClr val="tx1"/>
-                  </a:solidFill>
-                  <a:latin typeface="標楷體" panose="03000509000000000000" pitchFamily="65" charset="-120"/>
-                  <a:ea typeface="標楷體" panose="03000509000000000000" pitchFamily="65" charset="-120"/>
-                </a:rPr>
-                <a:t>寵物種類</a:t>
-              </a:r>
-              <a:endParaRPr lang="en-US" altLang="zh-TW" sz="1100" dirty="0" smtClean="0">
+          </a:ln>
+        </p:spPr>
+        <p:style>
+          <a:lnRef idx="2">
+            <a:schemeClr val="accent1">
+              <a:shade val="50000"/>
+            </a:schemeClr>
+          </a:lnRef>
+          <a:fillRef idx="1">
+            <a:schemeClr val="accent1"/>
+          </a:fillRef>
+          <a:effectRef idx="0">
+            <a:schemeClr val="accent1"/>
+          </a:effectRef>
+          <a:fontRef idx="minor">
+            <a:schemeClr val="lt1"/>
+          </a:fontRef>
+        </p:style>
+        <p:txBody>
+          <a:bodyPr lIns="43200" tIns="43200" rIns="43200" bIns="43200" rtlCol="0" anchor="ctr"/>
+          <a:lstStyle/>
+          <a:p>
+            <a:pPr lvl="0"/>
+            <a:r>
+              <a:rPr lang="en-US" altLang="zh-TW" sz="1100" dirty="0" smtClean="0">
                 <a:solidFill>
                   <a:schemeClr val="tx1"/>
                 </a:solidFill>
                 <a:latin typeface="標楷體" panose="03000509000000000000" pitchFamily="65" charset="-120"/>
                 <a:ea typeface="標楷體" panose="03000509000000000000" pitchFamily="65" charset="-120"/>
-              </a:endParaRPr>
-            </a:p>
-            <a:p>
-              <a:pPr lvl="0"/>
-              <a:r>
-                <a:rPr lang="en-US" altLang="zh-TW" sz="1100" dirty="0" smtClean="0">
-                  <a:solidFill>
-                    <a:schemeClr val="tx1"/>
-                  </a:solidFill>
-                  <a:latin typeface="標楷體" panose="03000509000000000000" pitchFamily="65" charset="-120"/>
-                  <a:ea typeface="標楷體" panose="03000509000000000000" pitchFamily="65" charset="-120"/>
-                </a:rPr>
-                <a:t>2</a:t>
-              </a:r>
-              <a:r>
-                <a:rPr lang="en-US" altLang="zh-TW" sz="1100" dirty="0" smtClean="0">
-                  <a:solidFill>
-                    <a:schemeClr val="tx1"/>
-                  </a:solidFill>
-                  <a:latin typeface="標楷體" panose="03000509000000000000" pitchFamily="65" charset="-120"/>
-                  <a:ea typeface="標楷體" panose="03000509000000000000" pitchFamily="65" charset="-120"/>
-                </a:rPr>
-                <a:t>.</a:t>
-              </a:r>
-              <a:r>
-                <a:rPr lang="zh-TW" altLang="en-US" sz="1100" dirty="0">
-                  <a:solidFill>
-                    <a:schemeClr val="tx1"/>
-                  </a:solidFill>
-                  <a:latin typeface="標楷體" panose="03000509000000000000" pitchFamily="65" charset="-120"/>
-                  <a:ea typeface="標楷體" panose="03000509000000000000" pitchFamily="65" charset="-120"/>
-                </a:rPr>
-                <a:t>寵物</a:t>
-              </a:r>
-              <a:r>
-                <a:rPr lang="zh-TW" altLang="en-US" sz="1100" dirty="0" smtClean="0">
-                  <a:solidFill>
-                    <a:schemeClr val="tx1"/>
-                  </a:solidFill>
-                  <a:latin typeface="標楷體" panose="03000509000000000000" pitchFamily="65" charset="-120"/>
-                  <a:ea typeface="標楷體" panose="03000509000000000000" pitchFamily="65" charset="-120"/>
-                </a:rPr>
-                <a:t>年紀</a:t>
-              </a:r>
-              <a:endParaRPr lang="en-US" altLang="zh-TW" sz="1100" dirty="0" smtClean="0">
+              </a:rPr>
+              <a:t>1.</a:t>
+            </a:r>
+            <a:r>
+              <a:rPr lang="zh-TW" altLang="en-US" sz="1100" dirty="0">
                 <a:solidFill>
                   <a:schemeClr val="tx1"/>
                 </a:solidFill>
                 <a:latin typeface="標楷體" panose="03000509000000000000" pitchFamily="65" charset="-120"/>
                 <a:ea typeface="標楷體" panose="03000509000000000000" pitchFamily="65" charset="-120"/>
-              </a:endParaRPr>
-            </a:p>
-            <a:p>
-              <a:pPr lvl="0"/>
-              <a:r>
-                <a:rPr lang="en-US" altLang="zh-TW" sz="1100" dirty="0" smtClean="0">
-                  <a:solidFill>
-                    <a:schemeClr val="tx1"/>
-                  </a:solidFill>
-                  <a:latin typeface="標楷體" panose="03000509000000000000" pitchFamily="65" charset="-120"/>
-                  <a:ea typeface="標楷體" panose="03000509000000000000" pitchFamily="65" charset="-120"/>
-                </a:rPr>
-                <a:t>3.</a:t>
-              </a:r>
-              <a:r>
-                <a:rPr lang="zh-TW" altLang="en-US" sz="1100" dirty="0" smtClean="0">
-                  <a:solidFill>
-                    <a:schemeClr val="tx1"/>
-                  </a:solidFill>
-                  <a:latin typeface="標楷體" panose="03000509000000000000" pitchFamily="65" charset="-120"/>
-                  <a:ea typeface="標楷體" panose="03000509000000000000" pitchFamily="65" charset="-120"/>
-                </a:rPr>
-                <a:t>寵物性別</a:t>
-              </a:r>
-              <a:endParaRPr lang="en-US" altLang="zh-TW" sz="1100" dirty="0" smtClean="0">
+              </a:rPr>
+              <a:t>寵物種類</a:t>
+            </a:r>
+            <a:endParaRPr lang="en-US" altLang="zh-TW" sz="1100" dirty="0" smtClean="0">
+              <a:solidFill>
+                <a:schemeClr val="tx1"/>
+              </a:solidFill>
+              <a:latin typeface="標楷體" panose="03000509000000000000" pitchFamily="65" charset="-120"/>
+              <a:ea typeface="標楷體" panose="03000509000000000000" pitchFamily="65" charset="-120"/>
+            </a:endParaRPr>
+          </a:p>
+          <a:p>
+            <a:pPr lvl="0"/>
+            <a:r>
+              <a:rPr lang="en-US" altLang="zh-TW" sz="1100" dirty="0" smtClean="0">
                 <a:solidFill>
                   <a:schemeClr val="tx1"/>
                 </a:solidFill>
                 <a:latin typeface="標楷體" panose="03000509000000000000" pitchFamily="65" charset="-120"/>
                 <a:ea typeface="標楷體" panose="03000509000000000000" pitchFamily="65" charset="-120"/>
-              </a:endParaRPr>
-            </a:p>
-            <a:p>
-              <a:pPr lvl="0"/>
-              <a:r>
-                <a:rPr lang="en-US" altLang="zh-TW" sz="1100" dirty="0">
-                  <a:solidFill>
-                    <a:schemeClr val="tx1"/>
-                  </a:solidFill>
-                  <a:latin typeface="標楷體" panose="03000509000000000000" pitchFamily="65" charset="-120"/>
-                  <a:ea typeface="標楷體" panose="03000509000000000000" pitchFamily="65" charset="-120"/>
-                </a:rPr>
-                <a:t>4</a:t>
-              </a:r>
-              <a:r>
-                <a:rPr lang="en-US" altLang="zh-TW" sz="1100" dirty="0" smtClean="0">
-                  <a:solidFill>
-                    <a:schemeClr val="tx1"/>
-                  </a:solidFill>
-                  <a:latin typeface="標楷體" panose="03000509000000000000" pitchFamily="65" charset="-120"/>
-                  <a:ea typeface="標楷體" panose="03000509000000000000" pitchFamily="65" charset="-120"/>
-                </a:rPr>
-                <a:t>.</a:t>
-              </a:r>
-              <a:r>
-                <a:rPr lang="zh-TW" altLang="en-US" sz="1100" dirty="0" smtClean="0">
-                  <a:solidFill>
-                    <a:schemeClr val="tx1"/>
-                  </a:solidFill>
-                  <a:latin typeface="標楷體" panose="03000509000000000000" pitchFamily="65" charset="-120"/>
-                  <a:ea typeface="標楷體" panose="03000509000000000000" pitchFamily="65" charset="-120"/>
-                </a:rPr>
-                <a:t>寵物名</a:t>
-              </a:r>
-              <a:endParaRPr lang="en-US" altLang="zh-TW" sz="1100" dirty="0" smtClean="0">
+              </a:rPr>
+              <a:t>2.</a:t>
+            </a:r>
+            <a:r>
+              <a:rPr lang="zh-TW" altLang="en-US" sz="1100" dirty="0">
                 <a:solidFill>
                   <a:schemeClr val="tx1"/>
                 </a:solidFill>
                 <a:latin typeface="標楷體" panose="03000509000000000000" pitchFamily="65" charset="-120"/>
                 <a:ea typeface="標楷體" panose="03000509000000000000" pitchFamily="65" charset="-120"/>
-              </a:endParaRPr>
-            </a:p>
-            <a:p>
-              <a:pPr lvl="0"/>
-              <a:r>
-                <a:rPr lang="en-US" altLang="zh-TW" sz="1100" dirty="0">
-                  <a:solidFill>
-                    <a:schemeClr val="tx1"/>
-                  </a:solidFill>
-                  <a:latin typeface="標楷體" panose="03000509000000000000" pitchFamily="65" charset="-120"/>
-                  <a:ea typeface="標楷體" panose="03000509000000000000" pitchFamily="65" charset="-120"/>
-                </a:rPr>
-                <a:t>5</a:t>
-              </a:r>
-              <a:r>
-                <a:rPr lang="en-US" altLang="zh-TW" sz="1100" dirty="0" smtClean="0">
-                  <a:solidFill>
-                    <a:schemeClr val="tx1"/>
-                  </a:solidFill>
-                  <a:latin typeface="標楷體" panose="03000509000000000000" pitchFamily="65" charset="-120"/>
-                  <a:ea typeface="標楷體" panose="03000509000000000000" pitchFamily="65" charset="-120"/>
-                </a:rPr>
-                <a:t>.</a:t>
-              </a:r>
-              <a:r>
-                <a:rPr lang="zh-TW" altLang="en-US" sz="1100" dirty="0" smtClean="0">
-                  <a:solidFill>
-                    <a:schemeClr val="tx1"/>
-                  </a:solidFill>
-                  <a:latin typeface="標楷體" panose="03000509000000000000" pitchFamily="65" charset="-120"/>
-                  <a:ea typeface="標楷體" panose="03000509000000000000" pitchFamily="65" charset="-120"/>
-                </a:rPr>
-                <a:t>備註</a:t>
-              </a:r>
-              <a:endParaRPr lang="en-US" altLang="zh-TW" sz="1100" dirty="0" smtClean="0">
+              </a:rPr>
+              <a:t>寵物</a:t>
+            </a:r>
+            <a:r>
+              <a:rPr lang="zh-TW" altLang="en-US" sz="1100" dirty="0" smtClean="0">
                 <a:solidFill>
                   <a:schemeClr val="tx1"/>
                 </a:solidFill>
                 <a:latin typeface="標楷體" panose="03000509000000000000" pitchFamily="65" charset="-120"/>
                 <a:ea typeface="標楷體" panose="03000509000000000000" pitchFamily="65" charset="-120"/>
-              </a:endParaRPr>
-            </a:p>
-          </p:txBody>
-        </p:sp>
-        <p:cxnSp>
-          <p:nvCxnSpPr>
-            <p:cNvPr id="3" name="直線接點 2"/>
-            <p:cNvCxnSpPr>
-              <a:stCxn id="59" idx="3"/>
-              <a:endCxn id="68" idx="0"/>
-            </p:cNvCxnSpPr>
-            <p:nvPr/>
-          </p:nvCxnSpPr>
-          <p:spPr>
-            <a:xfrm>
-              <a:off x="3825254" y="1551798"/>
-              <a:ext cx="588381" cy="637000"/>
-            </a:xfrm>
-            <a:prstGeom prst="line">
-              <a:avLst/>
-            </a:prstGeom>
-            <a:ln>
-              <a:prstDash val="sysDash"/>
-            </a:ln>
-          </p:spPr>
-          <p:style>
-            <a:lnRef idx="1">
-              <a:schemeClr val="accent1"/>
-            </a:lnRef>
-            <a:fillRef idx="0">
-              <a:schemeClr val="accent1"/>
-            </a:fillRef>
-            <a:effectRef idx="0">
-              <a:schemeClr val="accent1"/>
-            </a:effectRef>
-            <a:fontRef idx="minor">
-              <a:schemeClr val="tx1"/>
-            </a:fontRef>
-          </p:style>
-        </p:cxnSp>
-        <p:cxnSp>
-          <p:nvCxnSpPr>
-            <p:cNvPr id="6" name="直線接點 5"/>
-            <p:cNvCxnSpPr>
-              <a:stCxn id="59" idx="3"/>
-              <a:endCxn id="69" idx="0"/>
-            </p:cNvCxnSpPr>
-            <p:nvPr/>
-          </p:nvCxnSpPr>
-          <p:spPr>
-            <a:xfrm>
-              <a:off x="3825254" y="1551798"/>
-              <a:ext cx="2346007" cy="816093"/>
-            </a:xfrm>
-            <a:prstGeom prst="line">
-              <a:avLst/>
-            </a:prstGeom>
-            <a:ln>
-              <a:prstDash val="sysDash"/>
-            </a:ln>
-          </p:spPr>
-          <p:style>
-            <a:lnRef idx="1">
-              <a:schemeClr val="accent1"/>
-            </a:lnRef>
-            <a:fillRef idx="0">
-              <a:schemeClr val="accent1"/>
-            </a:fillRef>
-            <a:effectRef idx="0">
-              <a:schemeClr val="accent1"/>
-            </a:effectRef>
-            <a:fontRef idx="minor">
-              <a:schemeClr val="tx1"/>
-            </a:fontRef>
-          </p:style>
-        </p:cxnSp>
-        <p:cxnSp>
-          <p:nvCxnSpPr>
-            <p:cNvPr id="27" name="直線接點 26"/>
-            <p:cNvCxnSpPr>
-              <a:stCxn id="75" idx="2"/>
-              <a:endCxn id="61" idx="3"/>
-            </p:cNvCxnSpPr>
-            <p:nvPr/>
-          </p:nvCxnSpPr>
-          <p:spPr>
-            <a:xfrm flipH="1">
-              <a:off x="3421279" y="3652181"/>
-              <a:ext cx="992356" cy="1169774"/>
-            </a:xfrm>
-            <a:prstGeom prst="line">
-              <a:avLst/>
-            </a:prstGeom>
-            <a:ln>
-              <a:prstDash val="sysDash"/>
-            </a:ln>
-          </p:spPr>
-          <p:style>
-            <a:lnRef idx="1">
-              <a:schemeClr val="accent1"/>
-            </a:lnRef>
-            <a:fillRef idx="0">
-              <a:schemeClr val="accent1"/>
-            </a:fillRef>
-            <a:effectRef idx="0">
-              <a:schemeClr val="accent1"/>
-            </a:effectRef>
-            <a:fontRef idx="minor">
-              <a:schemeClr val="tx1"/>
-            </a:fontRef>
-          </p:style>
-        </p:cxnSp>
-      </p:grpSp>
+              </a:rPr>
+              <a:t>年紀</a:t>
+            </a:r>
+            <a:endParaRPr lang="en-US" altLang="zh-TW" sz="1100" dirty="0" smtClean="0">
+              <a:solidFill>
+                <a:schemeClr val="tx1"/>
+              </a:solidFill>
+              <a:latin typeface="標楷體" panose="03000509000000000000" pitchFamily="65" charset="-120"/>
+              <a:ea typeface="標楷體" panose="03000509000000000000" pitchFamily="65" charset="-120"/>
+            </a:endParaRPr>
+          </a:p>
+          <a:p>
+            <a:pPr lvl="0"/>
+            <a:r>
+              <a:rPr lang="en-US" altLang="zh-TW" sz="1100" dirty="0" smtClean="0">
+                <a:solidFill>
+                  <a:schemeClr val="tx1"/>
+                </a:solidFill>
+                <a:latin typeface="標楷體" panose="03000509000000000000" pitchFamily="65" charset="-120"/>
+                <a:ea typeface="標楷體" panose="03000509000000000000" pitchFamily="65" charset="-120"/>
+              </a:rPr>
+              <a:t>3.</a:t>
+            </a:r>
+            <a:r>
+              <a:rPr lang="zh-TW" altLang="en-US" sz="1100" dirty="0" smtClean="0">
+                <a:solidFill>
+                  <a:schemeClr val="tx1"/>
+                </a:solidFill>
+                <a:latin typeface="標楷體" panose="03000509000000000000" pitchFamily="65" charset="-120"/>
+                <a:ea typeface="標楷體" panose="03000509000000000000" pitchFamily="65" charset="-120"/>
+              </a:rPr>
+              <a:t>寵物性別</a:t>
+            </a:r>
+            <a:endParaRPr lang="en-US" altLang="zh-TW" sz="1100" dirty="0" smtClean="0">
+              <a:solidFill>
+                <a:schemeClr val="tx1"/>
+              </a:solidFill>
+              <a:latin typeface="標楷體" panose="03000509000000000000" pitchFamily="65" charset="-120"/>
+              <a:ea typeface="標楷體" panose="03000509000000000000" pitchFamily="65" charset="-120"/>
+            </a:endParaRPr>
+          </a:p>
+          <a:p>
+            <a:pPr lvl="0"/>
+            <a:r>
+              <a:rPr lang="en-US" altLang="zh-TW" sz="1100" dirty="0">
+                <a:solidFill>
+                  <a:schemeClr val="tx1"/>
+                </a:solidFill>
+                <a:latin typeface="標楷體" panose="03000509000000000000" pitchFamily="65" charset="-120"/>
+                <a:ea typeface="標楷體" panose="03000509000000000000" pitchFamily="65" charset="-120"/>
+              </a:rPr>
+              <a:t>4</a:t>
+            </a:r>
+            <a:r>
+              <a:rPr lang="en-US" altLang="zh-TW" sz="1100" dirty="0" smtClean="0">
+                <a:solidFill>
+                  <a:schemeClr val="tx1"/>
+                </a:solidFill>
+                <a:latin typeface="標楷體" panose="03000509000000000000" pitchFamily="65" charset="-120"/>
+                <a:ea typeface="標楷體" panose="03000509000000000000" pitchFamily="65" charset="-120"/>
+              </a:rPr>
+              <a:t>.</a:t>
+            </a:r>
+            <a:r>
+              <a:rPr lang="zh-TW" altLang="en-US" sz="1100" dirty="0" smtClean="0">
+                <a:solidFill>
+                  <a:schemeClr val="tx1"/>
+                </a:solidFill>
+                <a:latin typeface="標楷體" panose="03000509000000000000" pitchFamily="65" charset="-120"/>
+                <a:ea typeface="標楷體" panose="03000509000000000000" pitchFamily="65" charset="-120"/>
+              </a:rPr>
+              <a:t>寵物名</a:t>
+            </a:r>
+            <a:endParaRPr lang="en-US" altLang="zh-TW" sz="1100" dirty="0" smtClean="0">
+              <a:solidFill>
+                <a:schemeClr val="tx1"/>
+              </a:solidFill>
+              <a:latin typeface="標楷體" panose="03000509000000000000" pitchFamily="65" charset="-120"/>
+              <a:ea typeface="標楷體" panose="03000509000000000000" pitchFamily="65" charset="-120"/>
+            </a:endParaRPr>
+          </a:p>
+          <a:p>
+            <a:pPr lvl="0"/>
+            <a:r>
+              <a:rPr lang="en-US" altLang="zh-TW" sz="1100" dirty="0">
+                <a:solidFill>
+                  <a:schemeClr val="tx1"/>
+                </a:solidFill>
+                <a:latin typeface="標楷體" panose="03000509000000000000" pitchFamily="65" charset="-120"/>
+                <a:ea typeface="標楷體" panose="03000509000000000000" pitchFamily="65" charset="-120"/>
+              </a:rPr>
+              <a:t>5</a:t>
+            </a:r>
+            <a:r>
+              <a:rPr lang="en-US" altLang="zh-TW" sz="1100" dirty="0" smtClean="0">
+                <a:solidFill>
+                  <a:schemeClr val="tx1"/>
+                </a:solidFill>
+                <a:latin typeface="標楷體" panose="03000509000000000000" pitchFamily="65" charset="-120"/>
+                <a:ea typeface="標楷體" panose="03000509000000000000" pitchFamily="65" charset="-120"/>
+              </a:rPr>
+              <a:t>.</a:t>
+            </a:r>
+            <a:r>
+              <a:rPr lang="zh-TW" altLang="en-US" sz="1100" dirty="0" smtClean="0">
+                <a:solidFill>
+                  <a:schemeClr val="tx1"/>
+                </a:solidFill>
+                <a:latin typeface="標楷體" panose="03000509000000000000" pitchFamily="65" charset="-120"/>
+                <a:ea typeface="標楷體" panose="03000509000000000000" pitchFamily="65" charset="-120"/>
+              </a:rPr>
+              <a:t>備註</a:t>
+            </a:r>
+            <a:endParaRPr lang="en-US" altLang="zh-TW" sz="1100" dirty="0" smtClean="0">
+              <a:solidFill>
+                <a:schemeClr val="tx1"/>
+              </a:solidFill>
+              <a:latin typeface="標楷體" panose="03000509000000000000" pitchFamily="65" charset="-120"/>
+              <a:ea typeface="標楷體" panose="03000509000000000000" pitchFamily="65" charset="-120"/>
+            </a:endParaRPr>
+          </a:p>
+        </p:txBody>
+      </p:sp>
+      <p:cxnSp>
+        <p:nvCxnSpPr>
+          <p:cNvPr id="3" name="直線接點 2"/>
+          <p:cNvCxnSpPr>
+            <a:stCxn id="59" idx="2"/>
+            <a:endCxn id="68" idx="1"/>
+          </p:cNvCxnSpPr>
+          <p:nvPr/>
+        </p:nvCxnSpPr>
+        <p:spPr>
+          <a:xfrm>
+            <a:off x="3603857" y="2367733"/>
+            <a:ext cx="238628" cy="456690"/>
+          </a:xfrm>
+          <a:prstGeom prst="line">
+            <a:avLst/>
+          </a:prstGeom>
+          <a:ln>
+            <a:prstDash val="sysDash"/>
+          </a:ln>
+        </p:spPr>
+        <p:style>
+          <a:lnRef idx="1">
+            <a:schemeClr val="accent1"/>
+          </a:lnRef>
+          <a:fillRef idx="0">
+            <a:schemeClr val="accent1"/>
+          </a:fillRef>
+          <a:effectRef idx="0">
+            <a:schemeClr val="accent1"/>
+          </a:effectRef>
+          <a:fontRef idx="minor">
+            <a:schemeClr val="tx1"/>
+          </a:fontRef>
+        </p:style>
+      </p:cxnSp>
+      <p:cxnSp>
+        <p:nvCxnSpPr>
+          <p:cNvPr id="6" name="直線接點 5"/>
+          <p:cNvCxnSpPr>
+            <a:stCxn id="59" idx="3"/>
+            <a:endCxn id="69" idx="0"/>
+          </p:cNvCxnSpPr>
+          <p:nvPr/>
+        </p:nvCxnSpPr>
+        <p:spPr>
+          <a:xfrm>
+            <a:off x="3931458" y="1817051"/>
+            <a:ext cx="2240005" cy="844731"/>
+          </a:xfrm>
+          <a:prstGeom prst="line">
+            <a:avLst/>
+          </a:prstGeom>
+          <a:ln>
+            <a:prstDash val="sysDash"/>
+          </a:ln>
+        </p:spPr>
+        <p:style>
+          <a:lnRef idx="1">
+            <a:schemeClr val="accent1"/>
+          </a:lnRef>
+          <a:fillRef idx="0">
+            <a:schemeClr val="accent1"/>
+          </a:fillRef>
+          <a:effectRef idx="0">
+            <a:schemeClr val="accent1"/>
+          </a:effectRef>
+          <a:fontRef idx="minor">
+            <a:schemeClr val="tx1"/>
+          </a:fontRef>
+        </p:style>
+      </p:cxnSp>
+      <p:cxnSp>
+        <p:nvCxnSpPr>
+          <p:cNvPr id="27" name="直線接點 26"/>
+          <p:cNvCxnSpPr>
+            <a:stCxn id="75" idx="2"/>
+            <a:endCxn id="61" idx="0"/>
+          </p:cNvCxnSpPr>
+          <p:nvPr/>
+        </p:nvCxnSpPr>
+        <p:spPr>
+          <a:xfrm flipH="1">
+            <a:off x="3259386" y="3946072"/>
+            <a:ext cx="1154451" cy="756496"/>
+          </a:xfrm>
+          <a:prstGeom prst="line">
+            <a:avLst/>
+          </a:prstGeom>
+          <a:ln>
+            <a:prstDash val="sysDash"/>
+          </a:ln>
+        </p:spPr>
+        <p:style>
+          <a:lnRef idx="1">
+            <a:schemeClr val="accent1"/>
+          </a:lnRef>
+          <a:fillRef idx="0">
+            <a:schemeClr val="accent1"/>
+          </a:fillRef>
+          <a:effectRef idx="0">
+            <a:schemeClr val="accent1"/>
+          </a:effectRef>
+          <a:fontRef idx="minor">
+            <a:schemeClr val="tx1"/>
+          </a:fontRef>
+        </p:style>
+      </p:cxnSp>
+      <p:sp>
+        <p:nvSpPr>
+          <p:cNvPr id="103" name="矩形 102"/>
+          <p:cNvSpPr/>
+          <p:nvPr/>
+        </p:nvSpPr>
+        <p:spPr>
+          <a:xfrm>
+            <a:off x="8249944" y="2574707"/>
+            <a:ext cx="655203" cy="1101365"/>
+          </a:xfrm>
+          <a:prstGeom prst="rect">
+            <a:avLst/>
+          </a:prstGeom>
+          <a:solidFill>
+            <a:schemeClr val="accent1">
+              <a:lumMod val="20000"/>
+              <a:lumOff val="80000"/>
+            </a:schemeClr>
+          </a:solidFill>
+          <a:ln>
+            <a:solidFill>
+              <a:schemeClr val="accent1">
+                <a:lumMod val="20000"/>
+                <a:lumOff val="80000"/>
+              </a:schemeClr>
+            </a:solidFill>
+          </a:ln>
+        </p:spPr>
+        <p:style>
+          <a:lnRef idx="2">
+            <a:schemeClr val="accent1">
+              <a:shade val="50000"/>
+            </a:schemeClr>
+          </a:lnRef>
+          <a:fillRef idx="1">
+            <a:schemeClr val="accent1"/>
+          </a:fillRef>
+          <a:effectRef idx="0">
+            <a:schemeClr val="accent1"/>
+          </a:effectRef>
+          <a:fontRef idx="minor">
+            <a:schemeClr val="lt1"/>
+          </a:fontRef>
+        </p:style>
+        <p:txBody>
+          <a:bodyPr lIns="43200" tIns="43200" rIns="43200" bIns="43200" rtlCol="0" anchor="ctr"/>
+          <a:lstStyle/>
+          <a:p>
+            <a:pPr lvl="0"/>
+            <a:r>
+              <a:rPr lang="en-US" altLang="zh-TW" sz="1100" dirty="0" smtClean="0">
+                <a:solidFill>
+                  <a:schemeClr val="tx1"/>
+                </a:solidFill>
+                <a:latin typeface="標楷體" panose="03000509000000000000" pitchFamily="65" charset="-120"/>
+                <a:ea typeface="標楷體" panose="03000509000000000000" pitchFamily="65" charset="-120"/>
+              </a:rPr>
+              <a:t>1.</a:t>
+            </a:r>
+            <a:r>
+              <a:rPr lang="zh-TW" altLang="en-US" sz="1100" dirty="0">
+                <a:solidFill>
+                  <a:schemeClr val="tx1"/>
+                </a:solidFill>
+                <a:latin typeface="標楷體" panose="03000509000000000000" pitchFamily="65" charset="-120"/>
+                <a:ea typeface="標楷體" panose="03000509000000000000" pitchFamily="65" charset="-120"/>
+              </a:rPr>
+              <a:t>日期</a:t>
+            </a:r>
+            <a:endParaRPr lang="en-US" altLang="zh-TW" sz="1100" dirty="0" smtClean="0">
+              <a:solidFill>
+                <a:schemeClr val="tx1"/>
+              </a:solidFill>
+              <a:latin typeface="標楷體" panose="03000509000000000000" pitchFamily="65" charset="-120"/>
+              <a:ea typeface="標楷體" panose="03000509000000000000" pitchFamily="65" charset="-120"/>
+            </a:endParaRPr>
+          </a:p>
+          <a:p>
+            <a:pPr lvl="0"/>
+            <a:r>
+              <a:rPr lang="en-US" altLang="zh-TW" sz="1100" dirty="0" smtClean="0">
+                <a:solidFill>
+                  <a:schemeClr val="tx1"/>
+                </a:solidFill>
+                <a:latin typeface="標楷體" panose="03000509000000000000" pitchFamily="65" charset="-120"/>
+                <a:ea typeface="標楷體" panose="03000509000000000000" pitchFamily="65" charset="-120"/>
+              </a:rPr>
+              <a:t>2.</a:t>
+            </a:r>
+            <a:r>
+              <a:rPr lang="zh-TW" altLang="en-US" sz="1100" dirty="0" smtClean="0">
+                <a:solidFill>
+                  <a:schemeClr val="tx1"/>
+                </a:solidFill>
+                <a:latin typeface="標楷體" panose="03000509000000000000" pitchFamily="65" charset="-120"/>
+                <a:ea typeface="標楷體" panose="03000509000000000000" pitchFamily="65" charset="-120"/>
+              </a:rPr>
+              <a:t>時間</a:t>
+            </a:r>
+            <a:endParaRPr lang="en-US" altLang="zh-TW" sz="1100" dirty="0" smtClean="0">
+              <a:solidFill>
+                <a:schemeClr val="tx1"/>
+              </a:solidFill>
+              <a:latin typeface="標楷體" panose="03000509000000000000" pitchFamily="65" charset="-120"/>
+              <a:ea typeface="標楷體" panose="03000509000000000000" pitchFamily="65" charset="-120"/>
+            </a:endParaRPr>
+          </a:p>
+          <a:p>
+            <a:pPr lvl="0"/>
+            <a:r>
+              <a:rPr lang="en-US" altLang="zh-TW" sz="1100" dirty="0" smtClean="0">
+                <a:solidFill>
+                  <a:schemeClr val="tx1"/>
+                </a:solidFill>
+                <a:latin typeface="標楷體" panose="03000509000000000000" pitchFamily="65" charset="-120"/>
+                <a:ea typeface="標楷體" panose="03000509000000000000" pitchFamily="65" charset="-120"/>
+              </a:rPr>
+              <a:t>3.</a:t>
+            </a:r>
+            <a:r>
+              <a:rPr lang="zh-TW" altLang="en-US" sz="1100" dirty="0" smtClean="0">
+                <a:solidFill>
+                  <a:schemeClr val="tx1"/>
+                </a:solidFill>
+                <a:latin typeface="標楷體" panose="03000509000000000000" pitchFamily="65" charset="-120"/>
+                <a:ea typeface="標楷體" panose="03000509000000000000" pitchFamily="65" charset="-120"/>
+              </a:rPr>
+              <a:t>方案</a:t>
+            </a:r>
+            <a:endParaRPr lang="en-US" altLang="zh-TW" sz="1100" dirty="0" smtClean="0">
+              <a:solidFill>
+                <a:schemeClr val="tx1"/>
+              </a:solidFill>
+              <a:latin typeface="標楷體" panose="03000509000000000000" pitchFamily="65" charset="-120"/>
+              <a:ea typeface="標楷體" panose="03000509000000000000" pitchFamily="65" charset="-120"/>
+            </a:endParaRPr>
+          </a:p>
+          <a:p>
+            <a:pPr lvl="0"/>
+            <a:r>
+              <a:rPr lang="en-US" altLang="zh-TW" sz="1100" dirty="0" smtClean="0">
+                <a:solidFill>
+                  <a:schemeClr val="tx1"/>
+                </a:solidFill>
+                <a:latin typeface="標楷體" panose="03000509000000000000" pitchFamily="65" charset="-120"/>
+                <a:ea typeface="標楷體" panose="03000509000000000000" pitchFamily="65" charset="-120"/>
+              </a:rPr>
+              <a:t>4.</a:t>
+            </a:r>
+            <a:r>
+              <a:rPr lang="zh-TW" altLang="en-US" sz="1100" dirty="0" smtClean="0">
+                <a:solidFill>
+                  <a:schemeClr val="tx1"/>
+                </a:solidFill>
+                <a:latin typeface="標楷體" panose="03000509000000000000" pitchFamily="65" charset="-120"/>
+                <a:ea typeface="標楷體" panose="03000509000000000000" pitchFamily="65" charset="-120"/>
+              </a:rPr>
+              <a:t>金額</a:t>
+            </a:r>
+            <a:endParaRPr lang="en-US" altLang="zh-TW" sz="1100" dirty="0" smtClean="0">
+              <a:solidFill>
+                <a:schemeClr val="tx1"/>
+              </a:solidFill>
+              <a:latin typeface="標楷體" panose="03000509000000000000" pitchFamily="65" charset="-120"/>
+              <a:ea typeface="標楷體" panose="03000509000000000000" pitchFamily="65" charset="-120"/>
+            </a:endParaRPr>
+          </a:p>
+        </p:txBody>
+      </p:sp>
+      <p:cxnSp>
+        <p:nvCxnSpPr>
+          <p:cNvPr id="108" name="直線接點 107"/>
+          <p:cNvCxnSpPr>
+            <a:stCxn id="103" idx="2"/>
+            <a:endCxn id="76" idx="0"/>
+          </p:cNvCxnSpPr>
+          <p:nvPr/>
+        </p:nvCxnSpPr>
+        <p:spPr>
+          <a:xfrm>
+            <a:off x="8577546" y="3676072"/>
+            <a:ext cx="98661" cy="638689"/>
+          </a:xfrm>
+          <a:prstGeom prst="line">
+            <a:avLst/>
+          </a:prstGeom>
+          <a:ln>
+            <a:prstDash val="sysDash"/>
+          </a:ln>
+        </p:spPr>
+        <p:style>
+          <a:lnRef idx="1">
+            <a:schemeClr val="accent1"/>
+          </a:lnRef>
+          <a:fillRef idx="0">
+            <a:schemeClr val="accent1"/>
+          </a:fillRef>
+          <a:effectRef idx="0">
+            <a:schemeClr val="accent1"/>
+          </a:effectRef>
+          <a:fontRef idx="minor">
+            <a:schemeClr val="tx1"/>
+          </a:fontRef>
+        </p:style>
+      </p:cxnSp>
     </p:spTree>
     <p:extLst>
       <p:ext uri="{BB962C8B-B14F-4D97-AF65-F5344CB8AC3E}">
@@ -10984,7 +10980,7 @@
   <a:extraClrSchemeLst/>
   <a:extLst>
     <a:ext uri="{05A4C25C-085E-4340-85A3-A5531E510DB2}">
-      <thm15:themeFamily xmlns:thm15="http://schemas.microsoft.com/office/thememl/2012/main" xmlns="" name="Office Theme" id="{62F939B6-93AF-4DB8-9C6B-D6C7DFDC589F}" vid="{4A3C46E8-61CC-4603-A589-7422A47A8E4A}"/>
+      <thm15:themeFamily xmlns="" xmlns:thm15="http://schemas.microsoft.com/office/thememl/2012/main" name="Office Theme" id="{62F939B6-93AF-4DB8-9C6B-D6C7DFDC589F}" vid="{4A3C46E8-61CC-4603-A589-7422A47A8E4A}"/>
     </a:ext>
   </a:extLst>
 </a:theme>
